--- a/Design Assistance with Copilot.pptx
+++ b/Design Assistance with Copilot.pptx
@@ -11,8 +11,6 @@
     <p:sldId id="260" r:id="rId5"/>
     <p:sldId id="261" r:id="rId6"/>
     <p:sldId id="262" r:id="rId7"/>
-    <p:sldId id="263" r:id="rId8"/>
-    <p:sldId id="264" r:id="rId9"/>
   </p:sldIdLst>
   <p:sldSz cx="12192000" cy="6858000"/>
   <p:notesSz cx="6858000" cy="9144000"/>
@@ -136,7 +134,7 @@
           <p:cNvPr id="2" name="Title 1">
             <a:extLst>
               <a:ext uri="{FF2B5EF4-FFF2-40B4-BE49-F238E27FC236}">
-                <a16:creationId xmlns:a16="http://schemas.microsoft.com/office/drawing/2014/main" id="{E9AC04A5-7FAF-6DE7-A45C-AF711DEC8681}"/>
+                <a16:creationId xmlns:a16="http://schemas.microsoft.com/office/drawing/2014/main" id="{97B22A09-6DB8-77CD-1142-EEA6EDC1183C}"/>
               </a:ext>
             </a:extLst>
           </p:cNvPr>
@@ -173,7 +171,7 @@
           <p:cNvPr id="3" name="Subtitle 2">
             <a:extLst>
               <a:ext uri="{FF2B5EF4-FFF2-40B4-BE49-F238E27FC236}">
-                <a16:creationId xmlns:a16="http://schemas.microsoft.com/office/drawing/2014/main" id="{97C43864-E9CA-E939-3ED8-4075B0C596FC}"/>
+                <a16:creationId xmlns:a16="http://schemas.microsoft.com/office/drawing/2014/main" id="{343AB2AF-6F26-571C-7A37-AC2CA8CC337B}"/>
               </a:ext>
             </a:extLst>
           </p:cNvPr>
@@ -243,7 +241,7 @@
           <p:cNvPr id="4" name="Date Placeholder 3">
             <a:extLst>
               <a:ext uri="{FF2B5EF4-FFF2-40B4-BE49-F238E27FC236}">
-                <a16:creationId xmlns:a16="http://schemas.microsoft.com/office/drawing/2014/main" id="{4C7076F6-537F-EF14-A090-4763C3A4EA20}"/>
+                <a16:creationId xmlns:a16="http://schemas.microsoft.com/office/drawing/2014/main" id="{ECAE5EC3-D212-CA32-349C-39EECAA3B9D9}"/>
               </a:ext>
             </a:extLst>
           </p:cNvPr>
@@ -259,7 +257,7 @@
           <a:bodyPr/>
           <a:lstStyle/>
           <a:p>
-            <a:fld id="{BB5A274A-A000-4C88-883B-C40EC2B12F4B}" type="datetimeFigureOut">
+            <a:fld id="{49B73226-9F8E-41F8-980B-9570F01F7E08}" type="datetimeFigureOut">
               <a:rPr lang="en-US" smtClean="0"/>
               <a:t>9/26/2024</a:t>
             </a:fld>
@@ -272,7 +270,7 @@
           <p:cNvPr id="5" name="Footer Placeholder 4">
             <a:extLst>
               <a:ext uri="{FF2B5EF4-FFF2-40B4-BE49-F238E27FC236}">
-                <a16:creationId xmlns:a16="http://schemas.microsoft.com/office/drawing/2014/main" id="{E5FD18F8-5946-E427-1373-D3B02C2E8F02}"/>
+                <a16:creationId xmlns:a16="http://schemas.microsoft.com/office/drawing/2014/main" id="{02454084-D1F2-1B7D-5CB7-3B8243E399E0}"/>
               </a:ext>
             </a:extLst>
           </p:cNvPr>
@@ -297,7 +295,7 @@
           <p:cNvPr id="6" name="Slide Number Placeholder 5">
             <a:extLst>
               <a:ext uri="{FF2B5EF4-FFF2-40B4-BE49-F238E27FC236}">
-                <a16:creationId xmlns:a16="http://schemas.microsoft.com/office/drawing/2014/main" id="{5AEC9F3D-04EE-8D51-3BD3-7BED9DCD3728}"/>
+                <a16:creationId xmlns:a16="http://schemas.microsoft.com/office/drawing/2014/main" id="{0F4C8A05-E54B-2B5E-E978-6076BBFEFFC9}"/>
               </a:ext>
             </a:extLst>
           </p:cNvPr>
@@ -313,7 +311,7 @@
           <a:bodyPr/>
           <a:lstStyle/>
           <a:p>
-            <a:fld id="{95AC2A70-F962-4DE1-82C8-D8CB50804FDF}" type="slidenum">
+            <a:fld id="{2A8C2AE8-0BBE-4CBE-B864-FB701874A541}" type="slidenum">
               <a:rPr lang="en-US" smtClean="0"/>
               <a:t>‹#›</a:t>
             </a:fld>
@@ -324,7 +322,7 @@
     </p:spTree>
     <p:extLst>
       <p:ext uri="{BB962C8B-B14F-4D97-AF65-F5344CB8AC3E}">
-        <p14:creationId xmlns:p14="http://schemas.microsoft.com/office/powerpoint/2010/main" val="1703748098"/>
+        <p14:creationId xmlns:p14="http://schemas.microsoft.com/office/powerpoint/2010/main" val="690500936"/>
       </p:ext>
     </p:extLst>
   </p:cSld>
@@ -356,7 +354,7 @@
           <p:cNvPr id="2" name="Title 1">
             <a:extLst>
               <a:ext uri="{FF2B5EF4-FFF2-40B4-BE49-F238E27FC236}">
-                <a16:creationId xmlns:a16="http://schemas.microsoft.com/office/drawing/2014/main" id="{943ECB8F-B7CB-6CCC-A585-4A53CA3F7E1B}"/>
+                <a16:creationId xmlns:a16="http://schemas.microsoft.com/office/drawing/2014/main" id="{22FDF22A-58AF-D1E7-0511-AC8C03FEF8FD}"/>
               </a:ext>
             </a:extLst>
           </p:cNvPr>
@@ -384,7 +382,7 @@
           <p:cNvPr id="3" name="Vertical Text Placeholder 2">
             <a:extLst>
               <a:ext uri="{FF2B5EF4-FFF2-40B4-BE49-F238E27FC236}">
-                <a16:creationId xmlns:a16="http://schemas.microsoft.com/office/drawing/2014/main" id="{A49D7DB2-5BAF-6B48-B63F-63C51C9B5A8A}"/>
+                <a16:creationId xmlns:a16="http://schemas.microsoft.com/office/drawing/2014/main" id="{091BF8D2-D325-130E-F518-2B7054328CCE}"/>
               </a:ext>
             </a:extLst>
           </p:cNvPr>
@@ -441,7 +439,7 @@
           <p:cNvPr id="4" name="Date Placeholder 3">
             <a:extLst>
               <a:ext uri="{FF2B5EF4-FFF2-40B4-BE49-F238E27FC236}">
-                <a16:creationId xmlns:a16="http://schemas.microsoft.com/office/drawing/2014/main" id="{E82FD1D6-5395-E355-390D-9AB7C4057A93}"/>
+                <a16:creationId xmlns:a16="http://schemas.microsoft.com/office/drawing/2014/main" id="{636F50B4-37A9-3C2F-CB7D-39EC056B8FA0}"/>
               </a:ext>
             </a:extLst>
           </p:cNvPr>
@@ -457,7 +455,7 @@
           <a:bodyPr/>
           <a:lstStyle/>
           <a:p>
-            <a:fld id="{BB5A274A-A000-4C88-883B-C40EC2B12F4B}" type="datetimeFigureOut">
+            <a:fld id="{49B73226-9F8E-41F8-980B-9570F01F7E08}" type="datetimeFigureOut">
               <a:rPr lang="en-US" smtClean="0"/>
               <a:t>9/26/2024</a:t>
             </a:fld>
@@ -470,7 +468,7 @@
           <p:cNvPr id="5" name="Footer Placeholder 4">
             <a:extLst>
               <a:ext uri="{FF2B5EF4-FFF2-40B4-BE49-F238E27FC236}">
-                <a16:creationId xmlns:a16="http://schemas.microsoft.com/office/drawing/2014/main" id="{3A9C4748-D87D-6745-CF1B-90F7AF43E28E}"/>
+                <a16:creationId xmlns:a16="http://schemas.microsoft.com/office/drawing/2014/main" id="{15E591BC-E823-16ED-6D54-2521EE2CA02D}"/>
               </a:ext>
             </a:extLst>
           </p:cNvPr>
@@ -495,7 +493,7 @@
           <p:cNvPr id="6" name="Slide Number Placeholder 5">
             <a:extLst>
               <a:ext uri="{FF2B5EF4-FFF2-40B4-BE49-F238E27FC236}">
-                <a16:creationId xmlns:a16="http://schemas.microsoft.com/office/drawing/2014/main" id="{B4124773-11DF-6BD1-088B-60795A79C287}"/>
+                <a16:creationId xmlns:a16="http://schemas.microsoft.com/office/drawing/2014/main" id="{9287A70C-F6FC-62BC-F2BE-46ABB2E179A2}"/>
               </a:ext>
             </a:extLst>
           </p:cNvPr>
@@ -511,7 +509,7 @@
           <a:bodyPr/>
           <a:lstStyle/>
           <a:p>
-            <a:fld id="{95AC2A70-F962-4DE1-82C8-D8CB50804FDF}" type="slidenum">
+            <a:fld id="{2A8C2AE8-0BBE-4CBE-B864-FB701874A541}" type="slidenum">
               <a:rPr lang="en-US" smtClean="0"/>
               <a:t>‹#›</a:t>
             </a:fld>
@@ -522,7 +520,7 @@
     </p:spTree>
     <p:extLst>
       <p:ext uri="{BB962C8B-B14F-4D97-AF65-F5344CB8AC3E}">
-        <p14:creationId xmlns:p14="http://schemas.microsoft.com/office/powerpoint/2010/main" val="3990208840"/>
+        <p14:creationId xmlns:p14="http://schemas.microsoft.com/office/powerpoint/2010/main" val="2023618508"/>
       </p:ext>
     </p:extLst>
   </p:cSld>
@@ -554,7 +552,7 @@
           <p:cNvPr id="2" name="Vertical Title 1">
             <a:extLst>
               <a:ext uri="{FF2B5EF4-FFF2-40B4-BE49-F238E27FC236}">
-                <a16:creationId xmlns:a16="http://schemas.microsoft.com/office/drawing/2014/main" id="{BC9B470E-2904-40FE-E3CF-498CC14A8157}"/>
+                <a16:creationId xmlns:a16="http://schemas.microsoft.com/office/drawing/2014/main" id="{7974920D-B28B-F438-BF00-FDD0EB8AF0CE}"/>
               </a:ext>
             </a:extLst>
           </p:cNvPr>
@@ -587,7 +585,7 @@
           <p:cNvPr id="3" name="Vertical Text Placeholder 2">
             <a:extLst>
               <a:ext uri="{FF2B5EF4-FFF2-40B4-BE49-F238E27FC236}">
-                <a16:creationId xmlns:a16="http://schemas.microsoft.com/office/drawing/2014/main" id="{F8719164-A968-7A36-AA09-6D20995A3DC2}"/>
+                <a16:creationId xmlns:a16="http://schemas.microsoft.com/office/drawing/2014/main" id="{2E1811AD-50D1-D462-BB9B-6DE9C176B7CB}"/>
               </a:ext>
             </a:extLst>
           </p:cNvPr>
@@ -649,7 +647,7 @@
           <p:cNvPr id="4" name="Date Placeholder 3">
             <a:extLst>
               <a:ext uri="{FF2B5EF4-FFF2-40B4-BE49-F238E27FC236}">
-                <a16:creationId xmlns:a16="http://schemas.microsoft.com/office/drawing/2014/main" id="{AE19A451-149A-9665-2F85-68402C5BCB15}"/>
+                <a16:creationId xmlns:a16="http://schemas.microsoft.com/office/drawing/2014/main" id="{75BD604D-B91A-EA5D-1B72-2FE5631AEE85}"/>
               </a:ext>
             </a:extLst>
           </p:cNvPr>
@@ -665,7 +663,7 @@
           <a:bodyPr/>
           <a:lstStyle/>
           <a:p>
-            <a:fld id="{BB5A274A-A000-4C88-883B-C40EC2B12F4B}" type="datetimeFigureOut">
+            <a:fld id="{49B73226-9F8E-41F8-980B-9570F01F7E08}" type="datetimeFigureOut">
               <a:rPr lang="en-US" smtClean="0"/>
               <a:t>9/26/2024</a:t>
             </a:fld>
@@ -678,7 +676,7 @@
           <p:cNvPr id="5" name="Footer Placeholder 4">
             <a:extLst>
               <a:ext uri="{FF2B5EF4-FFF2-40B4-BE49-F238E27FC236}">
-                <a16:creationId xmlns:a16="http://schemas.microsoft.com/office/drawing/2014/main" id="{B2D62619-CA68-8EE9-9429-2AA5A738F7E0}"/>
+                <a16:creationId xmlns:a16="http://schemas.microsoft.com/office/drawing/2014/main" id="{8DC0444A-4E3B-9434-8154-3DFE37CE654C}"/>
               </a:ext>
             </a:extLst>
           </p:cNvPr>
@@ -703,7 +701,7 @@
           <p:cNvPr id="6" name="Slide Number Placeholder 5">
             <a:extLst>
               <a:ext uri="{FF2B5EF4-FFF2-40B4-BE49-F238E27FC236}">
-                <a16:creationId xmlns:a16="http://schemas.microsoft.com/office/drawing/2014/main" id="{EDB0397A-A2B6-B9B1-2E6C-01356158B154}"/>
+                <a16:creationId xmlns:a16="http://schemas.microsoft.com/office/drawing/2014/main" id="{D6E39B96-54D0-BBBC-6AF8-AA7723EEC9DC}"/>
               </a:ext>
             </a:extLst>
           </p:cNvPr>
@@ -719,7 +717,7 @@
           <a:bodyPr/>
           <a:lstStyle/>
           <a:p>
-            <a:fld id="{95AC2A70-F962-4DE1-82C8-D8CB50804FDF}" type="slidenum">
+            <a:fld id="{2A8C2AE8-0BBE-4CBE-B864-FB701874A541}" type="slidenum">
               <a:rPr lang="en-US" smtClean="0"/>
               <a:t>‹#›</a:t>
             </a:fld>
@@ -730,7 +728,7 @@
     </p:spTree>
     <p:extLst>
       <p:ext uri="{BB962C8B-B14F-4D97-AF65-F5344CB8AC3E}">
-        <p14:creationId xmlns:p14="http://schemas.microsoft.com/office/powerpoint/2010/main" val="1096011328"/>
+        <p14:creationId xmlns:p14="http://schemas.microsoft.com/office/powerpoint/2010/main" val="1861166082"/>
       </p:ext>
     </p:extLst>
   </p:cSld>
@@ -762,7 +760,7 @@
           <p:cNvPr id="2" name="Title 1">
             <a:extLst>
               <a:ext uri="{FF2B5EF4-FFF2-40B4-BE49-F238E27FC236}">
-                <a16:creationId xmlns:a16="http://schemas.microsoft.com/office/drawing/2014/main" id="{FA428183-A366-7B10-D2DF-5B9B2119CD65}"/>
+                <a16:creationId xmlns:a16="http://schemas.microsoft.com/office/drawing/2014/main" id="{D70F554C-4267-D70A-C0E6-BACE389FD906}"/>
               </a:ext>
             </a:extLst>
           </p:cNvPr>
@@ -790,7 +788,7 @@
           <p:cNvPr id="3" name="Text Placeholder 2">
             <a:extLst>
               <a:ext uri="{FF2B5EF4-FFF2-40B4-BE49-F238E27FC236}">
-                <a16:creationId xmlns:a16="http://schemas.microsoft.com/office/drawing/2014/main" id="{3E4A6C41-4752-B491-11BE-7634EE84F977}"/>
+                <a16:creationId xmlns:a16="http://schemas.microsoft.com/office/drawing/2014/main" id="{5939C245-C26C-B1D4-9EDB-BBF62E2C89AA}"/>
               </a:ext>
             </a:extLst>
           </p:cNvPr>
@@ -847,7 +845,7 @@
           <p:cNvPr id="4" name="Date Placeholder 3">
             <a:extLst>
               <a:ext uri="{FF2B5EF4-FFF2-40B4-BE49-F238E27FC236}">
-                <a16:creationId xmlns:a16="http://schemas.microsoft.com/office/drawing/2014/main" id="{10CBE714-B6DF-933D-0D59-43DF46AE39BE}"/>
+                <a16:creationId xmlns:a16="http://schemas.microsoft.com/office/drawing/2014/main" id="{86245642-47CF-EDED-CB91-28545109A77C}"/>
               </a:ext>
             </a:extLst>
           </p:cNvPr>
@@ -863,7 +861,7 @@
           <a:bodyPr/>
           <a:lstStyle/>
           <a:p>
-            <a:fld id="{F055DE64-846F-42FA-A338-FA41F376F645}" type="datetimeFigureOut">
+            <a:fld id="{AB65BA3C-0CB8-445E-90B0-708803A4463B}" type="datetimeFigureOut">
               <a:rPr lang="en-US" smtClean="0"/>
               <a:t>9/26/2024</a:t>
             </a:fld>
@@ -876,7 +874,7 @@
           <p:cNvPr id="5" name="Footer Placeholder 4">
             <a:extLst>
               <a:ext uri="{FF2B5EF4-FFF2-40B4-BE49-F238E27FC236}">
-                <a16:creationId xmlns:a16="http://schemas.microsoft.com/office/drawing/2014/main" id="{F6DD548D-C316-D025-E531-430C47BBF47F}"/>
+                <a16:creationId xmlns:a16="http://schemas.microsoft.com/office/drawing/2014/main" id="{2FB43ECD-1018-0C27-EE25-0BAFE86AD692}"/>
               </a:ext>
             </a:extLst>
           </p:cNvPr>
@@ -901,7 +899,7 @@
           <p:cNvPr id="6" name="Slide Number Placeholder 5">
             <a:extLst>
               <a:ext uri="{FF2B5EF4-FFF2-40B4-BE49-F238E27FC236}">
-                <a16:creationId xmlns:a16="http://schemas.microsoft.com/office/drawing/2014/main" id="{DE9FBBD1-F861-1A96-8E9E-E57F8A82B490}"/>
+                <a16:creationId xmlns:a16="http://schemas.microsoft.com/office/drawing/2014/main" id="{D7D250A2-C561-109A-18C3-2C55C0BF51B4}"/>
               </a:ext>
             </a:extLst>
           </p:cNvPr>
@@ -917,7 +915,7 @@
           <a:bodyPr/>
           <a:lstStyle/>
           <a:p>
-            <a:fld id="{D746F1C2-20DA-4552-8425-66207F974ECF}" type="slidenum">
+            <a:fld id="{9E5075AE-0466-4B45-9C05-1F313E44F530}" type="slidenum">
               <a:rPr lang="en-US" smtClean="0"/>
               <a:t>‹#›</a:t>
             </a:fld>
@@ -928,7 +926,7 @@
     </p:spTree>
     <p:extLst>
       <p:ext uri="{BB962C8B-B14F-4D97-AF65-F5344CB8AC3E}">
-        <p14:creationId xmlns:p14="http://schemas.microsoft.com/office/powerpoint/2010/main" val="1030917717"/>
+        <p14:creationId xmlns:p14="http://schemas.microsoft.com/office/powerpoint/2010/main" val="3577114951"/>
       </p:ext>
     </p:extLst>
   </p:cSld>
@@ -960,7 +958,7 @@
           <p:cNvPr id="2" name="Title 1">
             <a:extLst>
               <a:ext uri="{FF2B5EF4-FFF2-40B4-BE49-F238E27FC236}">
-                <a16:creationId xmlns:a16="http://schemas.microsoft.com/office/drawing/2014/main" id="{3C762B14-1B48-07AD-E6E5-EAF3E69624FA}"/>
+                <a16:creationId xmlns:a16="http://schemas.microsoft.com/office/drawing/2014/main" id="{EF795A72-C761-DDB5-7FC5-29D3890821C8}"/>
               </a:ext>
             </a:extLst>
           </p:cNvPr>
@@ -988,7 +986,7 @@
           <p:cNvPr id="3" name="Content Placeholder 2">
             <a:extLst>
               <a:ext uri="{FF2B5EF4-FFF2-40B4-BE49-F238E27FC236}">
-                <a16:creationId xmlns:a16="http://schemas.microsoft.com/office/drawing/2014/main" id="{9F8BBF0C-D909-16A1-6363-2BB6BE991851}"/>
+                <a16:creationId xmlns:a16="http://schemas.microsoft.com/office/drawing/2014/main" id="{519B4708-3E77-3B78-EBD8-49855D1CC45A}"/>
               </a:ext>
             </a:extLst>
           </p:cNvPr>
@@ -1045,7 +1043,7 @@
           <p:cNvPr id="4" name="Date Placeholder 3">
             <a:extLst>
               <a:ext uri="{FF2B5EF4-FFF2-40B4-BE49-F238E27FC236}">
-                <a16:creationId xmlns:a16="http://schemas.microsoft.com/office/drawing/2014/main" id="{4DFD6C47-EC3F-9811-F3B3-FC00B8B90701}"/>
+                <a16:creationId xmlns:a16="http://schemas.microsoft.com/office/drawing/2014/main" id="{AED5D957-7A18-ECCA-DD04-7F076B5C5229}"/>
               </a:ext>
             </a:extLst>
           </p:cNvPr>
@@ -1061,7 +1059,7 @@
           <a:bodyPr/>
           <a:lstStyle/>
           <a:p>
-            <a:fld id="{BB5A274A-A000-4C88-883B-C40EC2B12F4B}" type="datetimeFigureOut">
+            <a:fld id="{49B73226-9F8E-41F8-980B-9570F01F7E08}" type="datetimeFigureOut">
               <a:rPr lang="en-US" smtClean="0"/>
               <a:t>9/26/2024</a:t>
             </a:fld>
@@ -1074,7 +1072,7 @@
           <p:cNvPr id="5" name="Footer Placeholder 4">
             <a:extLst>
               <a:ext uri="{FF2B5EF4-FFF2-40B4-BE49-F238E27FC236}">
-                <a16:creationId xmlns:a16="http://schemas.microsoft.com/office/drawing/2014/main" id="{D398D743-FA89-BF1B-0395-5A65450B24A4}"/>
+                <a16:creationId xmlns:a16="http://schemas.microsoft.com/office/drawing/2014/main" id="{F10B60E2-D3E6-A6EC-5C1E-4B8E8EF2FE64}"/>
               </a:ext>
             </a:extLst>
           </p:cNvPr>
@@ -1099,7 +1097,7 @@
           <p:cNvPr id="6" name="Slide Number Placeholder 5">
             <a:extLst>
               <a:ext uri="{FF2B5EF4-FFF2-40B4-BE49-F238E27FC236}">
-                <a16:creationId xmlns:a16="http://schemas.microsoft.com/office/drawing/2014/main" id="{A45414C5-6724-55BC-29C3-EEA3C572CEFF}"/>
+                <a16:creationId xmlns:a16="http://schemas.microsoft.com/office/drawing/2014/main" id="{6175207E-98D0-6080-82B8-600EE229B4A3}"/>
               </a:ext>
             </a:extLst>
           </p:cNvPr>
@@ -1115,7 +1113,7 @@
           <a:bodyPr/>
           <a:lstStyle/>
           <a:p>
-            <a:fld id="{95AC2A70-F962-4DE1-82C8-D8CB50804FDF}" type="slidenum">
+            <a:fld id="{2A8C2AE8-0BBE-4CBE-B864-FB701874A541}" type="slidenum">
               <a:rPr lang="en-US" smtClean="0"/>
               <a:t>‹#›</a:t>
             </a:fld>
@@ -1126,7 +1124,7 @@
     </p:spTree>
     <p:extLst>
       <p:ext uri="{BB962C8B-B14F-4D97-AF65-F5344CB8AC3E}">
-        <p14:creationId xmlns:p14="http://schemas.microsoft.com/office/powerpoint/2010/main" val="1756203276"/>
+        <p14:creationId xmlns:p14="http://schemas.microsoft.com/office/powerpoint/2010/main" val="3901343357"/>
       </p:ext>
     </p:extLst>
   </p:cSld>
@@ -1158,7 +1156,7 @@
           <p:cNvPr id="2" name="Title 1">
             <a:extLst>
               <a:ext uri="{FF2B5EF4-FFF2-40B4-BE49-F238E27FC236}">
-                <a16:creationId xmlns:a16="http://schemas.microsoft.com/office/drawing/2014/main" id="{99E39533-334E-84B8-A5B7-AA93B2659117}"/>
+                <a16:creationId xmlns:a16="http://schemas.microsoft.com/office/drawing/2014/main" id="{0E4832E6-4EB4-19FC-719A-7BD50B80E8B5}"/>
               </a:ext>
             </a:extLst>
           </p:cNvPr>
@@ -1195,7 +1193,7 @@
           <p:cNvPr id="3" name="Text Placeholder 2">
             <a:extLst>
               <a:ext uri="{FF2B5EF4-FFF2-40B4-BE49-F238E27FC236}">
-                <a16:creationId xmlns:a16="http://schemas.microsoft.com/office/drawing/2014/main" id="{562798BE-B4E2-EBF3-FDA1-C8AEF469F3A7}"/>
+                <a16:creationId xmlns:a16="http://schemas.microsoft.com/office/drawing/2014/main" id="{E7184B32-6F67-0CE7-7661-94EB9C0D455A}"/>
               </a:ext>
             </a:extLst>
           </p:cNvPr>
@@ -1320,7 +1318,7 @@
           <p:cNvPr id="4" name="Date Placeholder 3">
             <a:extLst>
               <a:ext uri="{FF2B5EF4-FFF2-40B4-BE49-F238E27FC236}">
-                <a16:creationId xmlns:a16="http://schemas.microsoft.com/office/drawing/2014/main" id="{1E9BC46A-93DD-C337-10AA-FCF50C913633}"/>
+                <a16:creationId xmlns:a16="http://schemas.microsoft.com/office/drawing/2014/main" id="{979CB8A5-8969-A6FD-6E83-BF7DDF15100B}"/>
               </a:ext>
             </a:extLst>
           </p:cNvPr>
@@ -1336,7 +1334,7 @@
           <a:bodyPr/>
           <a:lstStyle/>
           <a:p>
-            <a:fld id="{BB5A274A-A000-4C88-883B-C40EC2B12F4B}" type="datetimeFigureOut">
+            <a:fld id="{49B73226-9F8E-41F8-980B-9570F01F7E08}" type="datetimeFigureOut">
               <a:rPr lang="en-US" smtClean="0"/>
               <a:t>9/26/2024</a:t>
             </a:fld>
@@ -1349,7 +1347,7 @@
           <p:cNvPr id="5" name="Footer Placeholder 4">
             <a:extLst>
               <a:ext uri="{FF2B5EF4-FFF2-40B4-BE49-F238E27FC236}">
-                <a16:creationId xmlns:a16="http://schemas.microsoft.com/office/drawing/2014/main" id="{7EE9B9BD-A616-700B-68E0-CFDC8A6EF482}"/>
+                <a16:creationId xmlns:a16="http://schemas.microsoft.com/office/drawing/2014/main" id="{570F4AAE-D0C8-7CC9-F6EA-123688CEBCEF}"/>
               </a:ext>
             </a:extLst>
           </p:cNvPr>
@@ -1374,7 +1372,7 @@
           <p:cNvPr id="6" name="Slide Number Placeholder 5">
             <a:extLst>
               <a:ext uri="{FF2B5EF4-FFF2-40B4-BE49-F238E27FC236}">
-                <a16:creationId xmlns:a16="http://schemas.microsoft.com/office/drawing/2014/main" id="{0A6EA5C0-D739-25FB-33DB-C44A176ED06F}"/>
+                <a16:creationId xmlns:a16="http://schemas.microsoft.com/office/drawing/2014/main" id="{DBD505F3-E83A-E070-1420-9923D5CB6DE1}"/>
               </a:ext>
             </a:extLst>
           </p:cNvPr>
@@ -1390,7 +1388,7 @@
           <a:bodyPr/>
           <a:lstStyle/>
           <a:p>
-            <a:fld id="{95AC2A70-F962-4DE1-82C8-D8CB50804FDF}" type="slidenum">
+            <a:fld id="{2A8C2AE8-0BBE-4CBE-B864-FB701874A541}" type="slidenum">
               <a:rPr lang="en-US" smtClean="0"/>
               <a:t>‹#›</a:t>
             </a:fld>
@@ -1401,7 +1399,7 @@
     </p:spTree>
     <p:extLst>
       <p:ext uri="{BB962C8B-B14F-4D97-AF65-F5344CB8AC3E}">
-        <p14:creationId xmlns:p14="http://schemas.microsoft.com/office/powerpoint/2010/main" val="3689950635"/>
+        <p14:creationId xmlns:p14="http://schemas.microsoft.com/office/powerpoint/2010/main" val="462148951"/>
       </p:ext>
     </p:extLst>
   </p:cSld>
@@ -1433,7 +1431,7 @@
           <p:cNvPr id="2" name="Title 1">
             <a:extLst>
               <a:ext uri="{FF2B5EF4-FFF2-40B4-BE49-F238E27FC236}">
-                <a16:creationId xmlns:a16="http://schemas.microsoft.com/office/drawing/2014/main" id="{C66A04F5-94BF-5B32-7EA4-EE013B12A2E7}"/>
+                <a16:creationId xmlns:a16="http://schemas.microsoft.com/office/drawing/2014/main" id="{1942EBC6-FE6A-F054-8CC6-BA0D0EC6012D}"/>
               </a:ext>
             </a:extLst>
           </p:cNvPr>
@@ -1461,7 +1459,7 @@
           <p:cNvPr id="3" name="Content Placeholder 2">
             <a:extLst>
               <a:ext uri="{FF2B5EF4-FFF2-40B4-BE49-F238E27FC236}">
-                <a16:creationId xmlns:a16="http://schemas.microsoft.com/office/drawing/2014/main" id="{79B91903-C9BC-1AAD-7823-BABBD571CEC9}"/>
+                <a16:creationId xmlns:a16="http://schemas.microsoft.com/office/drawing/2014/main" id="{E9DA2FBF-5EF9-E6DE-A0AC-6F21158E2EC2}"/>
               </a:ext>
             </a:extLst>
           </p:cNvPr>
@@ -1523,7 +1521,7 @@
           <p:cNvPr id="4" name="Content Placeholder 3">
             <a:extLst>
               <a:ext uri="{FF2B5EF4-FFF2-40B4-BE49-F238E27FC236}">
-                <a16:creationId xmlns:a16="http://schemas.microsoft.com/office/drawing/2014/main" id="{BBB94C48-88ED-09F2-B08A-D3DE59931C55}"/>
+                <a16:creationId xmlns:a16="http://schemas.microsoft.com/office/drawing/2014/main" id="{11944C49-BF55-D375-4673-1436075B1044}"/>
               </a:ext>
             </a:extLst>
           </p:cNvPr>
@@ -1585,7 +1583,7 @@
           <p:cNvPr id="5" name="Date Placeholder 4">
             <a:extLst>
               <a:ext uri="{FF2B5EF4-FFF2-40B4-BE49-F238E27FC236}">
-                <a16:creationId xmlns:a16="http://schemas.microsoft.com/office/drawing/2014/main" id="{92F3CF09-17B4-EDB5-BD93-40A9D4269227}"/>
+                <a16:creationId xmlns:a16="http://schemas.microsoft.com/office/drawing/2014/main" id="{6749A18E-FB12-28BD-D876-7BF477501E20}"/>
               </a:ext>
             </a:extLst>
           </p:cNvPr>
@@ -1601,7 +1599,7 @@
           <a:bodyPr/>
           <a:lstStyle/>
           <a:p>
-            <a:fld id="{BB5A274A-A000-4C88-883B-C40EC2B12F4B}" type="datetimeFigureOut">
+            <a:fld id="{49B73226-9F8E-41F8-980B-9570F01F7E08}" type="datetimeFigureOut">
               <a:rPr lang="en-US" smtClean="0"/>
               <a:t>9/26/2024</a:t>
             </a:fld>
@@ -1614,7 +1612,7 @@
           <p:cNvPr id="6" name="Footer Placeholder 5">
             <a:extLst>
               <a:ext uri="{FF2B5EF4-FFF2-40B4-BE49-F238E27FC236}">
-                <a16:creationId xmlns:a16="http://schemas.microsoft.com/office/drawing/2014/main" id="{8099663E-03F8-B6D2-FD05-1F8F9D0A2530}"/>
+                <a16:creationId xmlns:a16="http://schemas.microsoft.com/office/drawing/2014/main" id="{4894FB9C-C01B-87F1-1121-687B75D3C44A}"/>
               </a:ext>
             </a:extLst>
           </p:cNvPr>
@@ -1639,7 +1637,7 @@
           <p:cNvPr id="7" name="Slide Number Placeholder 6">
             <a:extLst>
               <a:ext uri="{FF2B5EF4-FFF2-40B4-BE49-F238E27FC236}">
-                <a16:creationId xmlns:a16="http://schemas.microsoft.com/office/drawing/2014/main" id="{EE27E008-6683-5024-E5ED-F948F000C14E}"/>
+                <a16:creationId xmlns:a16="http://schemas.microsoft.com/office/drawing/2014/main" id="{ADAC2EBE-2182-A31E-BF13-D1AAFBF3A455}"/>
               </a:ext>
             </a:extLst>
           </p:cNvPr>
@@ -1655,7 +1653,7 @@
           <a:bodyPr/>
           <a:lstStyle/>
           <a:p>
-            <a:fld id="{95AC2A70-F962-4DE1-82C8-D8CB50804FDF}" type="slidenum">
+            <a:fld id="{2A8C2AE8-0BBE-4CBE-B864-FB701874A541}" type="slidenum">
               <a:rPr lang="en-US" smtClean="0"/>
               <a:t>‹#›</a:t>
             </a:fld>
@@ -1666,7 +1664,7 @@
     </p:spTree>
     <p:extLst>
       <p:ext uri="{BB962C8B-B14F-4D97-AF65-F5344CB8AC3E}">
-        <p14:creationId xmlns:p14="http://schemas.microsoft.com/office/powerpoint/2010/main" val="2419726287"/>
+        <p14:creationId xmlns:p14="http://schemas.microsoft.com/office/powerpoint/2010/main" val="419207619"/>
       </p:ext>
     </p:extLst>
   </p:cSld>
@@ -1698,7 +1696,7 @@
           <p:cNvPr id="2" name="Title 1">
             <a:extLst>
               <a:ext uri="{FF2B5EF4-FFF2-40B4-BE49-F238E27FC236}">
-                <a16:creationId xmlns:a16="http://schemas.microsoft.com/office/drawing/2014/main" id="{907BB044-4DD0-960A-401B-E7F4062D2D89}"/>
+                <a16:creationId xmlns:a16="http://schemas.microsoft.com/office/drawing/2014/main" id="{4B6CA664-5950-11DA-623A-B97CF77ED430}"/>
               </a:ext>
             </a:extLst>
           </p:cNvPr>
@@ -1731,7 +1729,7 @@
           <p:cNvPr id="3" name="Text Placeholder 2">
             <a:extLst>
               <a:ext uri="{FF2B5EF4-FFF2-40B4-BE49-F238E27FC236}">
-                <a16:creationId xmlns:a16="http://schemas.microsoft.com/office/drawing/2014/main" id="{AFD1C16E-DF41-49FA-3D54-5D4374959624}"/>
+                <a16:creationId xmlns:a16="http://schemas.microsoft.com/office/drawing/2014/main" id="{30CFB93F-1F55-D419-4A37-984262D10583}"/>
               </a:ext>
             </a:extLst>
           </p:cNvPr>
@@ -1802,7 +1800,7 @@
           <p:cNvPr id="4" name="Content Placeholder 3">
             <a:extLst>
               <a:ext uri="{FF2B5EF4-FFF2-40B4-BE49-F238E27FC236}">
-                <a16:creationId xmlns:a16="http://schemas.microsoft.com/office/drawing/2014/main" id="{09BF7CEE-62F0-36F2-5C38-F8A99E958599}"/>
+                <a16:creationId xmlns:a16="http://schemas.microsoft.com/office/drawing/2014/main" id="{CA03B21C-2722-7EF8-DB3B-D97580F03554}"/>
               </a:ext>
             </a:extLst>
           </p:cNvPr>
@@ -1864,7 +1862,7 @@
           <p:cNvPr id="5" name="Text Placeholder 4">
             <a:extLst>
               <a:ext uri="{FF2B5EF4-FFF2-40B4-BE49-F238E27FC236}">
-                <a16:creationId xmlns:a16="http://schemas.microsoft.com/office/drawing/2014/main" id="{621417AC-6198-77BC-13C2-E34A62440CBF}"/>
+                <a16:creationId xmlns:a16="http://schemas.microsoft.com/office/drawing/2014/main" id="{F6BC6AD7-AB74-3B08-C7FF-A86156B8FBFB}"/>
               </a:ext>
             </a:extLst>
           </p:cNvPr>
@@ -1935,7 +1933,7 @@
           <p:cNvPr id="6" name="Content Placeholder 5">
             <a:extLst>
               <a:ext uri="{FF2B5EF4-FFF2-40B4-BE49-F238E27FC236}">
-                <a16:creationId xmlns:a16="http://schemas.microsoft.com/office/drawing/2014/main" id="{7A7E9E49-12FD-21A9-4410-15BCDFC37826}"/>
+                <a16:creationId xmlns:a16="http://schemas.microsoft.com/office/drawing/2014/main" id="{C983C889-BA42-3C38-6575-63F3B2F7D826}"/>
               </a:ext>
             </a:extLst>
           </p:cNvPr>
@@ -1997,7 +1995,7 @@
           <p:cNvPr id="7" name="Date Placeholder 6">
             <a:extLst>
               <a:ext uri="{FF2B5EF4-FFF2-40B4-BE49-F238E27FC236}">
-                <a16:creationId xmlns:a16="http://schemas.microsoft.com/office/drawing/2014/main" id="{B24E5793-E951-E1F0-9EB4-FEBEA0F4D0CD}"/>
+                <a16:creationId xmlns:a16="http://schemas.microsoft.com/office/drawing/2014/main" id="{96BC6F2D-197F-209A-664E-78BD6D70C523}"/>
               </a:ext>
             </a:extLst>
           </p:cNvPr>
@@ -2013,7 +2011,7 @@
           <a:bodyPr/>
           <a:lstStyle/>
           <a:p>
-            <a:fld id="{BB5A274A-A000-4C88-883B-C40EC2B12F4B}" type="datetimeFigureOut">
+            <a:fld id="{49B73226-9F8E-41F8-980B-9570F01F7E08}" type="datetimeFigureOut">
               <a:rPr lang="en-US" smtClean="0"/>
               <a:t>9/26/2024</a:t>
             </a:fld>
@@ -2026,7 +2024,7 @@
           <p:cNvPr id="8" name="Footer Placeholder 7">
             <a:extLst>
               <a:ext uri="{FF2B5EF4-FFF2-40B4-BE49-F238E27FC236}">
-                <a16:creationId xmlns:a16="http://schemas.microsoft.com/office/drawing/2014/main" id="{CBD26C97-10C3-E9FF-7D7E-F7106976F718}"/>
+                <a16:creationId xmlns:a16="http://schemas.microsoft.com/office/drawing/2014/main" id="{2099782C-B01F-84B1-85E9-C79DC9423B7D}"/>
               </a:ext>
             </a:extLst>
           </p:cNvPr>
@@ -2051,7 +2049,7 @@
           <p:cNvPr id="9" name="Slide Number Placeholder 8">
             <a:extLst>
               <a:ext uri="{FF2B5EF4-FFF2-40B4-BE49-F238E27FC236}">
-                <a16:creationId xmlns:a16="http://schemas.microsoft.com/office/drawing/2014/main" id="{ACDB7107-A2A4-31F3-E7E5-614A576499E5}"/>
+                <a16:creationId xmlns:a16="http://schemas.microsoft.com/office/drawing/2014/main" id="{97AC88EF-B8A6-8E7B-588F-56898D10D756}"/>
               </a:ext>
             </a:extLst>
           </p:cNvPr>
@@ -2067,7 +2065,7 @@
           <a:bodyPr/>
           <a:lstStyle/>
           <a:p>
-            <a:fld id="{95AC2A70-F962-4DE1-82C8-D8CB50804FDF}" type="slidenum">
+            <a:fld id="{2A8C2AE8-0BBE-4CBE-B864-FB701874A541}" type="slidenum">
               <a:rPr lang="en-US" smtClean="0"/>
               <a:t>‹#›</a:t>
             </a:fld>
@@ -2078,7 +2076,7 @@
     </p:spTree>
     <p:extLst>
       <p:ext uri="{BB962C8B-B14F-4D97-AF65-F5344CB8AC3E}">
-        <p14:creationId xmlns:p14="http://schemas.microsoft.com/office/powerpoint/2010/main" val="1609801830"/>
+        <p14:creationId xmlns:p14="http://schemas.microsoft.com/office/powerpoint/2010/main" val="3851859618"/>
       </p:ext>
     </p:extLst>
   </p:cSld>
@@ -2110,7 +2108,7 @@
           <p:cNvPr id="2" name="Title 1">
             <a:extLst>
               <a:ext uri="{FF2B5EF4-FFF2-40B4-BE49-F238E27FC236}">
-                <a16:creationId xmlns:a16="http://schemas.microsoft.com/office/drawing/2014/main" id="{AF916C28-B7FF-1F46-5D57-DD7938344B53}"/>
+                <a16:creationId xmlns:a16="http://schemas.microsoft.com/office/drawing/2014/main" id="{3E285CF6-F820-09BF-ADCE-6C49BB2875A1}"/>
               </a:ext>
             </a:extLst>
           </p:cNvPr>
@@ -2138,7 +2136,7 @@
           <p:cNvPr id="3" name="Date Placeholder 2">
             <a:extLst>
               <a:ext uri="{FF2B5EF4-FFF2-40B4-BE49-F238E27FC236}">
-                <a16:creationId xmlns:a16="http://schemas.microsoft.com/office/drawing/2014/main" id="{4E8B34FD-40CF-E40C-85F5-2234EC1553EF}"/>
+                <a16:creationId xmlns:a16="http://schemas.microsoft.com/office/drawing/2014/main" id="{289FEB8B-5F68-7729-7DA1-89C651C39220}"/>
               </a:ext>
             </a:extLst>
           </p:cNvPr>
@@ -2154,7 +2152,7 @@
           <a:bodyPr/>
           <a:lstStyle/>
           <a:p>
-            <a:fld id="{BB5A274A-A000-4C88-883B-C40EC2B12F4B}" type="datetimeFigureOut">
+            <a:fld id="{49B73226-9F8E-41F8-980B-9570F01F7E08}" type="datetimeFigureOut">
               <a:rPr lang="en-US" smtClean="0"/>
               <a:t>9/26/2024</a:t>
             </a:fld>
@@ -2167,7 +2165,7 @@
           <p:cNvPr id="4" name="Footer Placeholder 3">
             <a:extLst>
               <a:ext uri="{FF2B5EF4-FFF2-40B4-BE49-F238E27FC236}">
-                <a16:creationId xmlns:a16="http://schemas.microsoft.com/office/drawing/2014/main" id="{83AD45ED-45CE-0562-7628-E1E3D7E09F96}"/>
+                <a16:creationId xmlns:a16="http://schemas.microsoft.com/office/drawing/2014/main" id="{A02076F8-0C8C-EA0A-7FD1-6BDDC2B6F9D4}"/>
               </a:ext>
             </a:extLst>
           </p:cNvPr>
@@ -2192,7 +2190,7 @@
           <p:cNvPr id="5" name="Slide Number Placeholder 4">
             <a:extLst>
               <a:ext uri="{FF2B5EF4-FFF2-40B4-BE49-F238E27FC236}">
-                <a16:creationId xmlns:a16="http://schemas.microsoft.com/office/drawing/2014/main" id="{38E0105E-8EFA-CB64-4598-59F24B775B48}"/>
+                <a16:creationId xmlns:a16="http://schemas.microsoft.com/office/drawing/2014/main" id="{EFD13E51-7C58-0485-D637-BD95235D86AF}"/>
               </a:ext>
             </a:extLst>
           </p:cNvPr>
@@ -2208,7 +2206,7 @@
           <a:bodyPr/>
           <a:lstStyle/>
           <a:p>
-            <a:fld id="{95AC2A70-F962-4DE1-82C8-D8CB50804FDF}" type="slidenum">
+            <a:fld id="{2A8C2AE8-0BBE-4CBE-B864-FB701874A541}" type="slidenum">
               <a:rPr lang="en-US" smtClean="0"/>
               <a:t>‹#›</a:t>
             </a:fld>
@@ -2219,7 +2217,7 @@
     </p:spTree>
     <p:extLst>
       <p:ext uri="{BB962C8B-B14F-4D97-AF65-F5344CB8AC3E}">
-        <p14:creationId xmlns:p14="http://schemas.microsoft.com/office/powerpoint/2010/main" val="4038945841"/>
+        <p14:creationId xmlns:p14="http://schemas.microsoft.com/office/powerpoint/2010/main" val="503958194"/>
       </p:ext>
     </p:extLst>
   </p:cSld>
@@ -2251,7 +2249,7 @@
           <p:cNvPr id="2" name="Date Placeholder 1">
             <a:extLst>
               <a:ext uri="{FF2B5EF4-FFF2-40B4-BE49-F238E27FC236}">
-                <a16:creationId xmlns:a16="http://schemas.microsoft.com/office/drawing/2014/main" id="{C1867A4F-2249-F839-559D-6E9A8FA02B67}"/>
+                <a16:creationId xmlns:a16="http://schemas.microsoft.com/office/drawing/2014/main" id="{05A311B2-F34B-D966-AFF8-C04F62D38E37}"/>
               </a:ext>
             </a:extLst>
           </p:cNvPr>
@@ -2267,7 +2265,7 @@
           <a:bodyPr/>
           <a:lstStyle/>
           <a:p>
-            <a:fld id="{BB5A274A-A000-4C88-883B-C40EC2B12F4B}" type="datetimeFigureOut">
+            <a:fld id="{49B73226-9F8E-41F8-980B-9570F01F7E08}" type="datetimeFigureOut">
               <a:rPr lang="en-US" smtClean="0"/>
               <a:t>9/26/2024</a:t>
             </a:fld>
@@ -2280,7 +2278,7 @@
           <p:cNvPr id="3" name="Footer Placeholder 2">
             <a:extLst>
               <a:ext uri="{FF2B5EF4-FFF2-40B4-BE49-F238E27FC236}">
-                <a16:creationId xmlns:a16="http://schemas.microsoft.com/office/drawing/2014/main" id="{3AAE92D3-2BAB-E79A-D8C1-7688B673FADC}"/>
+                <a16:creationId xmlns:a16="http://schemas.microsoft.com/office/drawing/2014/main" id="{DA26D704-2452-AA79-BD0F-123E8CEB8E91}"/>
               </a:ext>
             </a:extLst>
           </p:cNvPr>
@@ -2305,7 +2303,7 @@
           <p:cNvPr id="4" name="Slide Number Placeholder 3">
             <a:extLst>
               <a:ext uri="{FF2B5EF4-FFF2-40B4-BE49-F238E27FC236}">
-                <a16:creationId xmlns:a16="http://schemas.microsoft.com/office/drawing/2014/main" id="{906ED66C-9278-50DF-1858-3AF9ED084142}"/>
+                <a16:creationId xmlns:a16="http://schemas.microsoft.com/office/drawing/2014/main" id="{35496762-CBC5-38FF-A9CF-30D5F8E9C734}"/>
               </a:ext>
             </a:extLst>
           </p:cNvPr>
@@ -2321,7 +2319,7 @@
           <a:bodyPr/>
           <a:lstStyle/>
           <a:p>
-            <a:fld id="{95AC2A70-F962-4DE1-82C8-D8CB50804FDF}" type="slidenum">
+            <a:fld id="{2A8C2AE8-0BBE-4CBE-B864-FB701874A541}" type="slidenum">
               <a:rPr lang="en-US" smtClean="0"/>
               <a:t>‹#›</a:t>
             </a:fld>
@@ -2332,7 +2330,7 @@
     </p:spTree>
     <p:extLst>
       <p:ext uri="{BB962C8B-B14F-4D97-AF65-F5344CB8AC3E}">
-        <p14:creationId xmlns:p14="http://schemas.microsoft.com/office/powerpoint/2010/main" val="860332554"/>
+        <p14:creationId xmlns:p14="http://schemas.microsoft.com/office/powerpoint/2010/main" val="2481768514"/>
       </p:ext>
     </p:extLst>
   </p:cSld>
@@ -2364,7 +2362,7 @@
           <p:cNvPr id="2" name="Title 1">
             <a:extLst>
               <a:ext uri="{FF2B5EF4-FFF2-40B4-BE49-F238E27FC236}">
-                <a16:creationId xmlns:a16="http://schemas.microsoft.com/office/drawing/2014/main" id="{F28BA49E-4E59-8A03-A989-16D005043F6E}"/>
+                <a16:creationId xmlns:a16="http://schemas.microsoft.com/office/drawing/2014/main" id="{4C936901-DBA5-350D-1309-4EBFC6E7ECA0}"/>
               </a:ext>
             </a:extLst>
           </p:cNvPr>
@@ -2401,7 +2399,7 @@
           <p:cNvPr id="3" name="Content Placeholder 2">
             <a:extLst>
               <a:ext uri="{FF2B5EF4-FFF2-40B4-BE49-F238E27FC236}">
-                <a16:creationId xmlns:a16="http://schemas.microsoft.com/office/drawing/2014/main" id="{312918B4-7C4A-9851-9A1D-1560F9EDD175}"/>
+                <a16:creationId xmlns:a16="http://schemas.microsoft.com/office/drawing/2014/main" id="{6E524C57-CC30-DFB3-F67D-2275914C71A1}"/>
               </a:ext>
             </a:extLst>
           </p:cNvPr>
@@ -2491,7 +2489,7 @@
           <p:cNvPr id="4" name="Text Placeholder 3">
             <a:extLst>
               <a:ext uri="{FF2B5EF4-FFF2-40B4-BE49-F238E27FC236}">
-                <a16:creationId xmlns:a16="http://schemas.microsoft.com/office/drawing/2014/main" id="{2199CDC2-98C6-2763-A460-8FF953FF8289}"/>
+                <a16:creationId xmlns:a16="http://schemas.microsoft.com/office/drawing/2014/main" id="{F0E4F3F3-BAE3-7CCC-3B69-AECD66811D0A}"/>
               </a:ext>
             </a:extLst>
           </p:cNvPr>
@@ -2562,7 +2560,7 @@
           <p:cNvPr id="5" name="Date Placeholder 4">
             <a:extLst>
               <a:ext uri="{FF2B5EF4-FFF2-40B4-BE49-F238E27FC236}">
-                <a16:creationId xmlns:a16="http://schemas.microsoft.com/office/drawing/2014/main" id="{EEBE4190-2B5B-4CA5-B2EF-E687FA58DC53}"/>
+                <a16:creationId xmlns:a16="http://schemas.microsoft.com/office/drawing/2014/main" id="{B2184F8C-C5F0-D4F5-C8A1-D43D2EBB22CB}"/>
               </a:ext>
             </a:extLst>
           </p:cNvPr>
@@ -2578,7 +2576,7 @@
           <a:bodyPr/>
           <a:lstStyle/>
           <a:p>
-            <a:fld id="{BB5A274A-A000-4C88-883B-C40EC2B12F4B}" type="datetimeFigureOut">
+            <a:fld id="{49B73226-9F8E-41F8-980B-9570F01F7E08}" type="datetimeFigureOut">
               <a:rPr lang="en-US" smtClean="0"/>
               <a:t>9/26/2024</a:t>
             </a:fld>
@@ -2591,7 +2589,7 @@
           <p:cNvPr id="6" name="Footer Placeholder 5">
             <a:extLst>
               <a:ext uri="{FF2B5EF4-FFF2-40B4-BE49-F238E27FC236}">
-                <a16:creationId xmlns:a16="http://schemas.microsoft.com/office/drawing/2014/main" id="{E76D6B2C-203E-5B99-8391-9FAC8C2C3952}"/>
+                <a16:creationId xmlns:a16="http://schemas.microsoft.com/office/drawing/2014/main" id="{60912EC6-C43E-99A5-D214-1E98DB7B3902}"/>
               </a:ext>
             </a:extLst>
           </p:cNvPr>
@@ -2616,7 +2614,7 @@
           <p:cNvPr id="7" name="Slide Number Placeholder 6">
             <a:extLst>
               <a:ext uri="{FF2B5EF4-FFF2-40B4-BE49-F238E27FC236}">
-                <a16:creationId xmlns:a16="http://schemas.microsoft.com/office/drawing/2014/main" id="{3A4AE3A7-C008-02BE-9CFC-85DD56591224}"/>
+                <a16:creationId xmlns:a16="http://schemas.microsoft.com/office/drawing/2014/main" id="{8BBE8BC5-97E9-BFCE-72D3-60AD82D5AAAF}"/>
               </a:ext>
             </a:extLst>
           </p:cNvPr>
@@ -2632,7 +2630,7 @@
           <a:bodyPr/>
           <a:lstStyle/>
           <a:p>
-            <a:fld id="{95AC2A70-F962-4DE1-82C8-D8CB50804FDF}" type="slidenum">
+            <a:fld id="{2A8C2AE8-0BBE-4CBE-B864-FB701874A541}" type="slidenum">
               <a:rPr lang="en-US" smtClean="0"/>
               <a:t>‹#›</a:t>
             </a:fld>
@@ -2643,7 +2641,7 @@
     </p:spTree>
     <p:extLst>
       <p:ext uri="{BB962C8B-B14F-4D97-AF65-F5344CB8AC3E}">
-        <p14:creationId xmlns:p14="http://schemas.microsoft.com/office/powerpoint/2010/main" val="3959149863"/>
+        <p14:creationId xmlns:p14="http://schemas.microsoft.com/office/powerpoint/2010/main" val="322311854"/>
       </p:ext>
     </p:extLst>
   </p:cSld>
@@ -2675,7 +2673,7 @@
           <p:cNvPr id="2" name="Title 1">
             <a:extLst>
               <a:ext uri="{FF2B5EF4-FFF2-40B4-BE49-F238E27FC236}">
-                <a16:creationId xmlns:a16="http://schemas.microsoft.com/office/drawing/2014/main" id="{5A3436BF-81B1-E7AF-4157-7836A8D6D424}"/>
+                <a16:creationId xmlns:a16="http://schemas.microsoft.com/office/drawing/2014/main" id="{09033932-DFFC-CF13-9A16-DA60C42F9064}"/>
               </a:ext>
             </a:extLst>
           </p:cNvPr>
@@ -2712,7 +2710,7 @@
           <p:cNvPr id="3" name="Picture Placeholder 2">
             <a:extLst>
               <a:ext uri="{FF2B5EF4-FFF2-40B4-BE49-F238E27FC236}">
-                <a16:creationId xmlns:a16="http://schemas.microsoft.com/office/drawing/2014/main" id="{4303CCAA-2D9E-7E04-1E24-4CB136A900E3}"/>
+                <a16:creationId xmlns:a16="http://schemas.microsoft.com/office/drawing/2014/main" id="{5BCB63C7-0D8B-E8C3-1BF5-EF03320471A6}"/>
               </a:ext>
             </a:extLst>
           </p:cNvPr>
@@ -2779,7 +2777,7 @@
           <p:cNvPr id="4" name="Text Placeholder 3">
             <a:extLst>
               <a:ext uri="{FF2B5EF4-FFF2-40B4-BE49-F238E27FC236}">
-                <a16:creationId xmlns:a16="http://schemas.microsoft.com/office/drawing/2014/main" id="{7CE01656-848A-00AD-36E0-C72C6E42F645}"/>
+                <a16:creationId xmlns:a16="http://schemas.microsoft.com/office/drawing/2014/main" id="{7922043E-37EF-77CB-E318-4789E7E5DF85}"/>
               </a:ext>
             </a:extLst>
           </p:cNvPr>
@@ -2850,7 +2848,7 @@
           <p:cNvPr id="5" name="Date Placeholder 4">
             <a:extLst>
               <a:ext uri="{FF2B5EF4-FFF2-40B4-BE49-F238E27FC236}">
-                <a16:creationId xmlns:a16="http://schemas.microsoft.com/office/drawing/2014/main" id="{3EF13256-9331-DAF5-72CF-441594777B25}"/>
+                <a16:creationId xmlns:a16="http://schemas.microsoft.com/office/drawing/2014/main" id="{91606B90-4F0C-C848-F3D5-15D1034BEA5B}"/>
               </a:ext>
             </a:extLst>
           </p:cNvPr>
@@ -2866,7 +2864,7 @@
           <a:bodyPr/>
           <a:lstStyle/>
           <a:p>
-            <a:fld id="{BB5A274A-A000-4C88-883B-C40EC2B12F4B}" type="datetimeFigureOut">
+            <a:fld id="{49B73226-9F8E-41F8-980B-9570F01F7E08}" type="datetimeFigureOut">
               <a:rPr lang="en-US" smtClean="0"/>
               <a:t>9/26/2024</a:t>
             </a:fld>
@@ -2879,7 +2877,7 @@
           <p:cNvPr id="6" name="Footer Placeholder 5">
             <a:extLst>
               <a:ext uri="{FF2B5EF4-FFF2-40B4-BE49-F238E27FC236}">
-                <a16:creationId xmlns:a16="http://schemas.microsoft.com/office/drawing/2014/main" id="{5014EC14-AF84-0728-BD75-B8CE7374CCE0}"/>
+                <a16:creationId xmlns:a16="http://schemas.microsoft.com/office/drawing/2014/main" id="{6C6DF272-8A98-3C64-BF06-12963948573A}"/>
               </a:ext>
             </a:extLst>
           </p:cNvPr>
@@ -2904,7 +2902,7 @@
           <p:cNvPr id="7" name="Slide Number Placeholder 6">
             <a:extLst>
               <a:ext uri="{FF2B5EF4-FFF2-40B4-BE49-F238E27FC236}">
-                <a16:creationId xmlns:a16="http://schemas.microsoft.com/office/drawing/2014/main" id="{39A3DDA9-6DBD-0322-4FFB-3CAD27344F98}"/>
+                <a16:creationId xmlns:a16="http://schemas.microsoft.com/office/drawing/2014/main" id="{7B904436-94A4-EFAE-3A74-71DDC225FCD2}"/>
               </a:ext>
             </a:extLst>
           </p:cNvPr>
@@ -2920,7 +2918,7 @@
           <a:bodyPr/>
           <a:lstStyle/>
           <a:p>
-            <a:fld id="{95AC2A70-F962-4DE1-82C8-D8CB50804FDF}" type="slidenum">
+            <a:fld id="{2A8C2AE8-0BBE-4CBE-B864-FB701874A541}" type="slidenum">
               <a:rPr lang="en-US" smtClean="0"/>
               <a:t>‹#›</a:t>
             </a:fld>
@@ -2931,7 +2929,7 @@
     </p:spTree>
     <p:extLst>
       <p:ext uri="{BB962C8B-B14F-4D97-AF65-F5344CB8AC3E}">
-        <p14:creationId xmlns:p14="http://schemas.microsoft.com/office/powerpoint/2010/main" val="2043206528"/>
+        <p14:creationId xmlns:p14="http://schemas.microsoft.com/office/powerpoint/2010/main" val="894844216"/>
       </p:ext>
     </p:extLst>
   </p:cSld>
@@ -2968,7 +2966,7 @@
           <p:cNvPr id="2" name="Title Placeholder 1">
             <a:extLst>
               <a:ext uri="{FF2B5EF4-FFF2-40B4-BE49-F238E27FC236}">
-                <a16:creationId xmlns:a16="http://schemas.microsoft.com/office/drawing/2014/main" id="{B12505D0-56B0-FA56-2A34-D169353164CB}"/>
+                <a16:creationId xmlns:a16="http://schemas.microsoft.com/office/drawing/2014/main" id="{B15CEEE5-F44F-8E0C-E9A9-6CA3D5236C59}"/>
               </a:ext>
             </a:extLst>
           </p:cNvPr>
@@ -3006,7 +3004,7 @@
           <p:cNvPr id="3" name="Text Placeholder 2">
             <a:extLst>
               <a:ext uri="{FF2B5EF4-FFF2-40B4-BE49-F238E27FC236}">
-                <a16:creationId xmlns:a16="http://schemas.microsoft.com/office/drawing/2014/main" id="{3D8B2F22-E2C2-D8FE-9D86-2833E58841D0}"/>
+                <a16:creationId xmlns:a16="http://schemas.microsoft.com/office/drawing/2014/main" id="{855D0E85-1A4B-08E1-5844-BF22312690C9}"/>
               </a:ext>
             </a:extLst>
           </p:cNvPr>
@@ -3073,7 +3071,7 @@
           <p:cNvPr id="4" name="Date Placeholder 3">
             <a:extLst>
               <a:ext uri="{FF2B5EF4-FFF2-40B4-BE49-F238E27FC236}">
-                <a16:creationId xmlns:a16="http://schemas.microsoft.com/office/drawing/2014/main" id="{22D56DB1-0ECB-DCF5-6D29-DCB7A84E4482}"/>
+                <a16:creationId xmlns:a16="http://schemas.microsoft.com/office/drawing/2014/main" id="{EFD5FE02-DB5E-1387-047D-6BC249B2D11A}"/>
               </a:ext>
             </a:extLst>
           </p:cNvPr>
@@ -3107,7 +3105,7 @@
             </a:lvl1pPr>
           </a:lstStyle>
           <a:p>
-            <a:fld id="{BB5A274A-A000-4C88-883B-C40EC2B12F4B}" type="datetimeFigureOut">
+            <a:fld id="{49B73226-9F8E-41F8-980B-9570F01F7E08}" type="datetimeFigureOut">
               <a:rPr lang="en-US" smtClean="0"/>
               <a:t>9/26/2024</a:t>
             </a:fld>
@@ -3120,7 +3118,7 @@
           <p:cNvPr id="5" name="Footer Placeholder 4">
             <a:extLst>
               <a:ext uri="{FF2B5EF4-FFF2-40B4-BE49-F238E27FC236}">
-                <a16:creationId xmlns:a16="http://schemas.microsoft.com/office/drawing/2014/main" id="{7FA14C33-AF23-98AB-BD10-D9779FC79DED}"/>
+                <a16:creationId xmlns:a16="http://schemas.microsoft.com/office/drawing/2014/main" id="{F41CB052-2AD4-9791-0BED-DA625E0097BD}"/>
               </a:ext>
             </a:extLst>
           </p:cNvPr>
@@ -3163,7 +3161,7 @@
           <p:cNvPr id="6" name="Slide Number Placeholder 5">
             <a:extLst>
               <a:ext uri="{FF2B5EF4-FFF2-40B4-BE49-F238E27FC236}">
-                <a16:creationId xmlns:a16="http://schemas.microsoft.com/office/drawing/2014/main" id="{2DA95A79-ECD8-46CF-4F51-2BBDE4658B10}"/>
+                <a16:creationId xmlns:a16="http://schemas.microsoft.com/office/drawing/2014/main" id="{C4B4966E-85D7-9D24-DC76-A89D581EBD53}"/>
               </a:ext>
             </a:extLst>
           </p:cNvPr>
@@ -3197,7 +3195,7 @@
             </a:lvl1pPr>
           </a:lstStyle>
           <a:p>
-            <a:fld id="{95AC2A70-F962-4DE1-82C8-D8CB50804FDF}" type="slidenum">
+            <a:fld id="{2A8C2AE8-0BBE-4CBE-B864-FB701874A541}" type="slidenum">
               <a:rPr lang="en-US" smtClean="0"/>
               <a:t>‹#›</a:t>
             </a:fld>
@@ -3208,7 +3206,7 @@
     </p:spTree>
     <p:extLst>
       <p:ext uri="{BB962C8B-B14F-4D97-AF65-F5344CB8AC3E}">
-        <p14:creationId xmlns:p14="http://schemas.microsoft.com/office/powerpoint/2010/main" val="1210642330"/>
+        <p14:creationId xmlns:p14="http://schemas.microsoft.com/office/powerpoint/2010/main" val="348264687"/>
       </p:ext>
     </p:extLst>
   </p:cSld>
@@ -3540,7 +3538,7 @@
           <p:cNvPr id="8" name="Rectangle 7">
             <a:extLst>
               <a:ext uri="{FF2B5EF4-FFF2-40B4-BE49-F238E27FC236}">
-                <a16:creationId xmlns:a16="http://schemas.microsoft.com/office/drawing/2014/main" id="{B6CDA21F-E7AF-4C75-8395-33F58D5B0E45}"/>
+                <a16:creationId xmlns:a16="http://schemas.microsoft.com/office/drawing/2014/main" id="{907EF6B7-1338-4443-8C46-6A318D952DFD}"/>
               </a:ext>
               <a:ext uri="{C183D7F6-B498-43B3-948B-1728B52AA6E4}">
                 <adec:decorative xmlns:adec="http://schemas.microsoft.com/office/drawing/2017/decorative" val="1"/>
@@ -3560,8 +3558,8 @@
         </p:nvSpPr>
         <p:spPr>
           <a:xfrm>
-            <a:off x="0" y="0"/>
-            <a:ext cx="12191999" cy="6857365"/>
+            <a:off x="3048" y="0"/>
+            <a:ext cx="12188952" cy="6858000"/>
           </a:xfrm>
           <a:prstGeom prst="rect">
             <a:avLst/>
@@ -3595,21 +3593,21 @@
           </a:p>
         </p:txBody>
       </p:sp>
-      <p:grpSp>
-        <p:nvGrpSpPr>
-          <p:cNvPr id="10" name="Group 9">
-            <a:extLst>
-              <a:ext uri="{FF2B5EF4-FFF2-40B4-BE49-F238E27FC236}">
-                <a16:creationId xmlns:a16="http://schemas.microsoft.com/office/drawing/2014/main" id="{AE1C45F0-260A-458C-96ED-C1F6D2151219}"/>
+      <p:sp>
+        <p:nvSpPr>
+          <p:cNvPr id="10" name="Freeform: Shape 9">
+            <a:extLst>
+              <a:ext uri="{FF2B5EF4-FFF2-40B4-BE49-F238E27FC236}">
+                <a16:creationId xmlns:a16="http://schemas.microsoft.com/office/drawing/2014/main" id="{DAAE4CDD-124C-4DCF-9584-B6033B545DD5}"/>
               </a:ext>
               <a:ext uri="{C183D7F6-B498-43B3-948B-1728B52AA6E4}">
                 <adec:decorative xmlns:adec="http://schemas.microsoft.com/office/drawing/2017/decorative" val="1"/>
               </a:ext>
             </a:extLst>
           </p:cNvPr>
-          <p:cNvGrpSpPr>
-            <a:grpSpLocks noGrp="1" noUngrp="1" noRot="1" noChangeAspect="1" noMove="1" noResize="1"/>
-          </p:cNvGrpSpPr>
+          <p:cNvSpPr>
+            <a:spLocks noGrp="1" noRot="1" noChangeAspect="1" noMove="1" noResize="1" noEditPoints="1" noAdjustHandles="1" noChangeArrowheads="1" noChangeShapeType="1" noTextEdit="1"/>
+          </p:cNvSpPr>
           <p:nvPr>
             <p:extLst>
               <p:ext uri="{386F3935-93C4-4BCD-93E2-E3B085C9AB24}">
@@ -3617,240 +3615,92 @@
               </p:ext>
             </p:extLst>
           </p:nvPr>
-        </p:nvGrpSpPr>
-        <p:grpSpPr>
-          <a:xfrm>
-            <a:off x="4" y="1216597"/>
-            <a:ext cx="731521" cy="673460"/>
-            <a:chOff x="3940602" y="308034"/>
-            <a:chExt cx="2116791" cy="3428999"/>
-          </a:xfrm>
-          <a:solidFill>
-            <a:schemeClr val="accent4"/>
-          </a:solidFill>
-        </p:grpSpPr>
-        <p:sp>
-          <p:nvSpPr>
-            <p:cNvPr id="11" name="Rectangle 10">
-              <a:extLst>
-                <a:ext uri="{FF2B5EF4-FFF2-40B4-BE49-F238E27FC236}">
-                  <a16:creationId xmlns:a16="http://schemas.microsoft.com/office/drawing/2014/main" id="{A6604B49-AD5C-4590-B051-06C8222ECD99}"/>
-                </a:ext>
-                <a:ext uri="{C183D7F6-B498-43B3-948B-1728B52AA6E4}">
-                  <adec:decorative xmlns:adec="http://schemas.microsoft.com/office/drawing/2017/decorative" val="1"/>
-                </a:ext>
-              </a:extLst>
-            </p:cNvPr>
-            <p:cNvSpPr/>
-            <p:nvPr>
-              <p:extLst>
-                <p:ext uri="{386F3935-93C4-4BCD-93E2-E3B085C9AB24}">
-                  <p16:designElem xmlns:p16="http://schemas.microsoft.com/office/powerpoint/2015/main" val="1"/>
-                </p:ext>
-              </p:extLst>
-            </p:nvPr>
-          </p:nvSpPr>
-          <p:spPr>
-            <a:xfrm>
-              <a:off x="3940602" y="308034"/>
-              <a:ext cx="566743" cy="3428999"/>
-            </a:xfrm>
-            <a:prstGeom prst="rect">
-              <a:avLst/>
-            </a:prstGeom>
-            <a:grpFill/>
-            <a:ln>
-              <a:noFill/>
-            </a:ln>
-          </p:spPr>
-          <p:style>
-            <a:lnRef idx="2">
-              <a:schemeClr val="accent1">
-                <a:shade val="50000"/>
-              </a:schemeClr>
-            </a:lnRef>
-            <a:fillRef idx="1">
-              <a:schemeClr val="accent1"/>
-            </a:fillRef>
-            <a:effectRef idx="0">
-              <a:schemeClr val="accent1"/>
-            </a:effectRef>
-            <a:fontRef idx="minor">
-              <a:schemeClr val="lt1"/>
-            </a:fontRef>
-          </p:style>
-          <p:txBody>
-            <a:bodyPr rtlCol="0" anchor="ctr"/>
-            <a:lstStyle/>
-            <a:p>
-              <a:pPr algn="ctr"/>
-              <a:endParaRPr lang="en-US"/>
-            </a:p>
-          </p:txBody>
-        </p:sp>
-        <p:sp>
-          <p:nvSpPr>
-            <p:cNvPr id="12" name="Rectangle 11">
-              <a:extLst>
-                <a:ext uri="{FF2B5EF4-FFF2-40B4-BE49-F238E27FC236}">
-                  <a16:creationId xmlns:a16="http://schemas.microsoft.com/office/drawing/2014/main" id="{743ECCAF-29C5-4537-947C-7EA1292463DB}"/>
-                </a:ext>
-                <a:ext uri="{C183D7F6-B498-43B3-948B-1728B52AA6E4}">
-                  <adec:decorative xmlns:adec="http://schemas.microsoft.com/office/drawing/2017/decorative" val="1"/>
-                </a:ext>
-              </a:extLst>
-            </p:cNvPr>
-            <p:cNvSpPr/>
-            <p:nvPr>
-              <p:extLst>
-                <p:ext uri="{386F3935-93C4-4BCD-93E2-E3B085C9AB24}">
-                  <p16:designElem xmlns:p16="http://schemas.microsoft.com/office/powerpoint/2015/main" val="1"/>
-                </p:ext>
-              </p:extLst>
-            </p:nvPr>
-          </p:nvSpPr>
-          <p:spPr>
-            <a:xfrm>
-              <a:off x="4715626" y="308034"/>
-              <a:ext cx="566743" cy="3428999"/>
-            </a:xfrm>
-            <a:prstGeom prst="rect">
-              <a:avLst/>
-            </a:prstGeom>
-            <a:grpFill/>
-            <a:ln>
-              <a:noFill/>
-            </a:ln>
-          </p:spPr>
-          <p:style>
-            <a:lnRef idx="2">
-              <a:schemeClr val="accent1">
-                <a:shade val="50000"/>
-              </a:schemeClr>
-            </a:lnRef>
-            <a:fillRef idx="1">
-              <a:schemeClr val="accent1"/>
-            </a:fillRef>
-            <a:effectRef idx="0">
-              <a:schemeClr val="accent1"/>
-            </a:effectRef>
-            <a:fontRef idx="minor">
-              <a:schemeClr val="lt1"/>
-            </a:fontRef>
-          </p:style>
-          <p:txBody>
-            <a:bodyPr rtlCol="0" anchor="ctr"/>
-            <a:lstStyle/>
-            <a:p>
-              <a:pPr algn="ctr"/>
-              <a:endParaRPr lang="en-US"/>
-            </a:p>
-          </p:txBody>
-        </p:sp>
-        <p:sp>
-          <p:nvSpPr>
-            <p:cNvPr id="13" name="Rectangle 12">
-              <a:extLst>
-                <a:ext uri="{FF2B5EF4-FFF2-40B4-BE49-F238E27FC236}">
-                  <a16:creationId xmlns:a16="http://schemas.microsoft.com/office/drawing/2014/main" id="{ED49787B-8DE6-4467-AD0A-8DECC6E0C2D6}"/>
-                </a:ext>
-                <a:ext uri="{C183D7F6-B498-43B3-948B-1728B52AA6E4}">
-                  <adec:decorative xmlns:adec="http://schemas.microsoft.com/office/drawing/2017/decorative" val="1"/>
-                </a:ext>
-              </a:extLst>
-            </p:cNvPr>
-            <p:cNvSpPr/>
-            <p:nvPr>
-              <p:extLst>
-                <p:ext uri="{386F3935-93C4-4BCD-93E2-E3B085C9AB24}">
-                  <p16:designElem xmlns:p16="http://schemas.microsoft.com/office/powerpoint/2015/main" val="1"/>
-                </p:ext>
-              </p:extLst>
-            </p:nvPr>
-          </p:nvSpPr>
-          <p:spPr>
-            <a:xfrm>
-              <a:off x="5490650" y="308034"/>
-              <a:ext cx="566743" cy="3428999"/>
-            </a:xfrm>
-            <a:prstGeom prst="rect">
-              <a:avLst/>
-            </a:prstGeom>
-            <a:grpFill/>
-            <a:ln>
-              <a:noFill/>
-            </a:ln>
-          </p:spPr>
-          <p:style>
-            <a:lnRef idx="2">
-              <a:schemeClr val="accent1">
-                <a:shade val="50000"/>
-              </a:schemeClr>
-            </a:lnRef>
-            <a:fillRef idx="1">
-              <a:schemeClr val="accent1"/>
-            </a:fillRef>
-            <a:effectRef idx="0">
-              <a:schemeClr val="accent1"/>
-            </a:effectRef>
-            <a:fontRef idx="minor">
-              <a:schemeClr val="lt1"/>
-            </a:fontRef>
-          </p:style>
-          <p:txBody>
-            <a:bodyPr rtlCol="0" anchor="ctr"/>
-            <a:lstStyle/>
-            <a:p>
-              <a:pPr algn="ctr"/>
-              <a:endParaRPr lang="en-US"/>
-            </a:p>
-          </p:txBody>
-        </p:sp>
-      </p:grpSp>
-      <p:sp>
-        <p:nvSpPr>
-          <p:cNvPr id="15" name="Rectangle 14">
-            <a:extLst>
-              <a:ext uri="{FF2B5EF4-FFF2-40B4-BE49-F238E27FC236}">
-                <a16:creationId xmlns:a16="http://schemas.microsoft.com/office/drawing/2014/main" id="{D5B0017B-2ECA-49AF-B397-DC140825DF8D}"/>
-              </a:ext>
-              <a:ext uri="{C183D7F6-B498-43B3-948B-1728B52AA6E4}">
-                <adec:decorative xmlns:adec="http://schemas.microsoft.com/office/drawing/2017/decorative" val="1"/>
-              </a:ext>
-            </a:extLst>
-          </p:cNvPr>
-          <p:cNvSpPr>
-            <a:spLocks noGrp="1" noRot="1" noChangeAspect="1" noMove="1" noResize="1" noEditPoints="1" noAdjustHandles="1" noChangeArrowheads="1" noChangeShapeType="1" noTextEdit="1"/>
-          </p:cNvSpPr>
-          <p:nvPr>
-            <p:extLst>
-              <p:ext uri="{386F3935-93C4-4BCD-93E2-E3B085C9AB24}">
-                <p16:designElem xmlns:p16="http://schemas.microsoft.com/office/powerpoint/2015/main" val="1"/>
-              </p:ext>
-            </p:extLst>
-          </p:nvPr>
         </p:nvSpPr>
         <p:spPr>
           <a:xfrm>
-            <a:off x="640079" y="613954"/>
-            <a:ext cx="10907487" cy="1894116"/>
+            <a:off x="1" y="0"/>
+            <a:ext cx="4167271" cy="6858000"/>
           </a:xfrm>
-          <a:prstGeom prst="rect">
+          <a:custGeom>
             <a:avLst/>
-          </a:prstGeom>
+            <a:gdLst>
+              <a:gd name="connsiteX0" fmla="*/ 0 w 4167271"/>
+              <a:gd name="connsiteY0" fmla="*/ 0 h 6858000"/>
+              <a:gd name="connsiteX1" fmla="*/ 2259550 w 4167271"/>
+              <a:gd name="connsiteY1" fmla="*/ 0 h 6858000"/>
+              <a:gd name="connsiteX2" fmla="*/ 2387803 w 4167271"/>
+              <a:gd name="connsiteY2" fmla="*/ 82222 h 6858000"/>
+              <a:gd name="connsiteX3" fmla="*/ 4167271 w 4167271"/>
+              <a:gd name="connsiteY3" fmla="*/ 3429000 h 6858000"/>
+              <a:gd name="connsiteX4" fmla="*/ 2387803 w 4167271"/>
+              <a:gd name="connsiteY4" fmla="*/ 6775779 h 6858000"/>
+              <a:gd name="connsiteX5" fmla="*/ 2259550 w 4167271"/>
+              <a:gd name="connsiteY5" fmla="*/ 6858000 h 6858000"/>
+              <a:gd name="connsiteX6" fmla="*/ 0 w 4167271"/>
+              <a:gd name="connsiteY6" fmla="*/ 6858000 h 6858000"/>
+            </a:gdLst>
+            <a:ahLst/>
+            <a:cxnLst>
+              <a:cxn ang="0">
+                <a:pos x="connsiteX0" y="connsiteY0"/>
+              </a:cxn>
+              <a:cxn ang="0">
+                <a:pos x="connsiteX1" y="connsiteY1"/>
+              </a:cxn>
+              <a:cxn ang="0">
+                <a:pos x="connsiteX2" y="connsiteY2"/>
+              </a:cxn>
+              <a:cxn ang="0">
+                <a:pos x="connsiteX3" y="connsiteY3"/>
+              </a:cxn>
+              <a:cxn ang="0">
+                <a:pos x="connsiteX4" y="connsiteY4"/>
+              </a:cxn>
+              <a:cxn ang="0">
+                <a:pos x="connsiteX5" y="connsiteY5"/>
+              </a:cxn>
+              <a:cxn ang="0">
+                <a:pos x="connsiteX6" y="connsiteY6"/>
+              </a:cxn>
+            </a:cxnLst>
+            <a:rect l="l" t="t" r="r" b="b"/>
+            <a:pathLst>
+              <a:path w="4167271" h="6858000">
+                <a:moveTo>
+                  <a:pt x="0" y="0"/>
+                </a:moveTo>
+                <a:lnTo>
+                  <a:pt x="2259550" y="0"/>
+                </a:lnTo>
+                <a:lnTo>
+                  <a:pt x="2387803" y="82222"/>
+                </a:lnTo>
+                <a:cubicBezTo>
+                  <a:pt x="3461407" y="807534"/>
+                  <a:pt x="4167271" y="2035835"/>
+                  <a:pt x="4167271" y="3429000"/>
+                </a:cubicBezTo>
+                <a:cubicBezTo>
+                  <a:pt x="4167271" y="4822165"/>
+                  <a:pt x="3461407" y="6050467"/>
+                  <a:pt x="2387803" y="6775779"/>
+                </a:cubicBezTo>
+                <a:lnTo>
+                  <a:pt x="2259550" y="6858000"/>
+                </a:lnTo>
+                <a:lnTo>
+                  <a:pt x="0" y="6858000"/>
+                </a:lnTo>
+                <a:close/>
+              </a:path>
+            </a:pathLst>
+          </a:custGeom>
           <a:solidFill>
-            <a:schemeClr val="bg1"/>
+            <a:schemeClr val="accent2"/>
           </a:solidFill>
           <a:ln>
             <a:noFill/>
           </a:ln>
-          <a:effectLst>
-            <a:outerShdw blurRad="139700" dist="127000" dir="5400000" algn="t" rotWithShape="0">
-              <a:prstClr val="black">
-                <a:alpha val="15000"/>
-              </a:prstClr>
-            </a:outerShdw>
-          </a:effectLst>
         </p:spPr>
         <p:style>
           <a:lnRef idx="2">
@@ -3882,7 +3732,7 @@
           <p:cNvPr id="2" name="Title 1">
             <a:extLst>
               <a:ext uri="{FF2B5EF4-FFF2-40B4-BE49-F238E27FC236}">
-                <a16:creationId xmlns:a16="http://schemas.microsoft.com/office/drawing/2014/main" id="{F6A53D7B-E29D-3859-5143-E89916DCEDE4}"/>
+                <a16:creationId xmlns:a16="http://schemas.microsoft.com/office/drawing/2014/main" id="{7881C7A4-B6F3-ECF3-436C-2807E0CC6E9E}"/>
               </a:ext>
             </a:extLst>
           </p:cNvPr>
@@ -3895,8 +3745,8 @@
         </p:nvSpPr>
         <p:spPr>
           <a:xfrm>
-            <a:off x="1043631" y="809898"/>
-            <a:ext cx="9942716" cy="1554480"/>
+            <a:off x="686834" y="1153572"/>
+            <a:ext cx="3200400" cy="4461163"/>
           </a:xfrm>
         </p:spPr>
         <p:txBody>
@@ -3907,91 +3757,34 @@
           <a:p>
             <a:pPr marR="0"/>
             <a:r>
-              <a:rPr lang="en-US" sz="4800" b="0" i="0" u="none" strike="noStrike" kern="1200" baseline="0" dirty="0">
+              <a:rPr lang="en-US" b="0" i="0" u="none" strike="noStrike" kern="1200" baseline="0">
                 <a:solidFill>
-                  <a:schemeClr val="tx1"/>
+                  <a:srgbClr val="FFFFFF"/>
                 </a:solidFill>
                 <a:latin typeface="+mj-lt"/>
                 <a:ea typeface="+mj-ea"/>
                 <a:cs typeface="+mj-cs"/>
               </a:rPr>
-              <a:t>Java Language Assistance with Copilot</a:t>
-            </a:r>
-          </a:p>
-        </p:txBody>
-      </p:sp>
-      <p:sp>
-        <p:nvSpPr>
-          <p:cNvPr id="3" name="Text Placeholder 2">
-            <a:extLst>
-              <a:ext uri="{FF2B5EF4-FFF2-40B4-BE49-F238E27FC236}">
-                <a16:creationId xmlns:a16="http://schemas.microsoft.com/office/drawing/2014/main" id="{EA180E2A-A2C7-A4E9-F762-53E52D012CB4}"/>
-              </a:ext>
-            </a:extLst>
-          </p:cNvPr>
-          <p:cNvSpPr>
-            <a:spLocks noGrp="1"/>
-          </p:cNvSpPr>
-          <p:nvPr>
-            <p:ph type="body" idx="1"/>
-          </p:nvPr>
-        </p:nvSpPr>
-        <p:spPr>
-          <a:xfrm>
-            <a:off x="1123162" y="2704014"/>
-            <a:ext cx="9941319" cy="3124658"/>
-          </a:xfrm>
-        </p:spPr>
-        <p:txBody>
-          <a:bodyPr vert="horz" lIns="91440" tIns="45720" rIns="91440" bIns="45720" rtlCol="0" anchor="ctr">
-            <a:normAutofit/>
-          </a:bodyPr>
-          <a:lstStyle/>
-          <a:p>
-            <a:pPr marR="0" lvl="0"/>
-            <a:r>
-              <a:rPr lang="en-US" sz="2400" b="0" i="0" u="none" strike="noStrike" baseline="0" dirty="0"/>
-              <a:t>Accelerating Java Development with GitHub Copilot</a:t>
-            </a:r>
-          </a:p>
-          <a:p>
-            <a:pPr marR="0" lvl="2"/>
-            <a:r>
-              <a:rPr lang="en-US" sz="2400" b="0" i="1" u="none" strike="noStrike" baseline="0" dirty="0"/>
-              <a:t>  Autocomplete code for common Java patterns (loops, collections, and exception handling).</a:t>
-            </a:r>
-          </a:p>
-          <a:p>
-            <a:pPr marR="0" lvl="2"/>
-            <a:r>
-              <a:rPr lang="en-US" sz="2400" b="0" i="1" u="none" strike="noStrike" baseline="0" dirty="0"/>
-              <a:t>  Real-time suggestions for advanced Java features (Streams, Lambdas).</a:t>
-            </a:r>
-          </a:p>
-          <a:p>
-            <a:pPr marR="0" lvl="2"/>
-            <a:r>
-              <a:rPr lang="en-US" sz="2400" b="0" i="1" u="none" strike="noStrike" baseline="0" dirty="0"/>
-              <a:t>  Example: Writing complex logic faster with Copilot's auto-suggestions.</a:t>
-            </a:r>
-          </a:p>
-        </p:txBody>
-      </p:sp>
-      <p:cxnSp>
-        <p:nvCxnSpPr>
-          <p:cNvPr id="17" name="Straight Connector 16">
-            <a:extLst>
-              <a:ext uri="{FF2B5EF4-FFF2-40B4-BE49-F238E27FC236}">
-                <a16:creationId xmlns:a16="http://schemas.microsoft.com/office/drawing/2014/main" id="{6CF1BAF6-AD41-4082-B212-8A1F9A2E8779}"/>
+              <a:t>Using Copilot in Team (Sharing)</a:t>
+            </a:r>
+          </a:p>
+        </p:txBody>
+      </p:sp>
+      <p:sp>
+        <p:nvSpPr>
+          <p:cNvPr id="12" name="Arc 11">
+            <a:extLst>
+              <a:ext uri="{FF2B5EF4-FFF2-40B4-BE49-F238E27FC236}">
+                <a16:creationId xmlns:a16="http://schemas.microsoft.com/office/drawing/2014/main" id="{081E4A58-353D-44AE-B2FC-2A74E2E400F7}"/>
               </a:ext>
               <a:ext uri="{C183D7F6-B498-43B3-948B-1728B52AA6E4}">
                 <adec:decorative xmlns:adec="http://schemas.microsoft.com/office/drawing/2017/decorative" val="1"/>
               </a:ext>
             </a:extLst>
           </p:cNvPr>
-          <p:cNvCxnSpPr>
-            <a:cxnSpLocks noGrp="1" noRot="1" noChangeAspect="1" noMove="1" noResize="1" noEditPoints="1" noAdjustHandles="1" noChangeArrowheads="1" noChangeShapeType="1"/>
-          </p:cNvCxnSpPr>
+          <p:cNvSpPr>
+            <a:spLocks noGrp="1" noRot="1" noChangeAspect="1" noMove="1" noResize="1" noEditPoints="1" noAdjustHandles="1" noChangeArrowheads="1" noChangeShapeType="1" noTextEdit="1"/>
+          </p:cNvSpPr>
           <p:nvPr>
             <p:extLst>
               <p:ext uri="{386F3935-93C4-4BCD-93E2-E3B085C9AB24}">
@@ -3999,19 +3792,20 @@
               </p:ext>
             </p:extLst>
           </p:nvPr>
-        </p:nvCxnSpPr>
+        </p:nvSpPr>
         <p:spPr>
-          <a:xfrm flipH="1">
-            <a:off x="838200" y="6485313"/>
-            <a:ext cx="10515600" cy="0"/>
+          <a:xfrm flipV="1">
+            <a:off x="7550402" y="2455479"/>
+            <a:ext cx="4083433" cy="4083433"/>
           </a:xfrm>
-          <a:prstGeom prst="line">
+          <a:prstGeom prst="arc">
             <a:avLst/>
           </a:prstGeom>
-          <a:ln w="57150">
+          <a:ln w="127000" cap="rnd">
             <a:solidFill>
               <a:schemeClr val="accent4"/>
             </a:solidFill>
+            <a:prstDash val="dash"/>
           </a:ln>
         </p:spPr>
         <p:style>
@@ -4028,11 +3822,125 @@
             <a:schemeClr val="tx1"/>
           </a:fontRef>
         </p:style>
-      </p:cxnSp>
+        <p:txBody>
+          <a:bodyPr rtlCol="0" anchor="ctr"/>
+          <a:lstStyle/>
+          <a:p>
+            <a:pPr algn="ctr"/>
+            <a:endParaRPr lang="en-US" dirty="0"/>
+          </a:p>
+        </p:txBody>
+      </p:sp>
+      <p:sp>
+        <p:nvSpPr>
+          <p:cNvPr id="3" name="Text Placeholder 2">
+            <a:extLst>
+              <a:ext uri="{FF2B5EF4-FFF2-40B4-BE49-F238E27FC236}">
+                <a16:creationId xmlns:a16="http://schemas.microsoft.com/office/drawing/2014/main" id="{475CC73E-DB97-B679-E549-9AB629D1DA0E}"/>
+              </a:ext>
+            </a:extLst>
+          </p:cNvPr>
+          <p:cNvSpPr>
+            <a:spLocks noGrp="1"/>
+          </p:cNvSpPr>
+          <p:nvPr>
+            <p:ph type="body" idx="1"/>
+          </p:nvPr>
+        </p:nvSpPr>
+        <p:spPr>
+          <a:xfrm>
+            <a:off x="4447308" y="591344"/>
+            <a:ext cx="6906491" cy="5585619"/>
+          </a:xfrm>
+        </p:spPr>
+        <p:txBody>
+          <a:bodyPr vert="horz" lIns="91440" tIns="45720" rIns="91440" bIns="45720" rtlCol="0" anchor="ctr">
+            <a:normAutofit/>
+          </a:bodyPr>
+          <a:lstStyle/>
+          <a:p>
+            <a:pPr marL="0" marR="0" lvl="0"/>
+            <a:r>
+              <a:rPr lang="en-US" sz="1500" b="0" i="0" u="none" strike="noStrike" baseline="0" dirty="0"/>
+              <a:t>Enhancing Team Collaboration with GitHub Copilot"</a:t>
+            </a:r>
+          </a:p>
+          <a:p>
+            <a:pPr marR="0" lvl="1"/>
+            <a:r>
+              <a:rPr lang="en-US" sz="1500" b="1" i="0" u="none" strike="noStrike" baseline="0" dirty="0"/>
+              <a:t>Enhancing Collaboration:</a:t>
+            </a:r>
+          </a:p>
+          <a:p>
+            <a:pPr marR="0" lvl="2"/>
+            <a:r>
+              <a:rPr lang="en-US" sz="1500" b="0" i="1" u="none" strike="noStrike" baseline="0" dirty="0"/>
+              <a:t>Teams can share common prompts to streamline coding standards.</a:t>
+            </a:r>
+          </a:p>
+          <a:p>
+            <a:pPr marR="0" lvl="2"/>
+            <a:r>
+              <a:rPr lang="en-US" sz="1500" b="0" i="1" u="none" strike="noStrike" baseline="0" dirty="0"/>
+              <a:t>Collaborate using shared Copilot suggestions across the team.</a:t>
+            </a:r>
+          </a:p>
+          <a:p>
+            <a:pPr marR="0" lvl="2"/>
+            <a:r>
+              <a:rPr lang="en-US" sz="1500" b="0" i="1" u="none" strike="noStrike" baseline="0" dirty="0"/>
+              <a:t>Real-time code generation for pair programming and group projects.</a:t>
+            </a:r>
+          </a:p>
+          <a:p>
+            <a:pPr marR="0" lvl="1"/>
+            <a:r>
+              <a:rPr lang="en-US" sz="1500" b="1" i="0" u="none" strike="noStrike" baseline="0" dirty="0"/>
+              <a:t>Enhancing Code Quality and Convention:</a:t>
+            </a:r>
+          </a:p>
+          <a:p>
+            <a:pPr marR="0" lvl="2"/>
+            <a:r>
+              <a:rPr lang="en-US" sz="1500" b="0" i="1" u="none" strike="noStrike" baseline="0" dirty="0"/>
+              <a:t>Ensures consistent code style and adherence to project-specific conventions.</a:t>
+            </a:r>
+          </a:p>
+          <a:p>
+            <a:pPr marR="0" lvl="2"/>
+            <a:r>
+              <a:rPr lang="en-US" sz="1500" b="0" i="1" u="none" strike="noStrike" baseline="0" dirty="0"/>
+              <a:t>Copilot suggests best practices based on team’s collective input.</a:t>
+            </a:r>
+          </a:p>
+          <a:p>
+            <a:pPr marR="0" lvl="1"/>
+            <a:r>
+              <a:rPr lang="en-US" sz="1500" b="1" i="0" u="none" strike="noStrike" baseline="0" dirty="0"/>
+              <a:t>Enhancing Productivity:</a:t>
+            </a:r>
+          </a:p>
+          <a:p>
+            <a:pPr marR="0" lvl="2"/>
+            <a:r>
+              <a:rPr lang="en-US" sz="1500" b="0" i="1" u="none" strike="noStrike" baseline="0" dirty="0"/>
+              <a:t>Reduces repetitive tasks, allowing team members to focus on complex logic.</a:t>
+            </a:r>
+          </a:p>
+          <a:p>
+            <a:pPr marR="0" lvl="2"/>
+            <a:r>
+              <a:rPr lang="en-US" sz="1500" b="0" i="1" u="none" strike="noStrike" baseline="0" dirty="0"/>
+              <a:t>Promotes faster completion of development cycles through automated code suggestions.</a:t>
+            </a:r>
+          </a:p>
+        </p:txBody>
+      </p:sp>
     </p:spTree>
     <p:extLst>
       <p:ext uri="{BB962C8B-B14F-4D97-AF65-F5344CB8AC3E}">
-        <p14:creationId xmlns:p14="http://schemas.microsoft.com/office/powerpoint/2010/main" val="2113984597"/>
+        <p14:creationId xmlns:p14="http://schemas.microsoft.com/office/powerpoint/2010/main" val="1298024304"/>
       </p:ext>
     </p:extLst>
   </p:cSld>
@@ -4069,10 +3977,10 @@
       </p:grpSpPr>
       <p:sp useBgFill="1">
         <p:nvSpPr>
-          <p:cNvPr id="8" name="Rectangle 7">
-            <a:extLst>
-              <a:ext uri="{FF2B5EF4-FFF2-40B4-BE49-F238E27FC236}">
-                <a16:creationId xmlns:a16="http://schemas.microsoft.com/office/drawing/2014/main" id="{DBF61EA3-B236-439E-9C0B-340980D56BEE}"/>
+          <p:cNvPr id="15" name="Rectangle 14">
+            <a:extLst>
+              <a:ext uri="{FF2B5EF4-FFF2-40B4-BE49-F238E27FC236}">
+                <a16:creationId xmlns:a16="http://schemas.microsoft.com/office/drawing/2014/main" id="{C2554CA6-288E-4202-BC52-2E5A8F0C0AED}"/>
               </a:ext>
               <a:ext uri="{C183D7F6-B498-43B3-948B-1728B52AA6E4}">
                 <adec:decorative xmlns:adec="http://schemas.microsoft.com/office/drawing/2017/decorative" val="1"/>
@@ -4092,8 +4000,8 @@
         </p:nvSpPr>
         <p:spPr>
           <a:xfrm>
-            <a:off x="0" y="0"/>
-            <a:ext cx="12191999" cy="6857365"/>
+            <a:off x="3048" y="0"/>
+            <a:ext cx="12188952" cy="6858000"/>
           </a:xfrm>
           <a:prstGeom prst="rect">
             <a:avLst/>
@@ -4129,62 +4037,19 @@
       </p:sp>
       <p:sp>
         <p:nvSpPr>
-          <p:cNvPr id="2" name="Title 1">
-            <a:extLst>
-              <a:ext uri="{FF2B5EF4-FFF2-40B4-BE49-F238E27FC236}">
-                <a16:creationId xmlns:a16="http://schemas.microsoft.com/office/drawing/2014/main" id="{5BFB02C3-23FA-AAC6-8F64-7011F08830BB}"/>
-              </a:ext>
-            </a:extLst>
-          </p:cNvPr>
-          <p:cNvSpPr>
-            <a:spLocks noGrp="1"/>
-          </p:cNvSpPr>
-          <p:nvPr>
-            <p:ph type="title"/>
-          </p:nvPr>
-        </p:nvSpPr>
-        <p:spPr>
-          <a:xfrm>
-            <a:off x="808638" y="386930"/>
-            <a:ext cx="9236700" cy="1188950"/>
-          </a:xfrm>
-        </p:spPr>
-        <p:txBody>
-          <a:bodyPr vert="horz" lIns="91440" tIns="45720" rIns="91440" bIns="45720" rtlCol="0" anchor="b">
-            <a:normAutofit/>
-          </a:bodyPr>
-          <a:lstStyle/>
-          <a:p>
-            <a:pPr marR="0"/>
-            <a:r>
-              <a:rPr lang="en-US" sz="5000" b="0" i="0" u="none" strike="noStrike" kern="1200" baseline="0">
-                <a:solidFill>
-                  <a:schemeClr val="tx1"/>
-                </a:solidFill>
-                <a:latin typeface="+mj-lt"/>
-                <a:ea typeface="+mj-ea"/>
-                <a:cs typeface="+mj-cs"/>
-              </a:rPr>
-              <a:t>Bootstrapping a Spring Boot Project</a:t>
-            </a:r>
-          </a:p>
-        </p:txBody>
-      </p:sp>
-      <p:grpSp>
-        <p:nvGrpSpPr>
-          <p:cNvPr id="10" name="Group 9">
-            <a:extLst>
-              <a:ext uri="{FF2B5EF4-FFF2-40B4-BE49-F238E27FC236}">
-                <a16:creationId xmlns:a16="http://schemas.microsoft.com/office/drawing/2014/main" id="{28FAF094-D087-493F-8DF9-A486C2D6BBAA}"/>
+          <p:cNvPr id="16" name="Oval 15">
+            <a:extLst>
+              <a:ext uri="{FF2B5EF4-FFF2-40B4-BE49-F238E27FC236}">
+                <a16:creationId xmlns:a16="http://schemas.microsoft.com/office/drawing/2014/main" id="{B10BB131-AC8E-4A8E-A5D1-36260F720C3B}"/>
               </a:ext>
               <a:ext uri="{C183D7F6-B498-43B3-948B-1728B52AA6E4}">
                 <adec:decorative xmlns:adec="http://schemas.microsoft.com/office/drawing/2017/decorative" val="1"/>
               </a:ext>
             </a:extLst>
           </p:cNvPr>
-          <p:cNvGrpSpPr>
-            <a:grpSpLocks noGrp="1" noUngrp="1" noRot="1" noChangeAspect="1" noMove="1" noResize="1"/>
-          </p:cNvGrpSpPr>
+          <p:cNvSpPr>
+            <a:spLocks noGrp="1" noRot="1" noChangeAspect="1" noMove="1" noResize="1" noEditPoints="1" noAdjustHandles="1" noChangeArrowheads="1" noChangeShapeType="1" noTextEdit="1"/>
+          </p:cNvSpPr>
           <p:nvPr>
             <p:extLst>
               <p:ext uri="{386F3935-93C4-4BCD-93E2-E3B085C9AB24}">
@@ -4192,182 +4057,21 @@
               </p:ext>
             </p:extLst>
           </p:nvPr>
-        </p:nvGrpSpPr>
-        <p:grpSpPr>
-          <a:xfrm>
-            <a:off x="-2" y="1998368"/>
-            <a:ext cx="11695083" cy="782176"/>
-            <a:chOff x="-2" y="1998368"/>
-            <a:chExt cx="11695083" cy="782176"/>
-          </a:xfrm>
-        </p:grpSpPr>
-        <p:sp>
-          <p:nvSpPr>
-            <p:cNvPr id="11" name="Rectangle 10">
-              <a:extLst>
-                <a:ext uri="{FF2B5EF4-FFF2-40B4-BE49-F238E27FC236}">
-                  <a16:creationId xmlns:a16="http://schemas.microsoft.com/office/drawing/2014/main" id="{8D7C88D8-5509-4514-925A-9CE148E5CBD6}"/>
-                </a:ext>
-                <a:ext uri="{C183D7F6-B498-43B3-948B-1728B52AA6E4}">
-                  <adec:decorative xmlns:adec="http://schemas.microsoft.com/office/drawing/2017/decorative" val="1"/>
-                </a:ext>
-              </a:extLst>
-            </p:cNvPr>
-            <p:cNvSpPr/>
-            <p:nvPr>
-              <p:extLst>
-                <p:ext uri="{386F3935-93C4-4BCD-93E2-E3B085C9AB24}">
-                  <p16:designElem xmlns:p16="http://schemas.microsoft.com/office/powerpoint/2015/main" val="1"/>
-                </p:ext>
-              </p:extLst>
-            </p:nvPr>
-          </p:nvSpPr>
-          <p:spPr>
-            <a:xfrm rot="5400000">
-              <a:off x="11228040" y="2313027"/>
-              <a:ext cx="781700" cy="152382"/>
-            </a:xfrm>
-            <a:prstGeom prst="rect">
-              <a:avLst/>
-            </a:prstGeom>
-            <a:solidFill>
-              <a:schemeClr val="accent4"/>
-            </a:solidFill>
-            <a:ln>
-              <a:noFill/>
-            </a:ln>
-          </p:spPr>
-          <p:style>
-            <a:lnRef idx="2">
-              <a:schemeClr val="accent1">
-                <a:shade val="50000"/>
-              </a:schemeClr>
-            </a:lnRef>
-            <a:fillRef idx="1">
-              <a:schemeClr val="accent1"/>
-            </a:fillRef>
-            <a:effectRef idx="0">
-              <a:schemeClr val="accent1"/>
-            </a:effectRef>
-            <a:fontRef idx="minor">
-              <a:schemeClr val="lt1"/>
-            </a:fontRef>
-          </p:style>
-          <p:txBody>
-            <a:bodyPr rtlCol="0" anchor="ctr"/>
-            <a:lstStyle/>
-            <a:p>
-              <a:pPr algn="ctr"/>
-              <a:endParaRPr lang="en-US"/>
-            </a:p>
-          </p:txBody>
-        </p:sp>
-        <p:sp>
-          <p:nvSpPr>
-            <p:cNvPr id="12" name="Rectangle 11">
-              <a:extLst>
-                <a:ext uri="{FF2B5EF4-FFF2-40B4-BE49-F238E27FC236}">
-                  <a16:creationId xmlns:a16="http://schemas.microsoft.com/office/drawing/2014/main" id="{7275593D-F75E-4426-AE3E-2CDEFD228D25}"/>
-                </a:ext>
-                <a:ext uri="{C183D7F6-B498-43B3-948B-1728B52AA6E4}">
-                  <adec:decorative xmlns:adec="http://schemas.microsoft.com/office/drawing/2017/decorative" val="1"/>
-                </a:ext>
-              </a:extLst>
-            </p:cNvPr>
-            <p:cNvSpPr/>
-            <p:nvPr>
-              <p:extLst>
-                <p:ext uri="{386F3935-93C4-4BCD-93E2-E3B085C9AB24}">
-                  <p16:designElem xmlns:p16="http://schemas.microsoft.com/office/powerpoint/2015/main" val="1"/>
-                </p:ext>
-              </p:extLst>
-            </p:nvPr>
-          </p:nvSpPr>
-          <p:spPr>
-            <a:xfrm flipH="1" flipV="1">
-              <a:off x="-2" y="1998845"/>
-              <a:ext cx="11454595" cy="781699"/>
-            </a:xfrm>
-            <a:prstGeom prst="rect">
-              <a:avLst/>
-            </a:prstGeom>
-            <a:solidFill>
-              <a:schemeClr val="accent4"/>
-            </a:solidFill>
-            <a:ln>
-              <a:noFill/>
-            </a:ln>
-          </p:spPr>
-          <p:style>
-            <a:lnRef idx="2">
-              <a:schemeClr val="accent1">
-                <a:shade val="50000"/>
-              </a:schemeClr>
-            </a:lnRef>
-            <a:fillRef idx="1">
-              <a:schemeClr val="accent1"/>
-            </a:fillRef>
-            <a:effectRef idx="0">
-              <a:schemeClr val="accent1"/>
-            </a:effectRef>
-            <a:fontRef idx="minor">
-              <a:schemeClr val="lt1"/>
-            </a:fontRef>
-          </p:style>
-          <p:txBody>
-            <a:bodyPr rtlCol="0" anchor="ctr"/>
-            <a:lstStyle/>
-            <a:p>
-              <a:pPr algn="ctr"/>
-              <a:endParaRPr lang="en-US"/>
-            </a:p>
-          </p:txBody>
-        </p:sp>
-      </p:grpSp>
-      <p:sp>
-        <p:nvSpPr>
-          <p:cNvPr id="14" name="Rectangle 13">
-            <a:extLst>
-              <a:ext uri="{FF2B5EF4-FFF2-40B4-BE49-F238E27FC236}">
-                <a16:creationId xmlns:a16="http://schemas.microsoft.com/office/drawing/2014/main" id="{E659831F-0D9A-4C63-9EBB-8435B85A440F}"/>
-              </a:ext>
-              <a:ext uri="{C183D7F6-B498-43B3-948B-1728B52AA6E4}">
-                <adec:decorative xmlns:adec="http://schemas.microsoft.com/office/drawing/2017/decorative" val="1"/>
-              </a:ext>
-            </a:extLst>
-          </p:cNvPr>
-          <p:cNvSpPr>
-            <a:spLocks noGrp="1" noRot="1" noChangeAspect="1" noMove="1" noResize="1" noEditPoints="1" noAdjustHandles="1" noChangeArrowheads="1" noChangeShapeType="1" noTextEdit="1"/>
-          </p:cNvSpPr>
-          <p:nvPr>
-            <p:extLst>
-              <p:ext uri="{386F3935-93C4-4BCD-93E2-E3B085C9AB24}">
-                <p16:designElem xmlns:p16="http://schemas.microsoft.com/office/powerpoint/2015/main" val="1"/>
-              </p:ext>
-            </p:extLst>
-          </p:nvPr>
         </p:nvSpPr>
         <p:spPr>
           <a:xfrm>
-            <a:off x="0" y="2203079"/>
-            <a:ext cx="11383362" cy="4147845"/>
+            <a:off x="489189" y="1119031"/>
+            <a:ext cx="4619938" cy="4619938"/>
           </a:xfrm>
-          <a:prstGeom prst="rect">
+          <a:prstGeom prst="ellipse">
             <a:avLst/>
           </a:prstGeom>
           <a:solidFill>
-            <a:schemeClr val="bg1"/>
+            <a:schemeClr val="accent2"/>
           </a:solidFill>
           <a:ln>
             <a:noFill/>
           </a:ln>
-          <a:effectLst>
-            <a:outerShdw blurRad="139700" dist="127000" dir="5400000" algn="t" rotWithShape="0">
-              <a:prstClr val="black">
-                <a:alpha val="15000"/>
-              </a:prstClr>
-            </a:outerShdw>
-          </a:effectLst>
         </p:spPr>
         <p:style>
           <a:lnRef idx="2">
@@ -4396,10 +4100,10 @@
       </p:sp>
       <p:sp>
         <p:nvSpPr>
-          <p:cNvPr id="3" name="Text Placeholder 2">
-            <a:extLst>
-              <a:ext uri="{FF2B5EF4-FFF2-40B4-BE49-F238E27FC236}">
-                <a16:creationId xmlns:a16="http://schemas.microsoft.com/office/drawing/2014/main" id="{45528CFA-B915-DDE9-7EA7-61D486CA68AD}"/>
+          <p:cNvPr id="2" name="Title 1">
+            <a:extLst>
+              <a:ext uri="{FF2B5EF4-FFF2-40B4-BE49-F238E27FC236}">
+                <a16:creationId xmlns:a16="http://schemas.microsoft.com/office/drawing/2014/main" id="{25D14DEE-D5ED-2B7F-2CDF-144F10365D94}"/>
               </a:ext>
             </a:extLst>
           </p:cNvPr>
@@ -4407,13 +4111,13 @@
             <a:spLocks noGrp="1"/>
           </p:cNvSpPr>
           <p:nvPr>
-            <p:ph type="body" idx="1"/>
+            <p:ph type="title"/>
           </p:nvPr>
         </p:nvSpPr>
         <p:spPr>
           <a:xfrm>
-            <a:off x="902113" y="2389218"/>
-            <a:ext cx="10143668" cy="3435531"/>
+            <a:off x="1171074" y="1396686"/>
+            <a:ext cx="3240506" cy="4064628"/>
           </a:xfrm>
         </p:spPr>
         <p:txBody>
@@ -4422,41 +4126,272 @@
           </a:bodyPr>
           <a:lstStyle/>
           <a:p>
-            <a:pPr marL="0" marR="0" lvl="0" indent="0">
+            <a:pPr marR="0"/>
+            <a:r>
+              <a:rPr lang="en-US" b="0" i="0" u="none" strike="noStrike" kern="1200" baseline="0">
+                <a:solidFill>
+                  <a:srgbClr val="FFFFFF"/>
+                </a:solidFill>
+                <a:latin typeface="+mj-lt"/>
+                <a:ea typeface="+mj-ea"/>
+                <a:cs typeface="+mj-cs"/>
+              </a:rPr>
+              <a:t>Codelab</a:t>
+            </a:r>
+            <a:r>
+              <a:rPr lang="en-US" b="1" i="0" u="none" strike="noStrike" kern="1200" baseline="0">
+                <a:solidFill>
+                  <a:srgbClr val="FFFFFF"/>
+                </a:solidFill>
+                <a:latin typeface="+mj-lt"/>
+                <a:ea typeface="+mj-ea"/>
+                <a:cs typeface="+mj-cs"/>
+              </a:rPr>
+              <a:t> 5:</a:t>
+            </a:r>
+            <a:endParaRPr lang="en-US" b="0" i="0" u="none" strike="noStrike" kern="1200" baseline="0">
+              <a:solidFill>
+                <a:srgbClr val="FFFFFF"/>
+              </a:solidFill>
+              <a:latin typeface="+mj-lt"/>
+              <a:ea typeface="+mj-ea"/>
+              <a:cs typeface="+mj-cs"/>
+            </a:endParaRPr>
+          </a:p>
+        </p:txBody>
+      </p:sp>
+      <p:sp>
+        <p:nvSpPr>
+          <p:cNvPr id="17" name="Arc 16">
+            <a:extLst>
+              <a:ext uri="{FF2B5EF4-FFF2-40B4-BE49-F238E27FC236}">
+                <a16:creationId xmlns:a16="http://schemas.microsoft.com/office/drawing/2014/main" id="{5B7778FC-632E-4DCA-A7CB-0D7731CCF970}"/>
+              </a:ext>
+              <a:ext uri="{C183D7F6-B498-43B3-948B-1728B52AA6E4}">
+                <adec:decorative xmlns:adec="http://schemas.microsoft.com/office/drawing/2017/decorative" val="1"/>
+              </a:ext>
+            </a:extLst>
+          </p:cNvPr>
+          <p:cNvSpPr>
+            <a:spLocks noGrp="1" noRot="1" noChangeAspect="1" noMove="1" noResize="1" noEditPoints="1" noAdjustHandles="1" noChangeArrowheads="1" noChangeShapeType="1" noTextEdit="1"/>
+          </p:cNvSpPr>
+          <p:nvPr>
+            <p:extLst>
+              <p:ext uri="{386F3935-93C4-4BCD-93E2-E3B085C9AB24}">
+                <p16:designElem xmlns:p16="http://schemas.microsoft.com/office/powerpoint/2015/main" val="1"/>
+              </p:ext>
+            </p:extLst>
+          </p:nvPr>
+        </p:nvSpPr>
+        <p:spPr>
+          <a:xfrm rot="19809111">
+            <a:off x="8683720" y="941148"/>
+            <a:ext cx="2987899" cy="2987899"/>
+          </a:xfrm>
+          <a:prstGeom prst="arc">
+            <a:avLst>
+              <a:gd name="adj1" fmla="val 15817365"/>
+              <a:gd name="adj2" fmla="val 1781380"/>
+            </a:avLst>
+          </a:prstGeom>
+          <a:ln w="127000" cap="rnd">
+            <a:solidFill>
+              <a:schemeClr val="accent4"/>
+            </a:solidFill>
+            <a:prstDash val="dash"/>
+            <a:miter lim="800000"/>
+          </a:ln>
+        </p:spPr>
+        <p:style>
+          <a:lnRef idx="1">
+            <a:schemeClr val="accent1"/>
+          </a:lnRef>
+          <a:fillRef idx="0">
+            <a:schemeClr val="accent1"/>
+          </a:fillRef>
+          <a:effectRef idx="0">
+            <a:schemeClr val="accent1"/>
+          </a:effectRef>
+          <a:fontRef idx="minor">
+            <a:schemeClr val="tx1"/>
+          </a:fontRef>
+        </p:style>
+        <p:txBody>
+          <a:bodyPr rtlCol="0" anchor="ctr"/>
+          <a:lstStyle/>
+          <a:p>
+            <a:pPr marL="0" marR="0" lvl="0" indent="0" algn="ctr" defTabSz="914400" rtl="0" eaLnBrk="1" fontAlgn="auto" latinLnBrk="0" hangingPunct="1">
+              <a:lnSpc>
+                <a:spcPct val="100000"/>
+              </a:lnSpc>
+              <a:spcBef>
+                <a:spcPts val="0"/>
+              </a:spcBef>
+              <a:spcAft>
+                <a:spcPts val="0"/>
+              </a:spcAft>
+              <a:buClrTx/>
+              <a:buSzTx/>
+              <a:buFontTx/>
               <a:buNone/>
+              <a:tabLst/>
+              <a:defRPr/>
             </a:pPr>
-            <a:r>
-              <a:rPr lang="en-US" sz="2400" b="0" i="0" u="none" strike="noStrike" baseline="0" dirty="0"/>
-              <a:t>Setting Up Spring Boot with Copilot’s Guidance</a:t>
-            </a:r>
-          </a:p>
-          <a:p>
-            <a:pPr marR="0" lvl="2"/>
-            <a:r>
-              <a:rPr lang="en-US" sz="2400" b="0" i="1" u="none" strike="noStrike" baseline="0" dirty="0"/>
-              <a:t>  Automatically configure Spring Boot dependencies and starter projects.</a:t>
-            </a:r>
-          </a:p>
-          <a:p>
-            <a:pPr marR="0" lvl="2"/>
-            <a:r>
-              <a:rPr lang="en-US" sz="2400" b="0" i="1" u="none" strike="noStrike" baseline="0" dirty="0"/>
-              <a:t>  Generate the application structure (controllers, services, repositories) with prompts.</a:t>
-            </a:r>
-          </a:p>
-          <a:p>
-            <a:pPr marR="0" lvl="2"/>
-            <a:r>
-              <a:rPr lang="en-US" sz="2400" b="0" i="1" u="none" strike="noStrike" baseline="0" dirty="0"/>
-              <a:t>  Example: Efficient setup of </a:t>
-            </a:r>
-            <a:r>
-              <a:rPr lang="en-US" sz="2400" b="0" i="1" u="none" strike="noStrike" baseline="0" dirty="0" err="1"/>
-              <a:t>application.properties</a:t>
-            </a:r>
-            <a:r>
-              <a:rPr lang="en-US" sz="2400" b="0" i="1" u="none" strike="noStrike" baseline="0" dirty="0"/>
-              <a:t>, security configurations, and basic endpoints.</a:t>
+            <a:endParaRPr kumimoji="0" lang="en-US" sz="1800" b="0" i="0" u="none" strike="noStrike" kern="1200" cap="none" spc="0" normalizeH="0" baseline="0" noProof="0">
+              <a:ln>
+                <a:noFill/>
+              </a:ln>
+              <a:solidFill>
+                <a:srgbClr val="000000"/>
+              </a:solidFill>
+              <a:effectLst/>
+              <a:uLnTx/>
+              <a:uFillTx/>
+              <a:latin typeface="Calibri" panose="020F0502020204030204"/>
+              <a:ea typeface="+mn-ea"/>
+              <a:cs typeface="+mn-cs"/>
+            </a:endParaRPr>
+          </a:p>
+        </p:txBody>
+      </p:sp>
+      <p:sp>
+        <p:nvSpPr>
+          <p:cNvPr id="14" name="Oval 13">
+            <a:extLst>
+              <a:ext uri="{FF2B5EF4-FFF2-40B4-BE49-F238E27FC236}">
+                <a16:creationId xmlns:a16="http://schemas.microsoft.com/office/drawing/2014/main" id="{FA23A907-97FB-4A8F-880A-DD77401C4296}"/>
+              </a:ext>
+              <a:ext uri="{C183D7F6-B498-43B3-948B-1728B52AA6E4}">
+                <adec:decorative xmlns:adec="http://schemas.microsoft.com/office/drawing/2017/decorative" val="1"/>
+              </a:ext>
+            </a:extLst>
+          </p:cNvPr>
+          <p:cNvSpPr>
+            <a:spLocks noGrp="1" noRot="1" noChangeAspect="1" noMove="1" noResize="1" noEditPoints="1" noAdjustHandles="1" noChangeArrowheads="1" noChangeShapeType="1" noTextEdit="1"/>
+          </p:cNvSpPr>
+          <p:nvPr>
+            <p:extLst>
+              <p:ext uri="{386F3935-93C4-4BCD-93E2-E3B085C9AB24}">
+                <p16:designElem xmlns:p16="http://schemas.microsoft.com/office/powerpoint/2015/main" val="1"/>
+              </p:ext>
+            </p:extLst>
+          </p:nvPr>
+        </p:nvSpPr>
+        <p:spPr>
+          <a:xfrm>
+            <a:off x="910048" y="4780992"/>
+            <a:ext cx="546100" cy="546100"/>
+          </a:xfrm>
+          <a:prstGeom prst="ellipse">
+            <a:avLst/>
+          </a:prstGeom>
+          <a:solidFill>
+            <a:schemeClr val="accent5"/>
+          </a:solidFill>
+          <a:ln>
+            <a:noFill/>
+          </a:ln>
+        </p:spPr>
+        <p:style>
+          <a:lnRef idx="2">
+            <a:schemeClr val="accent1">
+              <a:shade val="50000"/>
+            </a:schemeClr>
+          </a:lnRef>
+          <a:fillRef idx="1">
+            <a:schemeClr val="accent1"/>
+          </a:fillRef>
+          <a:effectRef idx="0">
+            <a:schemeClr val="accent1"/>
+          </a:effectRef>
+          <a:fontRef idx="minor">
+            <a:schemeClr val="lt1"/>
+          </a:fontRef>
+        </p:style>
+        <p:txBody>
+          <a:bodyPr rtlCol="0" anchor="ctr"/>
+          <a:lstStyle/>
+          <a:p>
+            <a:pPr marL="0" marR="0" lvl="0" indent="0" algn="ctr" defTabSz="914400" rtl="0" eaLnBrk="1" fontAlgn="auto" latinLnBrk="0" hangingPunct="1">
+              <a:lnSpc>
+                <a:spcPct val="100000"/>
+              </a:lnSpc>
+              <a:spcBef>
+                <a:spcPts val="0"/>
+              </a:spcBef>
+              <a:spcAft>
+                <a:spcPts val="0"/>
+              </a:spcAft>
+              <a:buClrTx/>
+              <a:buSzTx/>
+              <a:buFontTx/>
+              <a:buNone/>
+              <a:tabLst/>
+              <a:defRPr/>
+            </a:pPr>
+            <a:endParaRPr kumimoji="0" lang="en-US" sz="1800" b="0" i="0" u="none" strike="noStrike" kern="1200" cap="none" spc="0" normalizeH="0" baseline="0" noProof="0">
+              <a:ln>
+                <a:noFill/>
+              </a:ln>
+              <a:solidFill>
+                <a:srgbClr val="FFFFFF"/>
+              </a:solidFill>
+              <a:effectLst/>
+              <a:uLnTx/>
+              <a:uFillTx/>
+              <a:latin typeface="Calibri" panose="020F0502020204030204"/>
+              <a:ea typeface="+mn-ea"/>
+              <a:cs typeface="+mn-cs"/>
+            </a:endParaRPr>
+          </a:p>
+        </p:txBody>
+      </p:sp>
+      <p:sp>
+        <p:nvSpPr>
+          <p:cNvPr id="3" name="Text Placeholder 2">
+            <a:extLst>
+              <a:ext uri="{FF2B5EF4-FFF2-40B4-BE49-F238E27FC236}">
+                <a16:creationId xmlns:a16="http://schemas.microsoft.com/office/drawing/2014/main" id="{69E8C31C-1662-6CBE-6D42-997188DB06E6}"/>
+              </a:ext>
+            </a:extLst>
+          </p:cNvPr>
+          <p:cNvSpPr>
+            <a:spLocks noGrp="1"/>
+          </p:cNvSpPr>
+          <p:nvPr>
+            <p:ph type="body" idx="1"/>
+          </p:nvPr>
+        </p:nvSpPr>
+        <p:spPr>
+          <a:xfrm>
+            <a:off x="5370153" y="1526033"/>
+            <a:ext cx="5536397" cy="3935281"/>
+          </a:xfrm>
+        </p:spPr>
+        <p:txBody>
+          <a:bodyPr vert="horz" lIns="91440" tIns="45720" rIns="91440" bIns="45720" rtlCol="0">
+            <a:normAutofit/>
+          </a:bodyPr>
+          <a:lstStyle/>
+          <a:p>
+            <a:pPr marL="0" marR="0" lvl="0"/>
+            <a:r>
+              <a:rPr lang="en-US" b="0" i="0" u="none" strike="noStrike" baseline="0" dirty="0"/>
+              <a:t>Practice: Sharing Copilot Across Teams</a:t>
+            </a:r>
+          </a:p>
+          <a:p>
+            <a:pPr marR="0" lvl="1"/>
+            <a:r>
+              <a:rPr lang="en-US" b="0" i="0" u="none" strike="noStrike" baseline="0" dirty="0"/>
+              <a:t>Set up Copilot with a shared codebase.</a:t>
+            </a:r>
+          </a:p>
+          <a:p>
+            <a:pPr marR="0" lvl="1"/>
+            <a:r>
+              <a:rPr lang="en-US" b="0" i="0" u="none" strike="noStrike" baseline="0" dirty="0"/>
+              <a:t>Teams practice writing, reviewing, and improving code collaboratively using Copilot suggestions.</a:t>
             </a:r>
           </a:p>
         </p:txBody>
@@ -4464,7 +4399,7 @@
     </p:spTree>
     <p:extLst>
       <p:ext uri="{BB962C8B-B14F-4D97-AF65-F5344CB8AC3E}">
-        <p14:creationId xmlns:p14="http://schemas.microsoft.com/office/powerpoint/2010/main" val="382905096"/>
+        <p14:creationId xmlns:p14="http://schemas.microsoft.com/office/powerpoint/2010/main" val="1867674100"/>
       </p:ext>
     </p:extLst>
   </p:cSld>
@@ -4504,7 +4439,7 @@
           <p:cNvPr id="8" name="Rectangle 7">
             <a:extLst>
               <a:ext uri="{FF2B5EF4-FFF2-40B4-BE49-F238E27FC236}">
-                <a16:creationId xmlns:a16="http://schemas.microsoft.com/office/drawing/2014/main" id="{4DA718D0-4865-4629-8134-44F68D41D574}"/>
+                <a16:creationId xmlns:a16="http://schemas.microsoft.com/office/drawing/2014/main" id="{1709F1D5-B0F1-4714-A239-E5B61C161915}"/>
               </a:ext>
               <a:ext uri="{C183D7F6-B498-43B3-948B-1728B52AA6E4}">
                 <adec:decorative xmlns:adec="http://schemas.microsoft.com/office/drawing/2017/decorative" val="1"/>
@@ -4524,8 +4459,8 @@
         </p:nvSpPr>
         <p:spPr>
           <a:xfrm>
-            <a:off x="0" y="0"/>
-            <a:ext cx="12191999" cy="6857365"/>
+            <a:off x="3048" y="0"/>
+            <a:ext cx="12188952" cy="6858000"/>
           </a:xfrm>
           <a:prstGeom prst="rect">
             <a:avLst/>
@@ -4559,21 +4494,21 @@
           </a:p>
         </p:txBody>
       </p:sp>
-      <p:grpSp>
-        <p:nvGrpSpPr>
-          <p:cNvPr id="10" name="Group 9">
-            <a:extLst>
-              <a:ext uri="{FF2B5EF4-FFF2-40B4-BE49-F238E27FC236}">
-                <a16:creationId xmlns:a16="http://schemas.microsoft.com/office/drawing/2014/main" id="{65167ED7-6315-43AB-B1B6-C326D5FD8F84}"/>
+      <p:sp>
+        <p:nvSpPr>
+          <p:cNvPr id="10" name="Rectangle: Rounded Corners 9">
+            <a:extLst>
+              <a:ext uri="{FF2B5EF4-FFF2-40B4-BE49-F238E27FC236}">
+                <a16:creationId xmlns:a16="http://schemas.microsoft.com/office/drawing/2014/main" id="{228FB460-D3FF-4440-A020-05982A09E517}"/>
               </a:ext>
               <a:ext uri="{C183D7F6-B498-43B3-948B-1728B52AA6E4}">
                 <adec:decorative xmlns:adec="http://schemas.microsoft.com/office/drawing/2017/decorative" val="1"/>
               </a:ext>
             </a:extLst>
           </p:cNvPr>
-          <p:cNvGrpSpPr>
-            <a:grpSpLocks noGrp="1" noUngrp="1" noRot="1" noChangeAspect="1" noMove="1" noResize="1"/>
-          </p:cNvGrpSpPr>
+          <p:cNvSpPr>
+            <a:spLocks noGrp="1" noRot="1" noChangeAspect="1" noMove="1" noResize="1" noEditPoints="1" noAdjustHandles="1" noChangeArrowheads="1" noChangeShapeType="1" noTextEdit="1"/>
+          </p:cNvSpPr>
           <p:nvPr>
             <p:extLst>
               <p:ext uri="{386F3935-93C4-4BCD-93E2-E3B085C9AB24}">
@@ -4581,181 +4516,23 @@
               </p:ext>
             </p:extLst>
           </p:nvPr>
-        </p:nvGrpSpPr>
-        <p:grpSpPr>
-          <a:xfrm rot="5400000">
-            <a:off x="-2340441" y="2666183"/>
-            <a:ext cx="5860051" cy="527712"/>
-            <a:chOff x="6081624" y="1998368"/>
-            <a:chExt cx="5613457" cy="782175"/>
-          </a:xfrm>
-          <a:solidFill>
-            <a:schemeClr val="accent4"/>
-          </a:solidFill>
-        </p:grpSpPr>
-        <p:sp>
-          <p:nvSpPr>
-            <p:cNvPr id="11" name="Rectangle 10">
-              <a:extLst>
-                <a:ext uri="{FF2B5EF4-FFF2-40B4-BE49-F238E27FC236}">
-                  <a16:creationId xmlns:a16="http://schemas.microsoft.com/office/drawing/2014/main" id="{EF4D8839-FB03-487D-ACC8-8BFEDD4FEBAE}"/>
-                </a:ext>
-                <a:ext uri="{C183D7F6-B498-43B3-948B-1728B52AA6E4}">
-                  <adec:decorative xmlns:adec="http://schemas.microsoft.com/office/drawing/2017/decorative" val="1"/>
-                </a:ext>
-              </a:extLst>
-            </p:cNvPr>
-            <p:cNvSpPr/>
-            <p:nvPr>
-              <p:extLst>
-                <p:ext uri="{386F3935-93C4-4BCD-93E2-E3B085C9AB24}">
-                  <p16:designElem xmlns:p16="http://schemas.microsoft.com/office/powerpoint/2015/main" val="1"/>
-                </p:ext>
-              </p:extLst>
-            </p:nvPr>
-          </p:nvSpPr>
-          <p:spPr>
-            <a:xfrm rot="5400000">
-              <a:off x="11228040" y="2313027"/>
-              <a:ext cx="781700" cy="152382"/>
-            </a:xfrm>
-            <a:prstGeom prst="rect">
-              <a:avLst/>
-            </a:prstGeom>
-            <a:grpFill/>
-            <a:ln>
-              <a:noFill/>
-            </a:ln>
-          </p:spPr>
-          <p:style>
-            <a:lnRef idx="2">
-              <a:schemeClr val="accent1">
-                <a:shade val="50000"/>
-              </a:schemeClr>
-            </a:lnRef>
-            <a:fillRef idx="1">
-              <a:schemeClr val="accent1"/>
-            </a:fillRef>
-            <a:effectRef idx="0">
-              <a:schemeClr val="accent1"/>
-            </a:effectRef>
-            <a:fontRef idx="minor">
-              <a:schemeClr val="lt1"/>
-            </a:fontRef>
-          </p:style>
-          <p:txBody>
-            <a:bodyPr rtlCol="0" anchor="ctr"/>
-            <a:lstStyle/>
-            <a:p>
-              <a:pPr algn="ctr"/>
-              <a:endParaRPr lang="en-US"/>
-            </a:p>
-          </p:txBody>
-        </p:sp>
-        <p:sp>
-          <p:nvSpPr>
-            <p:cNvPr id="12" name="Rectangle 11">
-              <a:extLst>
-                <a:ext uri="{FF2B5EF4-FFF2-40B4-BE49-F238E27FC236}">
-                  <a16:creationId xmlns:a16="http://schemas.microsoft.com/office/drawing/2014/main" id="{0EF75023-9A3B-42FC-B704-61A8F7BEF415}"/>
-                </a:ext>
-                <a:ext uri="{C183D7F6-B498-43B3-948B-1728B52AA6E4}">
-                  <adec:decorative xmlns:adec="http://schemas.microsoft.com/office/drawing/2017/decorative" val="1"/>
-                </a:ext>
-              </a:extLst>
-            </p:cNvPr>
-            <p:cNvSpPr/>
-            <p:nvPr>
-              <p:extLst>
-                <p:ext uri="{386F3935-93C4-4BCD-93E2-E3B085C9AB24}">
-                  <p16:designElem xmlns:p16="http://schemas.microsoft.com/office/powerpoint/2015/main" val="1"/>
-                </p:ext>
-              </p:extLst>
-            </p:nvPr>
-          </p:nvSpPr>
-          <p:spPr>
-            <a:xfrm flipH="1" flipV="1">
-              <a:off x="6081624" y="1998844"/>
-              <a:ext cx="5372968" cy="781699"/>
-            </a:xfrm>
-            <a:prstGeom prst="rect">
-              <a:avLst/>
-            </a:prstGeom>
-            <a:grpFill/>
-            <a:ln>
-              <a:noFill/>
-            </a:ln>
-          </p:spPr>
-          <p:style>
-            <a:lnRef idx="2">
-              <a:schemeClr val="accent1">
-                <a:shade val="50000"/>
-              </a:schemeClr>
-            </a:lnRef>
-            <a:fillRef idx="1">
-              <a:schemeClr val="accent1"/>
-            </a:fillRef>
-            <a:effectRef idx="0">
-              <a:schemeClr val="accent1"/>
-            </a:effectRef>
-            <a:fontRef idx="minor">
-              <a:schemeClr val="lt1"/>
-            </a:fontRef>
-          </p:style>
-          <p:txBody>
-            <a:bodyPr rtlCol="0" anchor="ctr"/>
-            <a:lstStyle/>
-            <a:p>
-              <a:pPr algn="ctr"/>
-              <a:endParaRPr lang="en-US"/>
-            </a:p>
-          </p:txBody>
-        </p:sp>
-      </p:grpSp>
-      <p:sp>
-        <p:nvSpPr>
-          <p:cNvPr id="14" name="Rectangle 13">
-            <a:extLst>
-              <a:ext uri="{FF2B5EF4-FFF2-40B4-BE49-F238E27FC236}">
-                <a16:creationId xmlns:a16="http://schemas.microsoft.com/office/drawing/2014/main" id="{CBC4F608-B4B8-48C3-9572-C0F061B1CD99}"/>
-              </a:ext>
-              <a:ext uri="{C183D7F6-B498-43B3-948B-1728B52AA6E4}">
-                <adec:decorative xmlns:adec="http://schemas.microsoft.com/office/drawing/2017/decorative" val="1"/>
-              </a:ext>
-            </a:extLst>
-          </p:cNvPr>
-          <p:cNvSpPr>
-            <a:spLocks noGrp="1" noRot="1" noChangeAspect="1" noMove="1" noResize="1" noEditPoints="1" noAdjustHandles="1" noChangeArrowheads="1" noChangeShapeType="1" noTextEdit="1"/>
-          </p:cNvSpPr>
-          <p:nvPr>
-            <p:extLst>
-              <p:ext uri="{386F3935-93C4-4BCD-93E2-E3B085C9AB24}">
-                <p16:designElem xmlns:p16="http://schemas.microsoft.com/office/powerpoint/2015/main" val="1"/>
-              </p:ext>
-            </p:extLst>
-          </p:nvPr>
         </p:nvSpPr>
         <p:spPr>
           <a:xfrm>
-            <a:off x="579528" y="922919"/>
-            <a:ext cx="11111729" cy="5461252"/>
+            <a:off x="740546" y="1011045"/>
+            <a:ext cx="4369859" cy="4369859"/>
           </a:xfrm>
-          <a:prstGeom prst="rect">
-            <a:avLst/>
+          <a:prstGeom prst="roundRect">
+            <a:avLst>
+              <a:gd name="adj" fmla="val 2757"/>
+            </a:avLst>
           </a:prstGeom>
           <a:solidFill>
-            <a:schemeClr val="bg1"/>
+            <a:schemeClr val="accent2"/>
           </a:solidFill>
           <a:ln>
             <a:noFill/>
           </a:ln>
-          <a:effectLst>
-            <a:outerShdw blurRad="139700" dist="127000" dir="5400000" algn="t" rotWithShape="0">
-              <a:prstClr val="black">
-                <a:alpha val="15000"/>
-              </a:prstClr>
-            </a:outerShdw>
-          </a:effectLst>
         </p:spPr>
         <p:style>
           <a:lnRef idx="2">
@@ -4787,7 +4564,7 @@
           <p:cNvPr id="2" name="Title 1">
             <a:extLst>
               <a:ext uri="{FF2B5EF4-FFF2-40B4-BE49-F238E27FC236}">
-                <a16:creationId xmlns:a16="http://schemas.microsoft.com/office/drawing/2014/main" id="{CC6C40BD-E633-4C32-D5A7-22464E812840}"/>
+                <a16:creationId xmlns:a16="http://schemas.microsoft.com/office/drawing/2014/main" id="{A40E7DAA-449F-33E1-977D-C2543DFC0FA3}"/>
               </a:ext>
             </a:extLst>
           </p:cNvPr>
@@ -4800,28 +4577,395 @@
         </p:nvSpPr>
         <p:spPr>
           <a:xfrm>
-            <a:off x="1282963" y="1238080"/>
-            <a:ext cx="9849751" cy="1349671"/>
+            <a:off x="956826" y="1112969"/>
+            <a:ext cx="3937298" cy="4166010"/>
           </a:xfrm>
         </p:spPr>
         <p:txBody>
-          <a:bodyPr vert="horz" lIns="91440" tIns="45720" rIns="91440" bIns="45720" rtlCol="0" anchor="b">
+          <a:bodyPr vert="horz" lIns="91440" tIns="45720" rIns="91440" bIns="45720" rtlCol="0" anchor="ctr">
             <a:normAutofit/>
           </a:bodyPr>
           <a:lstStyle/>
           <a:p>
             <a:pPr marR="0"/>
             <a:r>
-              <a:rPr lang="en-US" sz="5400" b="0" i="0" u="none" strike="noStrike" kern="1200" baseline="0" dirty="0">
+              <a:rPr lang="en-US" b="1" i="0" u="none" strike="noStrike" kern="1200" baseline="0">
                 <a:solidFill>
-                  <a:schemeClr val="tx1"/>
+                  <a:srgbClr val="FFFFFF"/>
                 </a:solidFill>
                 <a:latin typeface="+mj-lt"/>
                 <a:ea typeface="+mj-ea"/>
                 <a:cs typeface="+mj-cs"/>
               </a:rPr>
-              <a:t>SQL Integration and Entity Models</a:t>
-            </a:r>
+              <a:t>Copilot for Enterprise (Customize, Policy)</a:t>
+            </a:r>
+          </a:p>
+        </p:txBody>
+      </p:sp>
+      <p:sp>
+        <p:nvSpPr>
+          <p:cNvPr id="12" name="Freeform: Shape 11">
+            <a:extLst>
+              <a:ext uri="{FF2B5EF4-FFF2-40B4-BE49-F238E27FC236}">
+                <a16:creationId xmlns:a16="http://schemas.microsoft.com/office/drawing/2014/main" id="{14847E93-7DC1-4D4B-8829-B19AA7137C50}"/>
+              </a:ext>
+              <a:ext uri="{C183D7F6-B498-43B3-948B-1728B52AA6E4}">
+                <adec:decorative xmlns:adec="http://schemas.microsoft.com/office/drawing/2017/decorative" val="1"/>
+              </a:ext>
+            </a:extLst>
+          </p:cNvPr>
+          <p:cNvSpPr>
+            <a:spLocks noGrp="1" noRot="1" noChangeAspect="1" noMove="1" noResize="1" noEditPoints="1" noAdjustHandles="1" noChangeArrowheads="1" noChangeShapeType="1" noTextEdit="1"/>
+          </p:cNvSpPr>
+          <p:nvPr>
+            <p:extLst>
+              <p:ext uri="{386F3935-93C4-4BCD-93E2-E3B085C9AB24}">
+                <p16:designElem xmlns:p16="http://schemas.microsoft.com/office/powerpoint/2015/main" val="1"/>
+              </p:ext>
+            </p:extLst>
+          </p:nvPr>
+        </p:nvSpPr>
+        <p:spPr>
+          <a:xfrm flipH="1">
+            <a:off x="530529" y="0"/>
+            <a:ext cx="1155142" cy="591009"/>
+          </a:xfrm>
+          <a:custGeom>
+            <a:avLst/>
+            <a:gdLst>
+              <a:gd name="connsiteX0" fmla="*/ 1355 w 1155142"/>
+              <a:gd name="connsiteY0" fmla="*/ 0 h 591009"/>
+              <a:gd name="connsiteX1" fmla="*/ 1153787 w 1155142"/>
+              <a:gd name="connsiteY1" fmla="*/ 0 h 591009"/>
+              <a:gd name="connsiteX2" fmla="*/ 1155142 w 1155142"/>
+              <a:gd name="connsiteY2" fmla="*/ 13438 h 591009"/>
+              <a:gd name="connsiteX3" fmla="*/ 577571 w 1155142"/>
+              <a:gd name="connsiteY3" fmla="*/ 591009 h 591009"/>
+              <a:gd name="connsiteX4" fmla="*/ 0 w 1155142"/>
+              <a:gd name="connsiteY4" fmla="*/ 13438 h 591009"/>
+            </a:gdLst>
+            <a:ahLst/>
+            <a:cxnLst>
+              <a:cxn ang="0">
+                <a:pos x="connsiteX0" y="connsiteY0"/>
+              </a:cxn>
+              <a:cxn ang="0">
+                <a:pos x="connsiteX1" y="connsiteY1"/>
+              </a:cxn>
+              <a:cxn ang="0">
+                <a:pos x="connsiteX2" y="connsiteY2"/>
+              </a:cxn>
+              <a:cxn ang="0">
+                <a:pos x="connsiteX3" y="connsiteY3"/>
+              </a:cxn>
+              <a:cxn ang="0">
+                <a:pos x="connsiteX4" y="connsiteY4"/>
+              </a:cxn>
+            </a:cxnLst>
+            <a:rect l="l" t="t" r="r" b="b"/>
+            <a:pathLst>
+              <a:path w="1155142" h="591009">
+                <a:moveTo>
+                  <a:pt x="1355" y="0"/>
+                </a:moveTo>
+                <a:lnTo>
+                  <a:pt x="1153787" y="0"/>
+                </a:lnTo>
+                <a:lnTo>
+                  <a:pt x="1155142" y="13438"/>
+                </a:lnTo>
+                <a:cubicBezTo>
+                  <a:pt x="1155142" y="332422"/>
+                  <a:pt x="896555" y="591009"/>
+                  <a:pt x="577571" y="591009"/>
+                </a:cubicBezTo>
+                <a:cubicBezTo>
+                  <a:pt x="258587" y="591009"/>
+                  <a:pt x="0" y="332422"/>
+                  <a:pt x="0" y="13438"/>
+                </a:cubicBezTo>
+                <a:close/>
+              </a:path>
+            </a:pathLst>
+          </a:custGeom>
+          <a:solidFill>
+            <a:schemeClr val="accent5"/>
+          </a:solidFill>
+          <a:ln>
+            <a:noFill/>
+          </a:ln>
+        </p:spPr>
+        <p:style>
+          <a:lnRef idx="2">
+            <a:schemeClr val="accent1">
+              <a:shade val="50000"/>
+            </a:schemeClr>
+          </a:lnRef>
+          <a:fillRef idx="1">
+            <a:schemeClr val="accent1"/>
+          </a:fillRef>
+          <a:effectRef idx="0">
+            <a:schemeClr val="accent1"/>
+          </a:effectRef>
+          <a:fontRef idx="minor">
+            <a:schemeClr val="lt1"/>
+          </a:fontRef>
+        </p:style>
+        <p:txBody>
+          <a:bodyPr wrap="square" rtlCol="0" anchor="ctr">
+            <a:noAutofit/>
+          </a:bodyPr>
+          <a:lstStyle/>
+          <a:p>
+            <a:pPr algn="ctr"/>
+            <a:endParaRPr lang="en-US"/>
+          </a:p>
+        </p:txBody>
+      </p:sp>
+      <p:sp>
+        <p:nvSpPr>
+          <p:cNvPr id="14" name="Freeform: Shape 13">
+            <a:extLst>
+              <a:ext uri="{FF2B5EF4-FFF2-40B4-BE49-F238E27FC236}">
+                <a16:creationId xmlns:a16="http://schemas.microsoft.com/office/drawing/2014/main" id="{5566D6E1-03A1-4D73-A4E0-35D74D568A04}"/>
+              </a:ext>
+              <a:ext uri="{C183D7F6-B498-43B3-948B-1728B52AA6E4}">
+                <adec:decorative xmlns:adec="http://schemas.microsoft.com/office/drawing/2017/decorative" val="1"/>
+              </a:ext>
+            </a:extLst>
+          </p:cNvPr>
+          <p:cNvSpPr>
+            <a:spLocks noGrp="1" noRot="1" noChangeAspect="1" noMove="1" noResize="1" noEditPoints="1" noAdjustHandles="1" noChangeArrowheads="1" noChangeShapeType="1" noTextEdit="1"/>
+          </p:cNvSpPr>
+          <p:nvPr>
+            <p:extLst>
+              <p:ext uri="{386F3935-93C4-4BCD-93E2-E3B085C9AB24}">
+                <p16:designElem xmlns:p16="http://schemas.microsoft.com/office/powerpoint/2015/main" val="1"/>
+              </p:ext>
+            </p:extLst>
+          </p:nvPr>
+        </p:nvSpPr>
+        <p:spPr>
+          <a:xfrm flipH="1">
+            <a:off x="3961511" y="-1"/>
+            <a:ext cx="1737401" cy="959536"/>
+          </a:xfrm>
+          <a:custGeom>
+            <a:avLst/>
+            <a:gdLst>
+              <a:gd name="connsiteX0" fmla="*/ 0 w 1737401"/>
+              <a:gd name="connsiteY0" fmla="*/ 0 h 959536"/>
+              <a:gd name="connsiteX1" fmla="*/ 123825 w 1737401"/>
+              <a:gd name="connsiteY1" fmla="*/ 0 h 959536"/>
+              <a:gd name="connsiteX2" fmla="*/ 123825 w 1737401"/>
+              <a:gd name="connsiteY2" fmla="*/ 790277 h 959536"/>
+              <a:gd name="connsiteX3" fmla="*/ 1490095 w 1737401"/>
+              <a:gd name="connsiteY3" fmla="*/ 0 h 959536"/>
+              <a:gd name="connsiteX4" fmla="*/ 1737401 w 1737401"/>
+              <a:gd name="connsiteY4" fmla="*/ 0 h 959536"/>
+              <a:gd name="connsiteX5" fmla="*/ 92869 w 1737401"/>
+              <a:gd name="connsiteY5" fmla="*/ 951249 h 959536"/>
+              <a:gd name="connsiteX6" fmla="*/ 61913 w 1737401"/>
+              <a:gd name="connsiteY6" fmla="*/ 959536 h 959536"/>
+              <a:gd name="connsiteX7" fmla="*/ 0 w 1737401"/>
+              <a:gd name="connsiteY7" fmla="*/ 897624 h 959536"/>
+            </a:gdLst>
+            <a:ahLst/>
+            <a:cxnLst>
+              <a:cxn ang="0">
+                <a:pos x="connsiteX0" y="connsiteY0"/>
+              </a:cxn>
+              <a:cxn ang="0">
+                <a:pos x="connsiteX1" y="connsiteY1"/>
+              </a:cxn>
+              <a:cxn ang="0">
+                <a:pos x="connsiteX2" y="connsiteY2"/>
+              </a:cxn>
+              <a:cxn ang="0">
+                <a:pos x="connsiteX3" y="connsiteY3"/>
+              </a:cxn>
+              <a:cxn ang="0">
+                <a:pos x="connsiteX4" y="connsiteY4"/>
+              </a:cxn>
+              <a:cxn ang="0">
+                <a:pos x="connsiteX5" y="connsiteY5"/>
+              </a:cxn>
+              <a:cxn ang="0">
+                <a:pos x="connsiteX6" y="connsiteY6"/>
+              </a:cxn>
+              <a:cxn ang="0">
+                <a:pos x="connsiteX7" y="connsiteY7"/>
+              </a:cxn>
+            </a:cxnLst>
+            <a:rect l="l" t="t" r="r" b="b"/>
+            <a:pathLst>
+              <a:path w="1737401" h="959536">
+                <a:moveTo>
+                  <a:pt x="0" y="0"/>
+                </a:moveTo>
+                <a:lnTo>
+                  <a:pt x="123825" y="0"/>
+                </a:lnTo>
+                <a:lnTo>
+                  <a:pt x="123825" y="790277"/>
+                </a:lnTo>
+                <a:lnTo>
+                  <a:pt x="1490095" y="0"/>
+                </a:lnTo>
+                <a:lnTo>
+                  <a:pt x="1737401" y="0"/>
+                </a:lnTo>
+                <a:lnTo>
+                  <a:pt x="92869" y="951249"/>
+                </a:lnTo>
+                <a:cubicBezTo>
+                  <a:pt x="83458" y="956688"/>
+                  <a:pt x="72780" y="959546"/>
+                  <a:pt x="61913" y="959536"/>
+                </a:cubicBezTo>
+                <a:cubicBezTo>
+                  <a:pt x="27719" y="959536"/>
+                  <a:pt x="0" y="931818"/>
+                  <a:pt x="0" y="897624"/>
+                </a:cubicBezTo>
+                <a:close/>
+              </a:path>
+            </a:pathLst>
+          </a:custGeom>
+          <a:solidFill>
+            <a:schemeClr val="accent6"/>
+          </a:solidFill>
+          <a:ln w="9525" cap="flat">
+            <a:noFill/>
+            <a:prstDash val="solid"/>
+            <a:miter/>
+          </a:ln>
+        </p:spPr>
+        <p:txBody>
+          <a:bodyPr rtlCol="0" anchor="ctr"/>
+          <a:lstStyle/>
+          <a:p>
+            <a:endParaRPr lang="en-US"/>
+          </a:p>
+        </p:txBody>
+      </p:sp>
+      <p:sp>
+        <p:nvSpPr>
+          <p:cNvPr id="16" name="Freeform: Shape 15">
+            <a:extLst>
+              <a:ext uri="{FF2B5EF4-FFF2-40B4-BE49-F238E27FC236}">
+                <a16:creationId xmlns:a16="http://schemas.microsoft.com/office/drawing/2014/main" id="{9F835A99-04AC-494A-A572-AFE8413CC938}"/>
+              </a:ext>
+              <a:ext uri="{C183D7F6-B498-43B3-948B-1728B52AA6E4}">
+                <adec:decorative xmlns:adec="http://schemas.microsoft.com/office/drawing/2017/decorative" val="1"/>
+              </a:ext>
+            </a:extLst>
+          </p:cNvPr>
+          <p:cNvSpPr>
+            <a:spLocks noGrp="1" noRot="1" noChangeAspect="1" noMove="1" noResize="1" noEditPoints="1" noAdjustHandles="1" noChangeArrowheads="1" noChangeShapeType="1" noTextEdit="1"/>
+          </p:cNvSpPr>
+          <p:nvPr>
+            <p:extLst>
+              <p:ext uri="{386F3935-93C4-4BCD-93E2-E3B085C9AB24}">
+                <p16:designElem xmlns:p16="http://schemas.microsoft.com/office/powerpoint/2015/main" val="1"/>
+              </p:ext>
+            </p:extLst>
+          </p:nvPr>
+        </p:nvSpPr>
+        <p:spPr>
+          <a:xfrm flipH="1">
+            <a:off x="0" y="2936831"/>
+            <a:ext cx="159741" cy="552996"/>
+          </a:xfrm>
+          <a:custGeom>
+            <a:avLst/>
+            <a:gdLst>
+              <a:gd name="connsiteX0" fmla="*/ 159741 w 159741"/>
+              <a:gd name="connsiteY0" fmla="*/ 0 h 552996"/>
+              <a:gd name="connsiteX1" fmla="*/ 159741 w 159741"/>
+              <a:gd name="connsiteY1" fmla="*/ 552996 h 552996"/>
+              <a:gd name="connsiteX2" fmla="*/ 141849 w 159741"/>
+              <a:gd name="connsiteY2" fmla="*/ 543285 h 552996"/>
+              <a:gd name="connsiteX3" fmla="*/ 0 w 159741"/>
+              <a:gd name="connsiteY3" fmla="*/ 276498 h 552996"/>
+              <a:gd name="connsiteX4" fmla="*/ 141849 w 159741"/>
+              <a:gd name="connsiteY4" fmla="*/ 9711 h 552996"/>
+            </a:gdLst>
+            <a:ahLst/>
+            <a:cxnLst>
+              <a:cxn ang="0">
+                <a:pos x="connsiteX0" y="connsiteY0"/>
+              </a:cxn>
+              <a:cxn ang="0">
+                <a:pos x="connsiteX1" y="connsiteY1"/>
+              </a:cxn>
+              <a:cxn ang="0">
+                <a:pos x="connsiteX2" y="connsiteY2"/>
+              </a:cxn>
+              <a:cxn ang="0">
+                <a:pos x="connsiteX3" y="connsiteY3"/>
+              </a:cxn>
+              <a:cxn ang="0">
+                <a:pos x="connsiteX4" y="connsiteY4"/>
+              </a:cxn>
+            </a:cxnLst>
+            <a:rect l="l" t="t" r="r" b="b"/>
+            <a:pathLst>
+              <a:path w="159741" h="552996">
+                <a:moveTo>
+                  <a:pt x="159741" y="0"/>
+                </a:moveTo>
+                <a:lnTo>
+                  <a:pt x="159741" y="552996"/>
+                </a:lnTo>
+                <a:lnTo>
+                  <a:pt x="141849" y="543285"/>
+                </a:lnTo>
+                <a:cubicBezTo>
+                  <a:pt x="56268" y="485467"/>
+                  <a:pt x="0" y="387554"/>
+                  <a:pt x="0" y="276498"/>
+                </a:cubicBezTo>
+                <a:cubicBezTo>
+                  <a:pt x="0" y="165443"/>
+                  <a:pt x="56268" y="67529"/>
+                  <a:pt x="141849" y="9711"/>
+                </a:cubicBezTo>
+                <a:close/>
+              </a:path>
+            </a:pathLst>
+          </a:custGeom>
+          <a:solidFill>
+            <a:schemeClr val="accent4"/>
+          </a:solidFill>
+          <a:ln w="127000">
+            <a:noFill/>
+          </a:ln>
+        </p:spPr>
+        <p:style>
+          <a:lnRef idx="2">
+            <a:schemeClr val="accent1">
+              <a:shade val="50000"/>
+            </a:schemeClr>
+          </a:lnRef>
+          <a:fillRef idx="1">
+            <a:schemeClr val="accent1"/>
+          </a:fillRef>
+          <a:effectRef idx="0">
+            <a:schemeClr val="accent1"/>
+          </a:effectRef>
+          <a:fontRef idx="minor">
+            <a:schemeClr val="lt1"/>
+          </a:fontRef>
+        </p:style>
+        <p:txBody>
+          <a:bodyPr wrap="square" rtlCol="0" anchor="ctr">
+            <a:noAutofit/>
+          </a:bodyPr>
+          <a:lstStyle/>
+          <a:p>
+            <a:pPr algn="ctr"/>
+            <a:endParaRPr lang="en-US"/>
           </a:p>
         </p:txBody>
       </p:sp>
@@ -4830,7 +4974,7 @@
           <p:cNvPr id="3" name="Text Placeholder 2">
             <a:extLst>
               <a:ext uri="{FF2B5EF4-FFF2-40B4-BE49-F238E27FC236}">
-                <a16:creationId xmlns:a16="http://schemas.microsoft.com/office/drawing/2014/main" id="{9257CF6C-3F35-1DDE-81B9-A0EE959E0980}"/>
+                <a16:creationId xmlns:a16="http://schemas.microsoft.com/office/drawing/2014/main" id="{35B4A84C-12F7-D032-BDD7-4966AFCEB51B}"/>
               </a:ext>
             </a:extLst>
           </p:cNvPr>
@@ -4843,67 +4987,681 @@
         </p:nvSpPr>
         <p:spPr>
           <a:xfrm>
-            <a:off x="1289304" y="2902913"/>
-            <a:ext cx="9849751" cy="3032168"/>
+            <a:off x="6096000" y="820880"/>
+            <a:ext cx="5257799" cy="4889350"/>
           </a:xfrm>
         </p:spPr>
         <p:txBody>
-          <a:bodyPr vert="horz" lIns="91440" tIns="45720" rIns="91440" bIns="45720" rtlCol="0" anchor="ctr">
+          <a:bodyPr vert="horz" lIns="91440" tIns="45720" rIns="91440" bIns="45720" rtlCol="0" anchor="t">
             <a:normAutofit/>
           </a:bodyPr>
           <a:lstStyle/>
           <a:p>
-            <a:pPr marL="0" marR="0" lvl="0" indent="0">
-              <a:buNone/>
-            </a:pPr>
-            <a:r>
-              <a:rPr lang="en-US" sz="2000" b="0" i="0" u="none" strike="noStrike" baseline="0" dirty="0"/>
-              <a:t>Simplifying SQL Setup and Entity Management with Copilot</a:t>
+            <a:pPr marL="0" marR="0" lvl="0"/>
+            <a:r>
+              <a:rPr lang="en-US" sz="1400" b="0" i="0" u="none" strike="noStrike" baseline="0" dirty="0"/>
+              <a:t>Leveraging Copilot for Business and Enterprise"</a:t>
+            </a:r>
+          </a:p>
+          <a:p>
+            <a:pPr marR="0" lvl="1"/>
+            <a:r>
+              <a:rPr lang="en-US" sz="1400" b="1" i="0" u="none" strike="noStrike" baseline="0" dirty="0"/>
+              <a:t>Copilot for Business and Enterprise:</a:t>
             </a:r>
           </a:p>
           <a:p>
             <a:pPr marR="0" lvl="2"/>
             <a:r>
-              <a:rPr lang="en-US" b="0" i="1" u="none" strike="noStrike" baseline="0" dirty="0"/>
-              <a:t>  - Auto-generate JPA entities based on SQL tables and relations.</a:t>
+              <a:rPr lang="en-US" sz="1400" b="0" i="1" u="none" strike="noStrike" baseline="0" dirty="0"/>
+              <a:t>Tailored configurations for enterprise environments (policies, compliance).</a:t>
             </a:r>
           </a:p>
           <a:p>
             <a:pPr marR="0" lvl="2"/>
             <a:r>
-              <a:rPr lang="en-US" b="0" i="1" u="none" strike="noStrike" baseline="0" dirty="0"/>
-              <a:t>  - Suggest SQL queries and optimize database connections.</a:t>
+              <a:rPr lang="en-US" sz="1400" b="0" i="1" u="none" strike="noStrike" baseline="0" dirty="0"/>
+              <a:t>Customize Copilot to fit company-specific development guidelines.</a:t>
+            </a:r>
+          </a:p>
+          <a:p>
+            <a:pPr marR="0" lvl="1"/>
+            <a:r>
+              <a:rPr lang="en-US" sz="1400" b="1" i="0" u="none" strike="noStrike" baseline="0" dirty="0"/>
+              <a:t>Using Enterprise Knowledge:</a:t>
             </a:r>
           </a:p>
           <a:p>
             <a:pPr marR="0" lvl="2"/>
             <a:r>
-              <a:rPr lang="en-US" b="0" i="1" u="none" strike="noStrike" baseline="0" dirty="0"/>
-              <a:t>  - Example: Creating entity classes, repository interfaces, and mapping relationships (</a:t>
-            </a:r>
-            <a:r>
-              <a:rPr lang="en-US" b="0" i="1" u="none" strike="noStrike" baseline="0" dirty="0" err="1"/>
-              <a:t>OneToMany</a:t>
-            </a:r>
-            <a:r>
-              <a:rPr lang="en-US" b="0" i="1" u="none" strike="noStrike" baseline="0" dirty="0"/>
-              <a:t>, </a:t>
-            </a:r>
-            <a:r>
-              <a:rPr lang="en-US" b="0" i="1" u="none" strike="noStrike" baseline="0" dirty="0" err="1"/>
-              <a:t>ManyToOne</a:t>
-            </a:r>
-            <a:r>
-              <a:rPr lang="en-US" b="0" i="1" u="none" strike="noStrike" baseline="0" dirty="0"/>
-              <a:t>).</a:t>
-            </a:r>
+              <a:rPr lang="en-US" sz="1400" b="0" i="1" u="none" strike="noStrike" baseline="0" dirty="0"/>
+              <a:t>Copilot adapts to enterprise codebases and internal documentation.</a:t>
+            </a:r>
+          </a:p>
+          <a:p>
+            <a:pPr marR="0" lvl="2"/>
+            <a:r>
+              <a:rPr lang="en-US" sz="1400" b="0" i="1" u="none" strike="noStrike" baseline="0" dirty="0"/>
+              <a:t>Leverages company libraries, frameworks, and best practices.</a:t>
+            </a:r>
+          </a:p>
+          <a:p>
+            <a:pPr marR="0" lvl="1"/>
+            <a:r>
+              <a:rPr lang="en-US" sz="1400" b="1" i="0" u="none" strike="noStrike" baseline="0" dirty="0"/>
+              <a:t>Code Review and Pull Requests:</a:t>
+            </a:r>
+          </a:p>
+          <a:p>
+            <a:pPr marR="0" lvl="2"/>
+            <a:r>
+              <a:rPr lang="en-US" sz="1400" b="0" i="1" u="none" strike="noStrike" baseline="0" dirty="0"/>
+              <a:t>Automates parts of code reviews, making suggestions for improvements.</a:t>
+            </a:r>
+          </a:p>
+          <a:p>
+            <a:pPr marR="0" lvl="2"/>
+            <a:r>
+              <a:rPr lang="en-US" sz="1400" b="0" i="1" u="none" strike="noStrike" baseline="0" dirty="0"/>
+              <a:t>Streamlines pull request processes with Copilot’s ability to detect issues.</a:t>
+            </a:r>
+          </a:p>
+        </p:txBody>
+      </p:sp>
+      <p:sp>
+        <p:nvSpPr>
+          <p:cNvPr id="18" name="Freeform: Shape 17">
+            <a:extLst>
+              <a:ext uri="{FF2B5EF4-FFF2-40B4-BE49-F238E27FC236}">
+                <a16:creationId xmlns:a16="http://schemas.microsoft.com/office/drawing/2014/main" id="{7B786209-1B0B-4CA9-9BDD-F7327066A84D}"/>
+              </a:ext>
+              <a:ext uri="{C183D7F6-B498-43B3-948B-1728B52AA6E4}">
+                <adec:decorative xmlns:adec="http://schemas.microsoft.com/office/drawing/2017/decorative" val="1"/>
+              </a:ext>
+            </a:extLst>
+          </p:cNvPr>
+          <p:cNvSpPr>
+            <a:spLocks noGrp="1" noRot="1" noChangeAspect="1" noMove="1" noResize="1" noEditPoints="1" noAdjustHandles="1" noChangeArrowheads="1" noChangeShapeType="1" noTextEdit="1"/>
+          </p:cNvSpPr>
+          <p:nvPr>
+            <p:extLst>
+              <p:ext uri="{386F3935-93C4-4BCD-93E2-E3B085C9AB24}">
+                <p16:designElem xmlns:p16="http://schemas.microsoft.com/office/powerpoint/2015/main" val="1"/>
+              </p:ext>
+            </p:extLst>
+          </p:nvPr>
+        </p:nvSpPr>
+        <p:spPr>
+          <a:xfrm flipH="1">
+            <a:off x="0" y="5835649"/>
+            <a:ext cx="1548180" cy="1022351"/>
+          </a:xfrm>
+          <a:custGeom>
+            <a:avLst/>
+            <a:gdLst>
+              <a:gd name="connsiteX0" fmla="*/ 61913 w 1548180"/>
+              <a:gd name="connsiteY0" fmla="*/ 0 h 1022351"/>
+              <a:gd name="connsiteX1" fmla="*/ 1548180 w 1548180"/>
+              <a:gd name="connsiteY1" fmla="*/ 0 h 1022351"/>
+              <a:gd name="connsiteX2" fmla="*/ 1548180 w 1548180"/>
+              <a:gd name="connsiteY2" fmla="*/ 123825 h 1022351"/>
+              <a:gd name="connsiteX3" fmla="*/ 123825 w 1548180"/>
+              <a:gd name="connsiteY3" fmla="*/ 123825 h 1022351"/>
+              <a:gd name="connsiteX4" fmla="*/ 123825 w 1548180"/>
+              <a:gd name="connsiteY4" fmla="*/ 1022351 h 1022351"/>
+              <a:gd name="connsiteX5" fmla="*/ 0 w 1548180"/>
+              <a:gd name="connsiteY5" fmla="*/ 1022351 h 1022351"/>
+              <a:gd name="connsiteX6" fmla="*/ 0 w 1548180"/>
+              <a:gd name="connsiteY6" fmla="*/ 61913 h 1022351"/>
+              <a:gd name="connsiteX7" fmla="*/ 61913 w 1548180"/>
+              <a:gd name="connsiteY7" fmla="*/ 0 h 1022351"/>
+            </a:gdLst>
+            <a:ahLst/>
+            <a:cxnLst>
+              <a:cxn ang="0">
+                <a:pos x="connsiteX0" y="connsiteY0"/>
+              </a:cxn>
+              <a:cxn ang="0">
+                <a:pos x="connsiteX1" y="connsiteY1"/>
+              </a:cxn>
+              <a:cxn ang="0">
+                <a:pos x="connsiteX2" y="connsiteY2"/>
+              </a:cxn>
+              <a:cxn ang="0">
+                <a:pos x="connsiteX3" y="connsiteY3"/>
+              </a:cxn>
+              <a:cxn ang="0">
+                <a:pos x="connsiteX4" y="connsiteY4"/>
+              </a:cxn>
+              <a:cxn ang="0">
+                <a:pos x="connsiteX5" y="connsiteY5"/>
+              </a:cxn>
+              <a:cxn ang="0">
+                <a:pos x="connsiteX6" y="connsiteY6"/>
+              </a:cxn>
+              <a:cxn ang="0">
+                <a:pos x="connsiteX7" y="connsiteY7"/>
+              </a:cxn>
+            </a:cxnLst>
+            <a:rect l="l" t="t" r="r" b="b"/>
+            <a:pathLst>
+              <a:path w="1548180" h="1022351">
+                <a:moveTo>
+                  <a:pt x="61913" y="0"/>
+                </a:moveTo>
+                <a:lnTo>
+                  <a:pt x="1548180" y="0"/>
+                </a:lnTo>
+                <a:lnTo>
+                  <a:pt x="1548180" y="123825"/>
+                </a:lnTo>
+                <a:lnTo>
+                  <a:pt x="123825" y="123825"/>
+                </a:lnTo>
+                <a:lnTo>
+                  <a:pt x="123825" y="1022351"/>
+                </a:lnTo>
+                <a:lnTo>
+                  <a:pt x="0" y="1022351"/>
+                </a:lnTo>
+                <a:lnTo>
+                  <a:pt x="0" y="61913"/>
+                </a:lnTo>
+                <a:cubicBezTo>
+                  <a:pt x="0" y="27719"/>
+                  <a:pt x="27719" y="0"/>
+                  <a:pt x="61913" y="0"/>
+                </a:cubicBezTo>
+                <a:close/>
+              </a:path>
+            </a:pathLst>
+          </a:custGeom>
+          <a:solidFill>
+            <a:schemeClr val="accent6"/>
+          </a:solidFill>
+          <a:ln w="9525" cap="flat">
+            <a:noFill/>
+            <a:prstDash val="solid"/>
+            <a:miter/>
+          </a:ln>
+        </p:spPr>
+        <p:txBody>
+          <a:bodyPr rtlCol="0" anchor="ctr"/>
+          <a:lstStyle/>
+          <a:p>
+            <a:endParaRPr lang="en-US"/>
+          </a:p>
+        </p:txBody>
+      </p:sp>
+      <p:sp>
+        <p:nvSpPr>
+          <p:cNvPr id="20" name="Freeform: Shape 19">
+            <a:extLst>
+              <a:ext uri="{FF2B5EF4-FFF2-40B4-BE49-F238E27FC236}">
+                <a16:creationId xmlns:a16="http://schemas.microsoft.com/office/drawing/2014/main" id="{2D2964BB-484D-45AE-AD66-D407D0629652}"/>
+              </a:ext>
+              <a:ext uri="{C183D7F6-B498-43B3-948B-1728B52AA6E4}">
+                <adec:decorative xmlns:adec="http://schemas.microsoft.com/office/drawing/2017/decorative" val="1"/>
+              </a:ext>
+            </a:extLst>
+          </p:cNvPr>
+          <p:cNvSpPr>
+            <a:spLocks noGrp="1" noRot="1" noChangeAspect="1" noMove="1" noResize="1" noEditPoints="1" noAdjustHandles="1" noChangeArrowheads="1" noChangeShapeType="1" noTextEdit="1"/>
+          </p:cNvSpPr>
+          <p:nvPr>
+            <p:extLst>
+              <p:ext uri="{386F3935-93C4-4BCD-93E2-E3B085C9AB24}">
+                <p16:designElem xmlns:p16="http://schemas.microsoft.com/office/powerpoint/2015/main" val="1"/>
+              </p:ext>
+            </p:extLst>
+          </p:nvPr>
+        </p:nvSpPr>
+        <p:spPr>
+          <a:xfrm flipH="1">
+            <a:off x="3418308" y="5717905"/>
+            <a:ext cx="1771609" cy="1140095"/>
+          </a:xfrm>
+          <a:custGeom>
+            <a:avLst/>
+            <a:gdLst>
+              <a:gd name="connsiteX0" fmla="*/ 1561721 w 1771609"/>
+              <a:gd name="connsiteY0" fmla="*/ 763041 h 1140095"/>
+              <a:gd name="connsiteX1" fmla="*/ 1623024 w 1771609"/>
+              <a:gd name="connsiteY1" fmla="*/ 792810 h 1140095"/>
+              <a:gd name="connsiteX2" fmla="*/ 1711735 w 1771609"/>
+              <a:gd name="connsiteY2" fmla="*/ 970132 h 1140095"/>
+              <a:gd name="connsiteX3" fmla="*/ 1771609 w 1771609"/>
+              <a:gd name="connsiteY3" fmla="*/ 1140095 h 1140095"/>
+              <a:gd name="connsiteX4" fmla="*/ 1637225 w 1771609"/>
+              <a:gd name="connsiteY4" fmla="*/ 1140095 h 1140095"/>
+              <a:gd name="connsiteX5" fmla="*/ 1594820 w 1771609"/>
+              <a:gd name="connsiteY5" fmla="*/ 1019711 h 1140095"/>
+              <a:gd name="connsiteX6" fmla="*/ 1513200 w 1771609"/>
+              <a:gd name="connsiteY6" fmla="*/ 856627 h 1140095"/>
+              <a:gd name="connsiteX7" fmla="*/ 1538499 w 1771609"/>
+              <a:gd name="connsiteY7" fmla="*/ 770415 h 1140095"/>
+              <a:gd name="connsiteX8" fmla="*/ 1561721 w 1771609"/>
+              <a:gd name="connsiteY8" fmla="*/ 763041 h 1140095"/>
+              <a:gd name="connsiteX9" fmla="*/ 933455 w 1771609"/>
+              <a:gd name="connsiteY9" fmla="*/ 161309 h 1140095"/>
+              <a:gd name="connsiteX10" fmla="*/ 957797 w 1771609"/>
+              <a:gd name="connsiteY10" fmla="*/ 167970 h 1140095"/>
+              <a:gd name="connsiteX11" fmla="*/ 1286982 w 1771609"/>
+              <a:gd name="connsiteY11" fmla="*/ 387616 h 1140095"/>
+              <a:gd name="connsiteX12" fmla="*/ 1293725 w 1771609"/>
+              <a:gd name="connsiteY12" fmla="*/ 477075 h 1140095"/>
+              <a:gd name="connsiteX13" fmla="*/ 1245453 w 1771609"/>
+              <a:gd name="connsiteY13" fmla="*/ 499154 h 1140095"/>
+              <a:gd name="connsiteX14" fmla="*/ 1245167 w 1771609"/>
+              <a:gd name="connsiteY14" fmla="*/ 499154 h 1140095"/>
+              <a:gd name="connsiteX15" fmla="*/ 1203638 w 1771609"/>
+              <a:gd name="connsiteY15" fmla="*/ 484104 h 1140095"/>
+              <a:gd name="connsiteX16" fmla="*/ 900647 w 1771609"/>
+              <a:gd name="connsiteY16" fmla="*/ 281508 h 1140095"/>
+              <a:gd name="connsiteX17" fmla="*/ 872454 w 1771609"/>
+              <a:gd name="connsiteY17" fmla="*/ 196164 h 1140095"/>
+              <a:gd name="connsiteX18" fmla="*/ 933455 w 1771609"/>
+              <a:gd name="connsiteY18" fmla="*/ 161309 h 1140095"/>
+              <a:gd name="connsiteX19" fmla="*/ 256260 w 1771609"/>
+              <a:gd name="connsiteY19" fmla="*/ 29 h 1140095"/>
+              <a:gd name="connsiteX20" fmla="*/ 454020 w 1771609"/>
+              <a:gd name="connsiteY20" fmla="*/ 13474 h 1140095"/>
+              <a:gd name="connsiteX21" fmla="*/ 509236 w 1771609"/>
+              <a:gd name="connsiteY21" fmla="*/ 84182 h 1140095"/>
+              <a:gd name="connsiteX22" fmla="*/ 445829 w 1771609"/>
+              <a:gd name="connsiteY22" fmla="*/ 139871 h 1140095"/>
+              <a:gd name="connsiteX23" fmla="*/ 437447 w 1771609"/>
+              <a:gd name="connsiteY23" fmla="*/ 139395 h 1140095"/>
+              <a:gd name="connsiteX24" fmla="*/ 73211 w 1771609"/>
+              <a:gd name="connsiteY24" fmla="*/ 137204 h 1140095"/>
+              <a:gd name="connsiteX25" fmla="*/ 749 w 1771609"/>
+              <a:gd name="connsiteY25" fmla="*/ 84082 h 1140095"/>
+              <a:gd name="connsiteX26" fmla="*/ 53871 w 1771609"/>
+              <a:gd name="connsiteY26" fmla="*/ 11621 h 1140095"/>
+              <a:gd name="connsiteX27" fmla="*/ 58352 w 1771609"/>
+              <a:gd name="connsiteY27" fmla="*/ 11093 h 1140095"/>
+              <a:gd name="connsiteX28" fmla="*/ 256260 w 1771609"/>
+              <a:gd name="connsiteY28" fmla="*/ 29 h 1140095"/>
+            </a:gdLst>
+            <a:ahLst/>
+            <a:cxnLst>
+              <a:cxn ang="0">
+                <a:pos x="connsiteX0" y="connsiteY0"/>
+              </a:cxn>
+              <a:cxn ang="0">
+                <a:pos x="connsiteX1" y="connsiteY1"/>
+              </a:cxn>
+              <a:cxn ang="0">
+                <a:pos x="connsiteX2" y="connsiteY2"/>
+              </a:cxn>
+              <a:cxn ang="0">
+                <a:pos x="connsiteX3" y="connsiteY3"/>
+              </a:cxn>
+              <a:cxn ang="0">
+                <a:pos x="connsiteX4" y="connsiteY4"/>
+              </a:cxn>
+              <a:cxn ang="0">
+                <a:pos x="connsiteX5" y="connsiteY5"/>
+              </a:cxn>
+              <a:cxn ang="0">
+                <a:pos x="connsiteX6" y="connsiteY6"/>
+              </a:cxn>
+              <a:cxn ang="0">
+                <a:pos x="connsiteX7" y="connsiteY7"/>
+              </a:cxn>
+              <a:cxn ang="0">
+                <a:pos x="connsiteX8" y="connsiteY8"/>
+              </a:cxn>
+              <a:cxn ang="0">
+                <a:pos x="connsiteX9" y="connsiteY9"/>
+              </a:cxn>
+              <a:cxn ang="0">
+                <a:pos x="connsiteX10" y="connsiteY10"/>
+              </a:cxn>
+              <a:cxn ang="0">
+                <a:pos x="connsiteX11" y="connsiteY11"/>
+              </a:cxn>
+              <a:cxn ang="0">
+                <a:pos x="connsiteX12" y="connsiteY12"/>
+              </a:cxn>
+              <a:cxn ang="0">
+                <a:pos x="connsiteX13" y="connsiteY13"/>
+              </a:cxn>
+              <a:cxn ang="0">
+                <a:pos x="connsiteX14" y="connsiteY14"/>
+              </a:cxn>
+              <a:cxn ang="0">
+                <a:pos x="connsiteX15" y="connsiteY15"/>
+              </a:cxn>
+              <a:cxn ang="0">
+                <a:pos x="connsiteX16" y="connsiteY16"/>
+              </a:cxn>
+              <a:cxn ang="0">
+                <a:pos x="connsiteX17" y="connsiteY17"/>
+              </a:cxn>
+              <a:cxn ang="0">
+                <a:pos x="connsiteX18" y="connsiteY18"/>
+              </a:cxn>
+              <a:cxn ang="0">
+                <a:pos x="connsiteX19" y="connsiteY19"/>
+              </a:cxn>
+              <a:cxn ang="0">
+                <a:pos x="connsiteX20" y="connsiteY20"/>
+              </a:cxn>
+              <a:cxn ang="0">
+                <a:pos x="connsiteX21" y="connsiteY21"/>
+              </a:cxn>
+              <a:cxn ang="0">
+                <a:pos x="connsiteX22" y="connsiteY22"/>
+              </a:cxn>
+              <a:cxn ang="0">
+                <a:pos x="connsiteX23" y="connsiteY23"/>
+              </a:cxn>
+              <a:cxn ang="0">
+                <a:pos x="connsiteX24" y="connsiteY24"/>
+              </a:cxn>
+              <a:cxn ang="0">
+                <a:pos x="connsiteX25" y="connsiteY25"/>
+              </a:cxn>
+              <a:cxn ang="0">
+                <a:pos x="connsiteX26" y="connsiteY26"/>
+              </a:cxn>
+              <a:cxn ang="0">
+                <a:pos x="connsiteX27" y="connsiteY27"/>
+              </a:cxn>
+              <a:cxn ang="0">
+                <a:pos x="connsiteX28" y="connsiteY28"/>
+              </a:cxn>
+            </a:cxnLst>
+            <a:rect l="l" t="t" r="r" b="b"/>
+            <a:pathLst>
+              <a:path w="1771609" h="1140095">
+                <a:moveTo>
+                  <a:pt x="1561721" y="763041"/>
+                </a:moveTo>
+                <a:cubicBezTo>
+                  <a:pt x="1585506" y="760324"/>
+                  <a:pt x="1609722" y="771249"/>
+                  <a:pt x="1623024" y="792810"/>
+                </a:cubicBezTo>
+                <a:cubicBezTo>
+                  <a:pt x="1656300" y="850065"/>
+                  <a:pt x="1685920" y="909291"/>
+                  <a:pt x="1711735" y="970132"/>
+                </a:cubicBezTo>
+                <a:lnTo>
+                  <a:pt x="1771609" y="1140095"/>
+                </a:lnTo>
+                <a:lnTo>
+                  <a:pt x="1637225" y="1140095"/>
+                </a:lnTo>
+                <a:lnTo>
+                  <a:pt x="1594820" y="1019711"/>
+                </a:lnTo>
+                <a:cubicBezTo>
+                  <a:pt x="1571072" y="963753"/>
+                  <a:pt x="1543818" y="909282"/>
+                  <a:pt x="1513200" y="856627"/>
+                </a:cubicBezTo>
+                <a:cubicBezTo>
+                  <a:pt x="1496379" y="825834"/>
+                  <a:pt x="1507704" y="787236"/>
+                  <a:pt x="1538499" y="770415"/>
+                </a:cubicBezTo>
+                <a:cubicBezTo>
+                  <a:pt x="1545912" y="766367"/>
+                  <a:pt x="1553792" y="763946"/>
+                  <a:pt x="1561721" y="763041"/>
+                </a:cubicBezTo>
+                <a:close/>
+                <a:moveTo>
+                  <a:pt x="933455" y="161309"/>
+                </a:moveTo>
+                <a:cubicBezTo>
+                  <a:pt x="941693" y="161855"/>
+                  <a:pt x="949959" y="164025"/>
+                  <a:pt x="957797" y="167970"/>
+                </a:cubicBezTo>
+                <a:cubicBezTo>
+                  <a:pt x="1076184" y="227289"/>
+                  <a:pt x="1186759" y="301068"/>
+                  <a:pt x="1286982" y="387616"/>
+                </a:cubicBezTo>
+                <a:cubicBezTo>
+                  <a:pt x="1313547" y="410457"/>
+                  <a:pt x="1316566" y="450510"/>
+                  <a:pt x="1293725" y="477075"/>
+                </a:cubicBezTo>
+                <a:cubicBezTo>
+                  <a:pt x="1281638" y="491137"/>
+                  <a:pt x="1263998" y="499204"/>
+                  <a:pt x="1245453" y="499154"/>
+                </a:cubicBezTo>
+                <a:lnTo>
+                  <a:pt x="1245167" y="499154"/>
+                </a:lnTo>
+                <a:cubicBezTo>
+                  <a:pt x="1229965" y="499301"/>
+                  <a:pt x="1215220" y="493956"/>
+                  <a:pt x="1203638" y="484104"/>
+                </a:cubicBezTo>
+                <a:cubicBezTo>
+                  <a:pt x="1111407" y="404300"/>
+                  <a:pt x="1009633" y="336248"/>
+                  <a:pt x="900647" y="281508"/>
+                </a:cubicBezTo>
+                <a:cubicBezTo>
+                  <a:pt x="869295" y="265726"/>
+                  <a:pt x="856672" y="227516"/>
+                  <a:pt x="872454" y="196164"/>
+                </a:cubicBezTo>
+                <a:cubicBezTo>
+                  <a:pt x="884290" y="172650"/>
+                  <a:pt x="908742" y="159670"/>
+                  <a:pt x="933455" y="161309"/>
+                </a:cubicBezTo>
+                <a:close/>
+                <a:moveTo>
+                  <a:pt x="256260" y="29"/>
+                </a:moveTo>
+                <a:cubicBezTo>
+                  <a:pt x="322331" y="427"/>
+                  <a:pt x="388378" y="4909"/>
+                  <a:pt x="454020" y="13474"/>
+                </a:cubicBezTo>
+                <a:cubicBezTo>
+                  <a:pt x="488793" y="17752"/>
+                  <a:pt x="513514" y="49409"/>
+                  <a:pt x="509236" y="84182"/>
+                </a:cubicBezTo>
+                <a:cubicBezTo>
+                  <a:pt x="505303" y="116151"/>
+                  <a:pt x="478038" y="140098"/>
+                  <a:pt x="445829" y="139871"/>
+                </a:cubicBezTo>
+                <a:cubicBezTo>
+                  <a:pt x="443027" y="139899"/>
+                  <a:pt x="440227" y="139740"/>
+                  <a:pt x="437447" y="139395"/>
+                </a:cubicBezTo>
+                <a:cubicBezTo>
+                  <a:pt x="316592" y="123615"/>
+                  <a:pt x="194247" y="122878"/>
+                  <a:pt x="73211" y="137204"/>
+                </a:cubicBezTo>
+                <a:cubicBezTo>
+                  <a:pt x="38532" y="142545"/>
+                  <a:pt x="6090" y="118762"/>
+                  <a:pt x="749" y="84082"/>
+                </a:cubicBezTo>
+                <a:cubicBezTo>
+                  <a:pt x="-4591" y="49403"/>
+                  <a:pt x="19192" y="16961"/>
+                  <a:pt x="53871" y="11621"/>
+                </a:cubicBezTo>
+                <a:cubicBezTo>
+                  <a:pt x="55358" y="11392"/>
+                  <a:pt x="56852" y="11216"/>
+                  <a:pt x="58352" y="11093"/>
+                </a:cubicBezTo>
+                <a:cubicBezTo>
+                  <a:pt x="124093" y="3319"/>
+                  <a:pt x="190189" y="-369"/>
+                  <a:pt x="256260" y="29"/>
+                </a:cubicBezTo>
+                <a:close/>
+              </a:path>
+            </a:pathLst>
+          </a:custGeom>
+          <a:solidFill>
+            <a:schemeClr val="accent4"/>
+          </a:solidFill>
+          <a:ln w="9525" cap="flat">
+            <a:noFill/>
+            <a:prstDash val="solid"/>
+            <a:miter/>
+          </a:ln>
+        </p:spPr>
+        <p:txBody>
+          <a:bodyPr rtlCol="0" anchor="ctr"/>
+          <a:lstStyle/>
+          <a:p>
+            <a:endParaRPr lang="en-US"/>
+          </a:p>
+        </p:txBody>
+      </p:sp>
+      <p:sp>
+        <p:nvSpPr>
+          <p:cNvPr id="22" name="Freeform: Shape 21">
+            <a:extLst>
+              <a:ext uri="{FF2B5EF4-FFF2-40B4-BE49-F238E27FC236}">
+                <a16:creationId xmlns:a16="http://schemas.microsoft.com/office/drawing/2014/main" id="{6691AC69-A76E-4DAB-B565-468B6B87ACF3}"/>
+              </a:ext>
+              <a:ext uri="{C183D7F6-B498-43B3-948B-1728B52AA6E4}">
+                <adec:decorative xmlns:adec="http://schemas.microsoft.com/office/drawing/2017/decorative" val="1"/>
+              </a:ext>
+            </a:extLst>
+          </p:cNvPr>
+          <p:cNvSpPr>
+            <a:spLocks noGrp="1" noRot="1" noChangeAspect="1" noMove="1" noResize="1" noEditPoints="1" noAdjustHandles="1" noChangeArrowheads="1" noChangeShapeType="1" noTextEdit="1"/>
+          </p:cNvSpPr>
+          <p:nvPr>
+            <p:extLst>
+              <p:ext uri="{386F3935-93C4-4BCD-93E2-E3B085C9AB24}">
+                <p16:designElem xmlns:p16="http://schemas.microsoft.com/office/powerpoint/2015/main" val="1"/>
+              </p:ext>
+            </p:extLst>
+          </p:nvPr>
+        </p:nvSpPr>
+        <p:spPr>
+          <a:xfrm flipH="1">
+            <a:off x="4132972" y="6258755"/>
+            <a:ext cx="1565940" cy="599245"/>
+          </a:xfrm>
+          <a:custGeom>
+            <a:avLst/>
+            <a:gdLst>
+              <a:gd name="connsiteX0" fmla="*/ 782970 w 1565940"/>
+              <a:gd name="connsiteY0" fmla="*/ 0 h 599245"/>
+              <a:gd name="connsiteX1" fmla="*/ 1528042 w 1565940"/>
+              <a:gd name="connsiteY1" fmla="*/ 480469 h 599245"/>
+              <a:gd name="connsiteX2" fmla="*/ 1565940 w 1565940"/>
+              <a:gd name="connsiteY2" fmla="*/ 599245 h 599245"/>
+              <a:gd name="connsiteX3" fmla="*/ 0 w 1565940"/>
+              <a:gd name="connsiteY3" fmla="*/ 599245 h 599245"/>
+              <a:gd name="connsiteX4" fmla="*/ 37898 w 1565940"/>
+              <a:gd name="connsiteY4" fmla="*/ 480469 h 599245"/>
+              <a:gd name="connsiteX5" fmla="*/ 782970 w 1565940"/>
+              <a:gd name="connsiteY5" fmla="*/ 0 h 599245"/>
+            </a:gdLst>
+            <a:ahLst/>
+            <a:cxnLst>
+              <a:cxn ang="0">
+                <a:pos x="connsiteX0" y="connsiteY0"/>
+              </a:cxn>
+              <a:cxn ang="0">
+                <a:pos x="connsiteX1" y="connsiteY1"/>
+              </a:cxn>
+              <a:cxn ang="0">
+                <a:pos x="connsiteX2" y="connsiteY2"/>
+              </a:cxn>
+              <a:cxn ang="0">
+                <a:pos x="connsiteX3" y="connsiteY3"/>
+              </a:cxn>
+              <a:cxn ang="0">
+                <a:pos x="connsiteX4" y="connsiteY4"/>
+              </a:cxn>
+              <a:cxn ang="0">
+                <a:pos x="connsiteX5" y="connsiteY5"/>
+              </a:cxn>
+            </a:cxnLst>
+            <a:rect l="l" t="t" r="r" b="b"/>
+            <a:pathLst>
+              <a:path w="1565940" h="599245">
+                <a:moveTo>
+                  <a:pt x="782970" y="0"/>
+                </a:moveTo>
+                <a:cubicBezTo>
+                  <a:pt x="1117910" y="0"/>
+                  <a:pt x="1405287" y="198118"/>
+                  <a:pt x="1528042" y="480469"/>
+                </a:cubicBezTo>
+                <a:lnTo>
+                  <a:pt x="1565940" y="599245"/>
+                </a:lnTo>
+                <a:lnTo>
+                  <a:pt x="0" y="599245"/>
+                </a:lnTo>
+                <a:lnTo>
+                  <a:pt x="37898" y="480469"/>
+                </a:lnTo>
+                <a:cubicBezTo>
+                  <a:pt x="160653" y="198118"/>
+                  <a:pt x="448030" y="0"/>
+                  <a:pt x="782970" y="0"/>
+                </a:cubicBezTo>
+                <a:close/>
+              </a:path>
+            </a:pathLst>
+          </a:custGeom>
+          <a:solidFill>
+            <a:schemeClr val="accent2"/>
+          </a:solidFill>
+          <a:ln>
+            <a:noFill/>
+          </a:ln>
+        </p:spPr>
+        <p:style>
+          <a:lnRef idx="2">
+            <a:schemeClr val="accent1">
+              <a:shade val="50000"/>
+            </a:schemeClr>
+          </a:lnRef>
+          <a:fillRef idx="1">
+            <a:schemeClr val="accent1"/>
+          </a:fillRef>
+          <a:effectRef idx="0">
+            <a:schemeClr val="accent1"/>
+          </a:effectRef>
+          <a:fontRef idx="minor">
+            <a:schemeClr val="lt1"/>
+          </a:fontRef>
+        </p:style>
+        <p:txBody>
+          <a:bodyPr wrap="square" rtlCol="0" anchor="ctr">
+            <a:noAutofit/>
+          </a:bodyPr>
+          <a:lstStyle/>
+          <a:p>
+            <a:pPr algn="ctr"/>
+            <a:endParaRPr lang="en-US" dirty="0"/>
           </a:p>
         </p:txBody>
       </p:sp>
     </p:spTree>
     <p:extLst>
       <p:ext uri="{BB962C8B-B14F-4D97-AF65-F5344CB8AC3E}">
-        <p14:creationId xmlns:p14="http://schemas.microsoft.com/office/powerpoint/2010/main" val="16502134"/>
+        <p14:creationId xmlns:p14="http://schemas.microsoft.com/office/powerpoint/2010/main" val="3458509461"/>
       </p:ext>
     </p:extLst>
   </p:cSld>
@@ -4943,7 +5701,7 @@
           <p:cNvPr id="8" name="Rectangle 7">
             <a:extLst>
               <a:ext uri="{FF2B5EF4-FFF2-40B4-BE49-F238E27FC236}">
-                <a16:creationId xmlns:a16="http://schemas.microsoft.com/office/drawing/2014/main" id="{8B9AA7C6-5E5A-498E-A6DF-A943376E09BC}"/>
+                <a16:creationId xmlns:a16="http://schemas.microsoft.com/office/drawing/2014/main" id="{E92FEB64-6EEA-4759-B4A4-BD2C1E660BA8}"/>
               </a:ext>
               <a:ext uri="{C183D7F6-B498-43B3-948B-1728B52AA6E4}">
                 <adec:decorative xmlns:adec="http://schemas.microsoft.com/office/drawing/2017/decorative" val="1"/>
@@ -4963,8 +5721,8 @@
         </p:nvSpPr>
         <p:spPr>
           <a:xfrm>
-            <a:off x="0" y="0"/>
-            <a:ext cx="12191999" cy="6857365"/>
+            <a:off x="3048" y="0"/>
+            <a:ext cx="12188952" cy="6858000"/>
           </a:xfrm>
           <a:prstGeom prst="rect">
             <a:avLst/>
@@ -4998,21 +5756,21 @@
           </a:p>
         </p:txBody>
       </p:sp>
-      <p:grpSp>
-        <p:nvGrpSpPr>
-          <p:cNvPr id="10" name="Group 9">
-            <a:extLst>
-              <a:ext uri="{FF2B5EF4-FFF2-40B4-BE49-F238E27FC236}">
-                <a16:creationId xmlns:a16="http://schemas.microsoft.com/office/drawing/2014/main" id="{83EAB11A-76F7-48F4-9B4F-5BFDF4BF9670}"/>
+      <p:sp>
+        <p:nvSpPr>
+          <p:cNvPr id="10" name="Oval 9">
+            <a:extLst>
+              <a:ext uri="{FF2B5EF4-FFF2-40B4-BE49-F238E27FC236}">
+                <a16:creationId xmlns:a16="http://schemas.microsoft.com/office/drawing/2014/main" id="{B10BB131-AC8E-4A8E-A5D1-36260F720C3B}"/>
               </a:ext>
               <a:ext uri="{C183D7F6-B498-43B3-948B-1728B52AA6E4}">
                 <adec:decorative xmlns:adec="http://schemas.microsoft.com/office/drawing/2017/decorative" val="1"/>
               </a:ext>
             </a:extLst>
           </p:cNvPr>
-          <p:cNvGrpSpPr>
-            <a:grpSpLocks noGrp="1" noUngrp="1" noRot="1" noChangeAspect="1" noMove="1" noResize="1"/>
-          </p:cNvGrpSpPr>
+          <p:cNvSpPr>
+            <a:spLocks noGrp="1" noRot="1" noChangeAspect="1" noMove="1" noResize="1" noEditPoints="1" noAdjustHandles="1" noChangeArrowheads="1" noChangeShapeType="1" noTextEdit="1"/>
+          </p:cNvSpPr>
           <p:nvPr>
             <p:extLst>
               <p:ext uri="{386F3935-93C4-4BCD-93E2-E3B085C9AB24}">
@@ -5020,162 +5778,17 @@
               </p:ext>
             </p:extLst>
           </p:nvPr>
-        </p:nvGrpSpPr>
-        <p:grpSpPr>
+        </p:nvSpPr>
+        <p:spPr>
           <a:xfrm>
-            <a:off x="74300" y="2385102"/>
-            <a:ext cx="574091" cy="2087796"/>
-            <a:chOff x="209668" y="2857422"/>
-            <a:chExt cx="463662" cy="2087796"/>
+            <a:off x="707393" y="847600"/>
+            <a:ext cx="4619938" cy="4619938"/>
           </a:xfrm>
-        </p:grpSpPr>
-        <p:sp>
-          <p:nvSpPr>
-            <p:cNvPr id="11" name="Rectangle 10">
-              <a:extLst>
-                <a:ext uri="{FF2B5EF4-FFF2-40B4-BE49-F238E27FC236}">
-                  <a16:creationId xmlns:a16="http://schemas.microsoft.com/office/drawing/2014/main" id="{74D4C416-D5F4-4F6F-A6F1-87A21CD4FCAF}"/>
-                </a:ext>
-                <a:ext uri="{C183D7F6-B498-43B3-948B-1728B52AA6E4}">
-                  <adec:decorative xmlns:adec="http://schemas.microsoft.com/office/drawing/2017/decorative" val="1"/>
-                </a:ext>
-              </a:extLst>
-            </p:cNvPr>
-            <p:cNvSpPr/>
-            <p:nvPr>
-              <p:extLst>
-                <p:ext uri="{386F3935-93C4-4BCD-93E2-E3B085C9AB24}">
-                  <p16:designElem xmlns:p16="http://schemas.microsoft.com/office/powerpoint/2015/main" val="1"/>
-                </p:ext>
-              </p:extLst>
-            </p:nvPr>
-          </p:nvSpPr>
-          <p:spPr>
-            <a:xfrm flipH="1" flipV="1">
-              <a:off x="423947" y="2857422"/>
-              <a:ext cx="249383" cy="2087795"/>
-            </a:xfrm>
-            <a:prstGeom prst="rect">
-              <a:avLst/>
-            </a:prstGeom>
-            <a:solidFill>
-              <a:schemeClr val="accent4"/>
-            </a:solidFill>
-            <a:ln>
-              <a:noFill/>
-            </a:ln>
-          </p:spPr>
-          <p:style>
-            <a:lnRef idx="2">
-              <a:schemeClr val="accent1">
-                <a:shade val="50000"/>
-              </a:schemeClr>
-            </a:lnRef>
-            <a:fillRef idx="1">
-              <a:schemeClr val="accent1"/>
-            </a:fillRef>
-            <a:effectRef idx="0">
-              <a:schemeClr val="accent1"/>
-            </a:effectRef>
-            <a:fontRef idx="minor">
-              <a:schemeClr val="lt1"/>
-            </a:fontRef>
-          </p:style>
-          <p:txBody>
-            <a:bodyPr rtlCol="0" anchor="ctr"/>
-            <a:lstStyle/>
-            <a:p>
-              <a:pPr algn="ctr"/>
-              <a:endParaRPr lang="en-US"/>
-            </a:p>
-          </p:txBody>
-        </p:sp>
-        <p:cxnSp>
-          <p:nvCxnSpPr>
-            <p:cNvPr id="12" name="Straight Connector 11">
-              <a:extLst>
-                <a:ext uri="{FF2B5EF4-FFF2-40B4-BE49-F238E27FC236}">
-                  <a16:creationId xmlns:a16="http://schemas.microsoft.com/office/drawing/2014/main" id="{C6AC1C30-21C6-4BF6-93EE-B211D7A85011}"/>
-                </a:ext>
-                <a:ext uri="{C183D7F6-B498-43B3-948B-1728B52AA6E4}">
-                  <adec:decorative xmlns:adec="http://schemas.microsoft.com/office/drawing/2017/decorative" val="1"/>
-                </a:ext>
-              </a:extLst>
-            </p:cNvPr>
-            <p:cNvCxnSpPr>
-              <a:cxnSpLocks/>
-            </p:cNvCxnSpPr>
-            <p:nvPr>
-              <p:extLst>
-                <p:ext uri="{386F3935-93C4-4BCD-93E2-E3B085C9AB24}">
-                  <p16:designElem xmlns:p16="http://schemas.microsoft.com/office/powerpoint/2015/main" val="1"/>
-                </p:ext>
-              </p:extLst>
-            </p:nvPr>
-          </p:nvCxnSpPr>
-          <p:spPr>
-            <a:xfrm flipH="1">
-              <a:off x="209668" y="2857423"/>
-              <a:ext cx="1" cy="2087795"/>
-            </a:xfrm>
-            <a:prstGeom prst="line">
-              <a:avLst/>
-            </a:prstGeom>
-            <a:ln w="177800">
-              <a:solidFill>
-                <a:schemeClr val="accent4"/>
-              </a:solidFill>
-            </a:ln>
-          </p:spPr>
-          <p:style>
-            <a:lnRef idx="1">
-              <a:schemeClr val="accent1"/>
-            </a:lnRef>
-            <a:fillRef idx="0">
-              <a:schemeClr val="accent1"/>
-            </a:fillRef>
-            <a:effectRef idx="0">
-              <a:schemeClr val="accent1"/>
-            </a:effectRef>
-            <a:fontRef idx="minor">
-              <a:schemeClr val="tx1"/>
-            </a:fontRef>
-          </p:style>
-        </p:cxnSp>
-      </p:grpSp>
-      <p:sp>
-        <p:nvSpPr>
-          <p:cNvPr id="14" name="Rectangle 13">
-            <a:extLst>
-              <a:ext uri="{FF2B5EF4-FFF2-40B4-BE49-F238E27FC236}">
-                <a16:creationId xmlns:a16="http://schemas.microsoft.com/office/drawing/2014/main" id="{81E140AE-0ABF-47C8-BF32-7D2F0CF2BA44}"/>
-              </a:ext>
-              <a:ext uri="{C183D7F6-B498-43B3-948B-1728B52AA6E4}">
-                <adec:decorative xmlns:adec="http://schemas.microsoft.com/office/drawing/2017/decorative" val="1"/>
-              </a:ext>
-            </a:extLst>
-          </p:cNvPr>
-          <p:cNvSpPr>
-            <a:spLocks noGrp="1" noRot="1" noChangeAspect="1" noMove="1" noResize="1" noEditPoints="1" noAdjustHandles="1" noChangeArrowheads="1" noChangeShapeType="1" noTextEdit="1"/>
-          </p:cNvSpPr>
-          <p:nvPr>
-            <p:extLst>
-              <p:ext uri="{386F3935-93C4-4BCD-93E2-E3B085C9AB24}">
-                <p16:designElem xmlns:p16="http://schemas.microsoft.com/office/powerpoint/2015/main" val="1"/>
-              </p:ext>
-            </p:extLst>
-          </p:nvPr>
-        </p:nvSpPr>
-        <p:spPr>
-          <a:xfrm flipH="1">
-            <a:off x="10697670" y="0"/>
-            <a:ext cx="1494330" cy="6858000"/>
-          </a:xfrm>
-          <a:prstGeom prst="rect">
+          <a:prstGeom prst="ellipse">
             <a:avLst/>
           </a:prstGeom>
           <a:solidFill>
-            <a:schemeClr val="accent4"/>
+            <a:schemeClr val="accent2"/>
           </a:solidFill>
           <a:ln>
             <a:noFill/>
@@ -5208,10 +5821,72 @@
       </p:sp>
       <p:sp>
         <p:nvSpPr>
-          <p:cNvPr id="16" name="Rectangle 15">
-            <a:extLst>
-              <a:ext uri="{FF2B5EF4-FFF2-40B4-BE49-F238E27FC236}">
-                <a16:creationId xmlns:a16="http://schemas.microsoft.com/office/drawing/2014/main" id="{CBC4F608-B4B8-48C3-9572-C0F061B1CD99}"/>
+          <p:cNvPr id="2" name="Title 1">
+            <a:extLst>
+              <a:ext uri="{FF2B5EF4-FFF2-40B4-BE49-F238E27FC236}">
+                <a16:creationId xmlns:a16="http://schemas.microsoft.com/office/drawing/2014/main" id="{4BAD3A03-E25D-6045-857F-1300AD545D82}"/>
+              </a:ext>
+            </a:extLst>
+          </p:cNvPr>
+          <p:cNvSpPr>
+            <a:spLocks noGrp="1"/>
+          </p:cNvSpPr>
+          <p:nvPr>
+            <p:ph type="title"/>
+          </p:nvPr>
+        </p:nvSpPr>
+        <p:spPr>
+          <a:xfrm>
+            <a:off x="1389278" y="1233241"/>
+            <a:ext cx="3240506" cy="4064628"/>
+          </a:xfrm>
+        </p:spPr>
+        <p:txBody>
+          <a:bodyPr vert="horz" lIns="91440" tIns="45720" rIns="91440" bIns="45720" rtlCol="0" anchor="ctr">
+            <a:normAutofit/>
+          </a:bodyPr>
+          <a:lstStyle/>
+          <a:p>
+            <a:pPr marR="0"/>
+            <a:r>
+              <a:rPr lang="en-US" b="0" i="0" u="none" strike="noStrike" kern="1200" baseline="0">
+                <a:solidFill>
+                  <a:srgbClr val="FFFFFF"/>
+                </a:solidFill>
+                <a:latin typeface="+mj-lt"/>
+                <a:ea typeface="+mj-ea"/>
+                <a:cs typeface="+mj-cs"/>
+              </a:rPr>
+              <a:t>Codelab</a:t>
+            </a:r>
+            <a:r>
+              <a:rPr lang="en-US" b="1" i="0" u="none" strike="noStrike" kern="1200" baseline="0">
+                <a:solidFill>
+                  <a:srgbClr val="FFFFFF"/>
+                </a:solidFill>
+                <a:latin typeface="+mj-lt"/>
+                <a:ea typeface="+mj-ea"/>
+                <a:cs typeface="+mj-cs"/>
+              </a:rPr>
+              <a:t> 6:</a:t>
+            </a:r>
+            <a:endParaRPr lang="en-US" b="0" i="0" u="none" strike="noStrike" kern="1200" baseline="0">
+              <a:solidFill>
+                <a:srgbClr val="FFFFFF"/>
+              </a:solidFill>
+              <a:latin typeface="+mj-lt"/>
+              <a:ea typeface="+mj-ea"/>
+              <a:cs typeface="+mj-cs"/>
+            </a:endParaRPr>
+          </a:p>
+        </p:txBody>
+      </p:sp>
+      <p:sp>
+        <p:nvSpPr>
+          <p:cNvPr id="12" name="Freeform: Shape 11">
+            <a:extLst>
+              <a:ext uri="{FF2B5EF4-FFF2-40B4-BE49-F238E27FC236}">
+                <a16:creationId xmlns:a16="http://schemas.microsoft.com/office/drawing/2014/main" id="{14847E93-7DC1-4D4B-8829-B19AA7137C50}"/>
               </a:ext>
               <a:ext uri="{C183D7F6-B498-43B3-948B-1728B52AA6E4}">
                 <adec:decorative xmlns:adec="http://schemas.microsoft.com/office/drawing/2017/decorative" val="1"/>
@@ -5230,26 +5905,74 @@
           </p:nvPr>
         </p:nvSpPr>
         <p:spPr>
-          <a:xfrm>
-            <a:off x="579528" y="631767"/>
-            <a:ext cx="11111729" cy="5752404"/>
+          <a:xfrm flipH="1">
+            <a:off x="530529" y="0"/>
+            <a:ext cx="1155142" cy="591009"/>
           </a:xfrm>
-          <a:prstGeom prst="rect">
+          <a:custGeom>
             <a:avLst/>
-          </a:prstGeom>
+            <a:gdLst>
+              <a:gd name="connsiteX0" fmla="*/ 1355 w 1155142"/>
+              <a:gd name="connsiteY0" fmla="*/ 0 h 591009"/>
+              <a:gd name="connsiteX1" fmla="*/ 1153787 w 1155142"/>
+              <a:gd name="connsiteY1" fmla="*/ 0 h 591009"/>
+              <a:gd name="connsiteX2" fmla="*/ 1155142 w 1155142"/>
+              <a:gd name="connsiteY2" fmla="*/ 13438 h 591009"/>
+              <a:gd name="connsiteX3" fmla="*/ 577571 w 1155142"/>
+              <a:gd name="connsiteY3" fmla="*/ 591009 h 591009"/>
+              <a:gd name="connsiteX4" fmla="*/ 0 w 1155142"/>
+              <a:gd name="connsiteY4" fmla="*/ 13438 h 591009"/>
+            </a:gdLst>
+            <a:ahLst/>
+            <a:cxnLst>
+              <a:cxn ang="0">
+                <a:pos x="connsiteX0" y="connsiteY0"/>
+              </a:cxn>
+              <a:cxn ang="0">
+                <a:pos x="connsiteX1" y="connsiteY1"/>
+              </a:cxn>
+              <a:cxn ang="0">
+                <a:pos x="connsiteX2" y="connsiteY2"/>
+              </a:cxn>
+              <a:cxn ang="0">
+                <a:pos x="connsiteX3" y="connsiteY3"/>
+              </a:cxn>
+              <a:cxn ang="0">
+                <a:pos x="connsiteX4" y="connsiteY4"/>
+              </a:cxn>
+            </a:cxnLst>
+            <a:rect l="l" t="t" r="r" b="b"/>
+            <a:pathLst>
+              <a:path w="1155142" h="591009">
+                <a:moveTo>
+                  <a:pt x="1355" y="0"/>
+                </a:moveTo>
+                <a:lnTo>
+                  <a:pt x="1153787" y="0"/>
+                </a:lnTo>
+                <a:lnTo>
+                  <a:pt x="1155142" y="13438"/>
+                </a:lnTo>
+                <a:cubicBezTo>
+                  <a:pt x="1155142" y="332422"/>
+                  <a:pt x="896555" y="591009"/>
+                  <a:pt x="577571" y="591009"/>
+                </a:cubicBezTo>
+                <a:cubicBezTo>
+                  <a:pt x="258587" y="591009"/>
+                  <a:pt x="0" y="332422"/>
+                  <a:pt x="0" y="13438"/>
+                </a:cubicBezTo>
+                <a:close/>
+              </a:path>
+            </a:pathLst>
+          </a:custGeom>
           <a:solidFill>
-            <a:schemeClr val="bg1"/>
+            <a:schemeClr val="accent5"/>
           </a:solidFill>
           <a:ln>
             <a:noFill/>
           </a:ln>
-          <a:effectLst>
-            <a:outerShdw blurRad="139700" dist="127000" dir="5400000" algn="t" rotWithShape="0">
-              <a:prstClr val="black">
-                <a:alpha val="15000"/>
-              </a:prstClr>
-            </a:outerShdw>
-          </a:effectLst>
         </p:spPr>
         <p:style>
           <a:lnRef idx="2">
@@ -5268,7 +5991,9 @@
           </a:fontRef>
         </p:style>
         <p:txBody>
-          <a:bodyPr rtlCol="0" anchor="ctr"/>
+          <a:bodyPr wrap="square" rtlCol="0" anchor="ctr">
+            <a:noAutofit/>
+          </a:bodyPr>
           <a:lstStyle/>
           <a:p>
             <a:pPr algn="ctr"/>
@@ -5278,10 +6003,257 @@
       </p:sp>
       <p:sp>
         <p:nvSpPr>
-          <p:cNvPr id="2" name="Title 1">
-            <a:extLst>
-              <a:ext uri="{FF2B5EF4-FFF2-40B4-BE49-F238E27FC236}">
-                <a16:creationId xmlns:a16="http://schemas.microsoft.com/office/drawing/2014/main" id="{4C0BD14B-A8E7-FCD0-BFF4-719A1BDD1690}"/>
+          <p:cNvPr id="14" name="Freeform: Shape 13">
+            <a:extLst>
+              <a:ext uri="{FF2B5EF4-FFF2-40B4-BE49-F238E27FC236}">
+                <a16:creationId xmlns:a16="http://schemas.microsoft.com/office/drawing/2014/main" id="{5566D6E1-03A1-4D73-A4E0-35D74D568A04}"/>
+              </a:ext>
+              <a:ext uri="{C183D7F6-B498-43B3-948B-1728B52AA6E4}">
+                <adec:decorative xmlns:adec="http://schemas.microsoft.com/office/drawing/2017/decorative" val="1"/>
+              </a:ext>
+            </a:extLst>
+          </p:cNvPr>
+          <p:cNvSpPr>
+            <a:spLocks noGrp="1" noRot="1" noChangeAspect="1" noMove="1" noResize="1" noEditPoints="1" noAdjustHandles="1" noChangeArrowheads="1" noChangeShapeType="1" noTextEdit="1"/>
+          </p:cNvSpPr>
+          <p:nvPr>
+            <p:extLst>
+              <p:ext uri="{386F3935-93C4-4BCD-93E2-E3B085C9AB24}">
+                <p16:designElem xmlns:p16="http://schemas.microsoft.com/office/powerpoint/2015/main" val="1"/>
+              </p:ext>
+            </p:extLst>
+          </p:nvPr>
+        </p:nvSpPr>
+        <p:spPr>
+          <a:xfrm flipH="1">
+            <a:off x="3961511" y="-1"/>
+            <a:ext cx="1737401" cy="959536"/>
+          </a:xfrm>
+          <a:custGeom>
+            <a:avLst/>
+            <a:gdLst>
+              <a:gd name="connsiteX0" fmla="*/ 0 w 1737401"/>
+              <a:gd name="connsiteY0" fmla="*/ 0 h 959536"/>
+              <a:gd name="connsiteX1" fmla="*/ 123825 w 1737401"/>
+              <a:gd name="connsiteY1" fmla="*/ 0 h 959536"/>
+              <a:gd name="connsiteX2" fmla="*/ 123825 w 1737401"/>
+              <a:gd name="connsiteY2" fmla="*/ 790277 h 959536"/>
+              <a:gd name="connsiteX3" fmla="*/ 1490095 w 1737401"/>
+              <a:gd name="connsiteY3" fmla="*/ 0 h 959536"/>
+              <a:gd name="connsiteX4" fmla="*/ 1737401 w 1737401"/>
+              <a:gd name="connsiteY4" fmla="*/ 0 h 959536"/>
+              <a:gd name="connsiteX5" fmla="*/ 92869 w 1737401"/>
+              <a:gd name="connsiteY5" fmla="*/ 951249 h 959536"/>
+              <a:gd name="connsiteX6" fmla="*/ 61913 w 1737401"/>
+              <a:gd name="connsiteY6" fmla="*/ 959536 h 959536"/>
+              <a:gd name="connsiteX7" fmla="*/ 0 w 1737401"/>
+              <a:gd name="connsiteY7" fmla="*/ 897624 h 959536"/>
+            </a:gdLst>
+            <a:ahLst/>
+            <a:cxnLst>
+              <a:cxn ang="0">
+                <a:pos x="connsiteX0" y="connsiteY0"/>
+              </a:cxn>
+              <a:cxn ang="0">
+                <a:pos x="connsiteX1" y="connsiteY1"/>
+              </a:cxn>
+              <a:cxn ang="0">
+                <a:pos x="connsiteX2" y="connsiteY2"/>
+              </a:cxn>
+              <a:cxn ang="0">
+                <a:pos x="connsiteX3" y="connsiteY3"/>
+              </a:cxn>
+              <a:cxn ang="0">
+                <a:pos x="connsiteX4" y="connsiteY4"/>
+              </a:cxn>
+              <a:cxn ang="0">
+                <a:pos x="connsiteX5" y="connsiteY5"/>
+              </a:cxn>
+              <a:cxn ang="0">
+                <a:pos x="connsiteX6" y="connsiteY6"/>
+              </a:cxn>
+              <a:cxn ang="0">
+                <a:pos x="connsiteX7" y="connsiteY7"/>
+              </a:cxn>
+            </a:cxnLst>
+            <a:rect l="l" t="t" r="r" b="b"/>
+            <a:pathLst>
+              <a:path w="1737401" h="959536">
+                <a:moveTo>
+                  <a:pt x="0" y="0"/>
+                </a:moveTo>
+                <a:lnTo>
+                  <a:pt x="123825" y="0"/>
+                </a:lnTo>
+                <a:lnTo>
+                  <a:pt x="123825" y="790277"/>
+                </a:lnTo>
+                <a:lnTo>
+                  <a:pt x="1490095" y="0"/>
+                </a:lnTo>
+                <a:lnTo>
+                  <a:pt x="1737401" y="0"/>
+                </a:lnTo>
+                <a:lnTo>
+                  <a:pt x="92869" y="951249"/>
+                </a:lnTo>
+                <a:cubicBezTo>
+                  <a:pt x="83458" y="956688"/>
+                  <a:pt x="72780" y="959546"/>
+                  <a:pt x="61913" y="959536"/>
+                </a:cubicBezTo>
+                <a:cubicBezTo>
+                  <a:pt x="27719" y="959536"/>
+                  <a:pt x="0" y="931818"/>
+                  <a:pt x="0" y="897624"/>
+                </a:cubicBezTo>
+                <a:close/>
+              </a:path>
+            </a:pathLst>
+          </a:custGeom>
+          <a:solidFill>
+            <a:schemeClr val="accent6"/>
+          </a:solidFill>
+          <a:ln w="9525" cap="flat">
+            <a:noFill/>
+            <a:prstDash val="solid"/>
+            <a:miter/>
+          </a:ln>
+        </p:spPr>
+        <p:txBody>
+          <a:bodyPr rtlCol="0" anchor="ctr"/>
+          <a:lstStyle/>
+          <a:p>
+            <a:endParaRPr lang="en-US"/>
+          </a:p>
+        </p:txBody>
+      </p:sp>
+      <p:sp>
+        <p:nvSpPr>
+          <p:cNvPr id="16" name="Freeform: Shape 15">
+            <a:extLst>
+              <a:ext uri="{FF2B5EF4-FFF2-40B4-BE49-F238E27FC236}">
+                <a16:creationId xmlns:a16="http://schemas.microsoft.com/office/drawing/2014/main" id="{9F835A99-04AC-494A-A572-AFE8413CC938}"/>
+              </a:ext>
+              <a:ext uri="{C183D7F6-B498-43B3-948B-1728B52AA6E4}">
+                <adec:decorative xmlns:adec="http://schemas.microsoft.com/office/drawing/2017/decorative" val="1"/>
+              </a:ext>
+            </a:extLst>
+          </p:cNvPr>
+          <p:cNvSpPr>
+            <a:spLocks noGrp="1" noRot="1" noChangeAspect="1" noMove="1" noResize="1" noEditPoints="1" noAdjustHandles="1" noChangeArrowheads="1" noChangeShapeType="1" noTextEdit="1"/>
+          </p:cNvSpPr>
+          <p:nvPr>
+            <p:extLst>
+              <p:ext uri="{386F3935-93C4-4BCD-93E2-E3B085C9AB24}">
+                <p16:designElem xmlns:p16="http://schemas.microsoft.com/office/powerpoint/2015/main" val="1"/>
+              </p:ext>
+            </p:extLst>
+          </p:nvPr>
+        </p:nvSpPr>
+        <p:spPr>
+          <a:xfrm flipH="1">
+            <a:off x="0" y="2936831"/>
+            <a:ext cx="159741" cy="552996"/>
+          </a:xfrm>
+          <a:custGeom>
+            <a:avLst/>
+            <a:gdLst>
+              <a:gd name="connsiteX0" fmla="*/ 159741 w 159741"/>
+              <a:gd name="connsiteY0" fmla="*/ 0 h 552996"/>
+              <a:gd name="connsiteX1" fmla="*/ 159741 w 159741"/>
+              <a:gd name="connsiteY1" fmla="*/ 552996 h 552996"/>
+              <a:gd name="connsiteX2" fmla="*/ 141849 w 159741"/>
+              <a:gd name="connsiteY2" fmla="*/ 543285 h 552996"/>
+              <a:gd name="connsiteX3" fmla="*/ 0 w 159741"/>
+              <a:gd name="connsiteY3" fmla="*/ 276498 h 552996"/>
+              <a:gd name="connsiteX4" fmla="*/ 141849 w 159741"/>
+              <a:gd name="connsiteY4" fmla="*/ 9711 h 552996"/>
+            </a:gdLst>
+            <a:ahLst/>
+            <a:cxnLst>
+              <a:cxn ang="0">
+                <a:pos x="connsiteX0" y="connsiteY0"/>
+              </a:cxn>
+              <a:cxn ang="0">
+                <a:pos x="connsiteX1" y="connsiteY1"/>
+              </a:cxn>
+              <a:cxn ang="0">
+                <a:pos x="connsiteX2" y="connsiteY2"/>
+              </a:cxn>
+              <a:cxn ang="0">
+                <a:pos x="connsiteX3" y="connsiteY3"/>
+              </a:cxn>
+              <a:cxn ang="0">
+                <a:pos x="connsiteX4" y="connsiteY4"/>
+              </a:cxn>
+            </a:cxnLst>
+            <a:rect l="l" t="t" r="r" b="b"/>
+            <a:pathLst>
+              <a:path w="159741" h="552996">
+                <a:moveTo>
+                  <a:pt x="159741" y="0"/>
+                </a:moveTo>
+                <a:lnTo>
+                  <a:pt x="159741" y="552996"/>
+                </a:lnTo>
+                <a:lnTo>
+                  <a:pt x="141849" y="543285"/>
+                </a:lnTo>
+                <a:cubicBezTo>
+                  <a:pt x="56268" y="485467"/>
+                  <a:pt x="0" y="387554"/>
+                  <a:pt x="0" y="276498"/>
+                </a:cubicBezTo>
+                <a:cubicBezTo>
+                  <a:pt x="0" y="165443"/>
+                  <a:pt x="56268" y="67529"/>
+                  <a:pt x="141849" y="9711"/>
+                </a:cubicBezTo>
+                <a:close/>
+              </a:path>
+            </a:pathLst>
+          </a:custGeom>
+          <a:solidFill>
+            <a:schemeClr val="accent4"/>
+          </a:solidFill>
+          <a:ln w="127000">
+            <a:noFill/>
+          </a:ln>
+        </p:spPr>
+        <p:style>
+          <a:lnRef idx="2">
+            <a:schemeClr val="accent1">
+              <a:shade val="50000"/>
+            </a:schemeClr>
+          </a:lnRef>
+          <a:fillRef idx="1">
+            <a:schemeClr val="accent1"/>
+          </a:fillRef>
+          <a:effectRef idx="0">
+            <a:schemeClr val="accent1"/>
+          </a:effectRef>
+          <a:fontRef idx="minor">
+            <a:schemeClr val="lt1"/>
+          </a:fontRef>
+        </p:style>
+        <p:txBody>
+          <a:bodyPr wrap="square" rtlCol="0" anchor="ctr">
+            <a:noAutofit/>
+          </a:bodyPr>
+          <a:lstStyle/>
+          <a:p>
+            <a:pPr algn="ctr"/>
+            <a:endParaRPr lang="en-US"/>
+          </a:p>
+        </p:txBody>
+      </p:sp>
+      <p:sp>
+        <p:nvSpPr>
+          <p:cNvPr id="3" name="Text Placeholder 2">
+            <a:extLst>
+              <a:ext uri="{FF2B5EF4-FFF2-40B4-BE49-F238E27FC236}">
+                <a16:creationId xmlns:a16="http://schemas.microsoft.com/office/drawing/2014/main" id="{CC19F92D-EA14-6054-A43F-261E06D345EE}"/>
               </a:ext>
             </a:extLst>
           </p:cNvPr>
@@ -5289,99 +6261,637 @@
             <a:spLocks noGrp="1"/>
           </p:cNvSpPr>
           <p:nvPr>
-            <p:ph type="title"/>
+            <p:ph type="body" idx="1"/>
           </p:nvPr>
         </p:nvSpPr>
         <p:spPr>
           <a:xfrm>
-            <a:off x="1153618" y="1239927"/>
-            <a:ext cx="4008586" cy="4680583"/>
+            <a:off x="6096000" y="820880"/>
+            <a:ext cx="5257799" cy="4889350"/>
           </a:xfrm>
         </p:spPr>
         <p:txBody>
-          <a:bodyPr vert="horz" lIns="91440" tIns="45720" rIns="91440" bIns="45720" rtlCol="0" anchor="ctr">
+          <a:bodyPr vert="horz" lIns="91440" tIns="45720" rIns="91440" bIns="45720" rtlCol="0" anchor="t">
             <a:normAutofit/>
           </a:bodyPr>
           <a:lstStyle/>
           <a:p>
-            <a:pPr marR="0"/>
-            <a:r>
-              <a:rPr lang="en-US" sz="5200" b="0" i="0" u="none" strike="noStrike" kern="1200" baseline="0">
-                <a:solidFill>
-                  <a:schemeClr val="tx1"/>
-                </a:solidFill>
-                <a:latin typeface="+mj-lt"/>
-                <a:ea typeface="+mj-ea"/>
-                <a:cs typeface="+mj-cs"/>
-              </a:rPr>
-              <a:t>Building Secure APIs with Spring Boot</a:t>
-            </a:r>
-          </a:p>
-        </p:txBody>
-      </p:sp>
-      <p:sp>
-        <p:nvSpPr>
-          <p:cNvPr id="3" name="Text Placeholder 2">
-            <a:extLst>
-              <a:ext uri="{FF2B5EF4-FFF2-40B4-BE49-F238E27FC236}">
-                <a16:creationId xmlns:a16="http://schemas.microsoft.com/office/drawing/2014/main" id="{21052487-57D6-F2D7-2EED-4129A54F3CA5}"/>
-              </a:ext>
-            </a:extLst>
-          </p:cNvPr>
-          <p:cNvSpPr>
-            <a:spLocks noGrp="1"/>
-          </p:cNvSpPr>
-          <p:nvPr>
-            <p:ph type="body" idx="1"/>
+            <a:pPr marL="0" marR="0" lvl="0"/>
+            <a:r>
+              <a:rPr lang="en-US" b="0" i="0" u="none" strike="noStrike" baseline="0" dirty="0"/>
+              <a:t>Practice: Customizing Copilot for Enterprise</a:t>
+            </a:r>
+          </a:p>
+          <a:p>
+            <a:pPr marR="0" lvl="2"/>
+            <a:r>
+              <a:rPr lang="en-US" b="0" i="1" u="none" strike="noStrike" baseline="0" dirty="0"/>
+              <a:t>Set up customized rules for Copilot in a business environment.</a:t>
+            </a:r>
+          </a:p>
+          <a:p>
+            <a:pPr marR="0" lvl="2"/>
+            <a:r>
+              <a:rPr lang="en-US" b="0" i="1" u="none" strike="noStrike" baseline="0" dirty="0"/>
+              <a:t>Practice automating code review and pull requests using Copilot in an enterprise setting.</a:t>
+            </a:r>
+          </a:p>
+        </p:txBody>
+      </p:sp>
+      <p:sp>
+        <p:nvSpPr>
+          <p:cNvPr id="18" name="Freeform: Shape 17">
+            <a:extLst>
+              <a:ext uri="{FF2B5EF4-FFF2-40B4-BE49-F238E27FC236}">
+                <a16:creationId xmlns:a16="http://schemas.microsoft.com/office/drawing/2014/main" id="{7B786209-1B0B-4CA9-9BDD-F7327066A84D}"/>
+              </a:ext>
+              <a:ext uri="{C183D7F6-B498-43B3-948B-1728B52AA6E4}">
+                <adec:decorative xmlns:adec="http://schemas.microsoft.com/office/drawing/2017/decorative" val="1"/>
+              </a:ext>
+            </a:extLst>
+          </p:cNvPr>
+          <p:cNvSpPr>
+            <a:spLocks noGrp="1" noRot="1" noChangeAspect="1" noMove="1" noResize="1" noEditPoints="1" noAdjustHandles="1" noChangeArrowheads="1" noChangeShapeType="1" noTextEdit="1"/>
+          </p:cNvSpPr>
+          <p:nvPr>
+            <p:extLst>
+              <p:ext uri="{386F3935-93C4-4BCD-93E2-E3B085C9AB24}">
+                <p16:designElem xmlns:p16="http://schemas.microsoft.com/office/powerpoint/2015/main" val="1"/>
+              </p:ext>
+            </p:extLst>
           </p:nvPr>
         </p:nvSpPr>
         <p:spPr>
-          <a:xfrm>
-            <a:off x="4801789" y="486089"/>
-            <a:ext cx="6544271" cy="5559111"/>
+          <a:xfrm flipH="1">
+            <a:off x="0" y="5835649"/>
+            <a:ext cx="1548180" cy="1022351"/>
           </a:xfrm>
+          <a:custGeom>
+            <a:avLst/>
+            <a:gdLst>
+              <a:gd name="connsiteX0" fmla="*/ 61913 w 1548180"/>
+              <a:gd name="connsiteY0" fmla="*/ 0 h 1022351"/>
+              <a:gd name="connsiteX1" fmla="*/ 1548180 w 1548180"/>
+              <a:gd name="connsiteY1" fmla="*/ 0 h 1022351"/>
+              <a:gd name="connsiteX2" fmla="*/ 1548180 w 1548180"/>
+              <a:gd name="connsiteY2" fmla="*/ 123825 h 1022351"/>
+              <a:gd name="connsiteX3" fmla="*/ 123825 w 1548180"/>
+              <a:gd name="connsiteY3" fmla="*/ 123825 h 1022351"/>
+              <a:gd name="connsiteX4" fmla="*/ 123825 w 1548180"/>
+              <a:gd name="connsiteY4" fmla="*/ 1022351 h 1022351"/>
+              <a:gd name="connsiteX5" fmla="*/ 0 w 1548180"/>
+              <a:gd name="connsiteY5" fmla="*/ 1022351 h 1022351"/>
+              <a:gd name="connsiteX6" fmla="*/ 0 w 1548180"/>
+              <a:gd name="connsiteY6" fmla="*/ 61913 h 1022351"/>
+              <a:gd name="connsiteX7" fmla="*/ 61913 w 1548180"/>
+              <a:gd name="connsiteY7" fmla="*/ 0 h 1022351"/>
+            </a:gdLst>
+            <a:ahLst/>
+            <a:cxnLst>
+              <a:cxn ang="0">
+                <a:pos x="connsiteX0" y="connsiteY0"/>
+              </a:cxn>
+              <a:cxn ang="0">
+                <a:pos x="connsiteX1" y="connsiteY1"/>
+              </a:cxn>
+              <a:cxn ang="0">
+                <a:pos x="connsiteX2" y="connsiteY2"/>
+              </a:cxn>
+              <a:cxn ang="0">
+                <a:pos x="connsiteX3" y="connsiteY3"/>
+              </a:cxn>
+              <a:cxn ang="0">
+                <a:pos x="connsiteX4" y="connsiteY4"/>
+              </a:cxn>
+              <a:cxn ang="0">
+                <a:pos x="connsiteX5" y="connsiteY5"/>
+              </a:cxn>
+              <a:cxn ang="0">
+                <a:pos x="connsiteX6" y="connsiteY6"/>
+              </a:cxn>
+              <a:cxn ang="0">
+                <a:pos x="connsiteX7" y="connsiteY7"/>
+              </a:cxn>
+            </a:cxnLst>
+            <a:rect l="l" t="t" r="r" b="b"/>
+            <a:pathLst>
+              <a:path w="1548180" h="1022351">
+                <a:moveTo>
+                  <a:pt x="61913" y="0"/>
+                </a:moveTo>
+                <a:lnTo>
+                  <a:pt x="1548180" y="0"/>
+                </a:lnTo>
+                <a:lnTo>
+                  <a:pt x="1548180" y="123825"/>
+                </a:lnTo>
+                <a:lnTo>
+                  <a:pt x="123825" y="123825"/>
+                </a:lnTo>
+                <a:lnTo>
+                  <a:pt x="123825" y="1022351"/>
+                </a:lnTo>
+                <a:lnTo>
+                  <a:pt x="0" y="1022351"/>
+                </a:lnTo>
+                <a:lnTo>
+                  <a:pt x="0" y="61913"/>
+                </a:lnTo>
+                <a:cubicBezTo>
+                  <a:pt x="0" y="27719"/>
+                  <a:pt x="27719" y="0"/>
+                  <a:pt x="61913" y="0"/>
+                </a:cubicBezTo>
+                <a:close/>
+              </a:path>
+            </a:pathLst>
+          </a:custGeom>
+          <a:solidFill>
+            <a:schemeClr val="accent6"/>
+          </a:solidFill>
+          <a:ln w="9525" cap="flat">
+            <a:noFill/>
+            <a:prstDash val="solid"/>
+            <a:miter/>
+          </a:ln>
         </p:spPr>
         <p:txBody>
-          <a:bodyPr vert="horz" lIns="91440" tIns="45720" rIns="91440" bIns="45720" rtlCol="0" anchor="ctr">
-            <a:normAutofit/>
+          <a:bodyPr rtlCol="0" anchor="ctr"/>
+          <a:lstStyle/>
+          <a:p>
+            <a:endParaRPr lang="en-US"/>
+          </a:p>
+        </p:txBody>
+      </p:sp>
+      <p:sp>
+        <p:nvSpPr>
+          <p:cNvPr id="20" name="Freeform: Shape 19">
+            <a:extLst>
+              <a:ext uri="{FF2B5EF4-FFF2-40B4-BE49-F238E27FC236}">
+                <a16:creationId xmlns:a16="http://schemas.microsoft.com/office/drawing/2014/main" id="{2D2964BB-484D-45AE-AD66-D407D0629652}"/>
+              </a:ext>
+              <a:ext uri="{C183D7F6-B498-43B3-948B-1728B52AA6E4}">
+                <adec:decorative xmlns:adec="http://schemas.microsoft.com/office/drawing/2017/decorative" val="1"/>
+              </a:ext>
+            </a:extLst>
+          </p:cNvPr>
+          <p:cNvSpPr>
+            <a:spLocks noGrp="1" noRot="1" noChangeAspect="1" noMove="1" noResize="1" noEditPoints="1" noAdjustHandles="1" noChangeArrowheads="1" noChangeShapeType="1" noTextEdit="1"/>
+          </p:cNvSpPr>
+          <p:nvPr>
+            <p:extLst>
+              <p:ext uri="{386F3935-93C4-4BCD-93E2-E3B085C9AB24}">
+                <p16:designElem xmlns:p16="http://schemas.microsoft.com/office/powerpoint/2015/main" val="1"/>
+              </p:ext>
+            </p:extLst>
+          </p:nvPr>
+        </p:nvSpPr>
+        <p:spPr>
+          <a:xfrm flipH="1">
+            <a:off x="3405056" y="5717905"/>
+            <a:ext cx="1771609" cy="1140095"/>
+          </a:xfrm>
+          <a:custGeom>
+            <a:avLst/>
+            <a:gdLst>
+              <a:gd name="connsiteX0" fmla="*/ 1561721 w 1771609"/>
+              <a:gd name="connsiteY0" fmla="*/ 763041 h 1140095"/>
+              <a:gd name="connsiteX1" fmla="*/ 1623024 w 1771609"/>
+              <a:gd name="connsiteY1" fmla="*/ 792810 h 1140095"/>
+              <a:gd name="connsiteX2" fmla="*/ 1711735 w 1771609"/>
+              <a:gd name="connsiteY2" fmla="*/ 970132 h 1140095"/>
+              <a:gd name="connsiteX3" fmla="*/ 1771609 w 1771609"/>
+              <a:gd name="connsiteY3" fmla="*/ 1140095 h 1140095"/>
+              <a:gd name="connsiteX4" fmla="*/ 1637225 w 1771609"/>
+              <a:gd name="connsiteY4" fmla="*/ 1140095 h 1140095"/>
+              <a:gd name="connsiteX5" fmla="*/ 1594820 w 1771609"/>
+              <a:gd name="connsiteY5" fmla="*/ 1019711 h 1140095"/>
+              <a:gd name="connsiteX6" fmla="*/ 1513200 w 1771609"/>
+              <a:gd name="connsiteY6" fmla="*/ 856627 h 1140095"/>
+              <a:gd name="connsiteX7" fmla="*/ 1538499 w 1771609"/>
+              <a:gd name="connsiteY7" fmla="*/ 770415 h 1140095"/>
+              <a:gd name="connsiteX8" fmla="*/ 1561721 w 1771609"/>
+              <a:gd name="connsiteY8" fmla="*/ 763041 h 1140095"/>
+              <a:gd name="connsiteX9" fmla="*/ 933455 w 1771609"/>
+              <a:gd name="connsiteY9" fmla="*/ 161309 h 1140095"/>
+              <a:gd name="connsiteX10" fmla="*/ 957797 w 1771609"/>
+              <a:gd name="connsiteY10" fmla="*/ 167970 h 1140095"/>
+              <a:gd name="connsiteX11" fmla="*/ 1286982 w 1771609"/>
+              <a:gd name="connsiteY11" fmla="*/ 387616 h 1140095"/>
+              <a:gd name="connsiteX12" fmla="*/ 1293725 w 1771609"/>
+              <a:gd name="connsiteY12" fmla="*/ 477075 h 1140095"/>
+              <a:gd name="connsiteX13" fmla="*/ 1245453 w 1771609"/>
+              <a:gd name="connsiteY13" fmla="*/ 499154 h 1140095"/>
+              <a:gd name="connsiteX14" fmla="*/ 1245167 w 1771609"/>
+              <a:gd name="connsiteY14" fmla="*/ 499154 h 1140095"/>
+              <a:gd name="connsiteX15" fmla="*/ 1203638 w 1771609"/>
+              <a:gd name="connsiteY15" fmla="*/ 484104 h 1140095"/>
+              <a:gd name="connsiteX16" fmla="*/ 900647 w 1771609"/>
+              <a:gd name="connsiteY16" fmla="*/ 281508 h 1140095"/>
+              <a:gd name="connsiteX17" fmla="*/ 872454 w 1771609"/>
+              <a:gd name="connsiteY17" fmla="*/ 196164 h 1140095"/>
+              <a:gd name="connsiteX18" fmla="*/ 933455 w 1771609"/>
+              <a:gd name="connsiteY18" fmla="*/ 161309 h 1140095"/>
+              <a:gd name="connsiteX19" fmla="*/ 256260 w 1771609"/>
+              <a:gd name="connsiteY19" fmla="*/ 29 h 1140095"/>
+              <a:gd name="connsiteX20" fmla="*/ 454020 w 1771609"/>
+              <a:gd name="connsiteY20" fmla="*/ 13474 h 1140095"/>
+              <a:gd name="connsiteX21" fmla="*/ 509236 w 1771609"/>
+              <a:gd name="connsiteY21" fmla="*/ 84182 h 1140095"/>
+              <a:gd name="connsiteX22" fmla="*/ 445829 w 1771609"/>
+              <a:gd name="connsiteY22" fmla="*/ 139871 h 1140095"/>
+              <a:gd name="connsiteX23" fmla="*/ 437447 w 1771609"/>
+              <a:gd name="connsiteY23" fmla="*/ 139395 h 1140095"/>
+              <a:gd name="connsiteX24" fmla="*/ 73211 w 1771609"/>
+              <a:gd name="connsiteY24" fmla="*/ 137204 h 1140095"/>
+              <a:gd name="connsiteX25" fmla="*/ 749 w 1771609"/>
+              <a:gd name="connsiteY25" fmla="*/ 84082 h 1140095"/>
+              <a:gd name="connsiteX26" fmla="*/ 53871 w 1771609"/>
+              <a:gd name="connsiteY26" fmla="*/ 11621 h 1140095"/>
+              <a:gd name="connsiteX27" fmla="*/ 58352 w 1771609"/>
+              <a:gd name="connsiteY27" fmla="*/ 11093 h 1140095"/>
+              <a:gd name="connsiteX28" fmla="*/ 256260 w 1771609"/>
+              <a:gd name="connsiteY28" fmla="*/ 29 h 1140095"/>
+            </a:gdLst>
+            <a:ahLst/>
+            <a:cxnLst>
+              <a:cxn ang="0">
+                <a:pos x="connsiteX0" y="connsiteY0"/>
+              </a:cxn>
+              <a:cxn ang="0">
+                <a:pos x="connsiteX1" y="connsiteY1"/>
+              </a:cxn>
+              <a:cxn ang="0">
+                <a:pos x="connsiteX2" y="connsiteY2"/>
+              </a:cxn>
+              <a:cxn ang="0">
+                <a:pos x="connsiteX3" y="connsiteY3"/>
+              </a:cxn>
+              <a:cxn ang="0">
+                <a:pos x="connsiteX4" y="connsiteY4"/>
+              </a:cxn>
+              <a:cxn ang="0">
+                <a:pos x="connsiteX5" y="connsiteY5"/>
+              </a:cxn>
+              <a:cxn ang="0">
+                <a:pos x="connsiteX6" y="connsiteY6"/>
+              </a:cxn>
+              <a:cxn ang="0">
+                <a:pos x="connsiteX7" y="connsiteY7"/>
+              </a:cxn>
+              <a:cxn ang="0">
+                <a:pos x="connsiteX8" y="connsiteY8"/>
+              </a:cxn>
+              <a:cxn ang="0">
+                <a:pos x="connsiteX9" y="connsiteY9"/>
+              </a:cxn>
+              <a:cxn ang="0">
+                <a:pos x="connsiteX10" y="connsiteY10"/>
+              </a:cxn>
+              <a:cxn ang="0">
+                <a:pos x="connsiteX11" y="connsiteY11"/>
+              </a:cxn>
+              <a:cxn ang="0">
+                <a:pos x="connsiteX12" y="connsiteY12"/>
+              </a:cxn>
+              <a:cxn ang="0">
+                <a:pos x="connsiteX13" y="connsiteY13"/>
+              </a:cxn>
+              <a:cxn ang="0">
+                <a:pos x="connsiteX14" y="connsiteY14"/>
+              </a:cxn>
+              <a:cxn ang="0">
+                <a:pos x="connsiteX15" y="connsiteY15"/>
+              </a:cxn>
+              <a:cxn ang="0">
+                <a:pos x="connsiteX16" y="connsiteY16"/>
+              </a:cxn>
+              <a:cxn ang="0">
+                <a:pos x="connsiteX17" y="connsiteY17"/>
+              </a:cxn>
+              <a:cxn ang="0">
+                <a:pos x="connsiteX18" y="connsiteY18"/>
+              </a:cxn>
+              <a:cxn ang="0">
+                <a:pos x="connsiteX19" y="connsiteY19"/>
+              </a:cxn>
+              <a:cxn ang="0">
+                <a:pos x="connsiteX20" y="connsiteY20"/>
+              </a:cxn>
+              <a:cxn ang="0">
+                <a:pos x="connsiteX21" y="connsiteY21"/>
+              </a:cxn>
+              <a:cxn ang="0">
+                <a:pos x="connsiteX22" y="connsiteY22"/>
+              </a:cxn>
+              <a:cxn ang="0">
+                <a:pos x="connsiteX23" y="connsiteY23"/>
+              </a:cxn>
+              <a:cxn ang="0">
+                <a:pos x="connsiteX24" y="connsiteY24"/>
+              </a:cxn>
+              <a:cxn ang="0">
+                <a:pos x="connsiteX25" y="connsiteY25"/>
+              </a:cxn>
+              <a:cxn ang="0">
+                <a:pos x="connsiteX26" y="connsiteY26"/>
+              </a:cxn>
+              <a:cxn ang="0">
+                <a:pos x="connsiteX27" y="connsiteY27"/>
+              </a:cxn>
+              <a:cxn ang="0">
+                <a:pos x="connsiteX28" y="connsiteY28"/>
+              </a:cxn>
+            </a:cxnLst>
+            <a:rect l="l" t="t" r="r" b="b"/>
+            <a:pathLst>
+              <a:path w="1771609" h="1140095">
+                <a:moveTo>
+                  <a:pt x="1561721" y="763041"/>
+                </a:moveTo>
+                <a:cubicBezTo>
+                  <a:pt x="1585506" y="760324"/>
+                  <a:pt x="1609722" y="771249"/>
+                  <a:pt x="1623024" y="792810"/>
+                </a:cubicBezTo>
+                <a:cubicBezTo>
+                  <a:pt x="1656300" y="850065"/>
+                  <a:pt x="1685920" y="909291"/>
+                  <a:pt x="1711735" y="970132"/>
+                </a:cubicBezTo>
+                <a:lnTo>
+                  <a:pt x="1771609" y="1140095"/>
+                </a:lnTo>
+                <a:lnTo>
+                  <a:pt x="1637225" y="1140095"/>
+                </a:lnTo>
+                <a:lnTo>
+                  <a:pt x="1594820" y="1019711"/>
+                </a:lnTo>
+                <a:cubicBezTo>
+                  <a:pt x="1571072" y="963753"/>
+                  <a:pt x="1543818" y="909282"/>
+                  <a:pt x="1513200" y="856627"/>
+                </a:cubicBezTo>
+                <a:cubicBezTo>
+                  <a:pt x="1496379" y="825834"/>
+                  <a:pt x="1507704" y="787236"/>
+                  <a:pt x="1538499" y="770415"/>
+                </a:cubicBezTo>
+                <a:cubicBezTo>
+                  <a:pt x="1545912" y="766367"/>
+                  <a:pt x="1553792" y="763946"/>
+                  <a:pt x="1561721" y="763041"/>
+                </a:cubicBezTo>
+                <a:close/>
+                <a:moveTo>
+                  <a:pt x="933455" y="161309"/>
+                </a:moveTo>
+                <a:cubicBezTo>
+                  <a:pt x="941693" y="161855"/>
+                  <a:pt x="949959" y="164025"/>
+                  <a:pt x="957797" y="167970"/>
+                </a:cubicBezTo>
+                <a:cubicBezTo>
+                  <a:pt x="1076184" y="227289"/>
+                  <a:pt x="1186759" y="301068"/>
+                  <a:pt x="1286982" y="387616"/>
+                </a:cubicBezTo>
+                <a:cubicBezTo>
+                  <a:pt x="1313547" y="410457"/>
+                  <a:pt x="1316566" y="450510"/>
+                  <a:pt x="1293725" y="477075"/>
+                </a:cubicBezTo>
+                <a:cubicBezTo>
+                  <a:pt x="1281638" y="491137"/>
+                  <a:pt x="1263998" y="499204"/>
+                  <a:pt x="1245453" y="499154"/>
+                </a:cubicBezTo>
+                <a:lnTo>
+                  <a:pt x="1245167" y="499154"/>
+                </a:lnTo>
+                <a:cubicBezTo>
+                  <a:pt x="1229965" y="499301"/>
+                  <a:pt x="1215220" y="493956"/>
+                  <a:pt x="1203638" y="484104"/>
+                </a:cubicBezTo>
+                <a:cubicBezTo>
+                  <a:pt x="1111407" y="404300"/>
+                  <a:pt x="1009633" y="336248"/>
+                  <a:pt x="900647" y="281508"/>
+                </a:cubicBezTo>
+                <a:cubicBezTo>
+                  <a:pt x="869295" y="265726"/>
+                  <a:pt x="856672" y="227516"/>
+                  <a:pt x="872454" y="196164"/>
+                </a:cubicBezTo>
+                <a:cubicBezTo>
+                  <a:pt x="884290" y="172650"/>
+                  <a:pt x="908742" y="159670"/>
+                  <a:pt x="933455" y="161309"/>
+                </a:cubicBezTo>
+                <a:close/>
+                <a:moveTo>
+                  <a:pt x="256260" y="29"/>
+                </a:moveTo>
+                <a:cubicBezTo>
+                  <a:pt x="322331" y="427"/>
+                  <a:pt x="388378" y="4909"/>
+                  <a:pt x="454020" y="13474"/>
+                </a:cubicBezTo>
+                <a:cubicBezTo>
+                  <a:pt x="488793" y="17752"/>
+                  <a:pt x="513514" y="49409"/>
+                  <a:pt x="509236" y="84182"/>
+                </a:cubicBezTo>
+                <a:cubicBezTo>
+                  <a:pt x="505303" y="116151"/>
+                  <a:pt x="478038" y="140098"/>
+                  <a:pt x="445829" y="139871"/>
+                </a:cubicBezTo>
+                <a:cubicBezTo>
+                  <a:pt x="443027" y="139899"/>
+                  <a:pt x="440227" y="139740"/>
+                  <a:pt x="437447" y="139395"/>
+                </a:cubicBezTo>
+                <a:cubicBezTo>
+                  <a:pt x="316592" y="123615"/>
+                  <a:pt x="194247" y="122878"/>
+                  <a:pt x="73211" y="137204"/>
+                </a:cubicBezTo>
+                <a:cubicBezTo>
+                  <a:pt x="38532" y="142545"/>
+                  <a:pt x="6090" y="118762"/>
+                  <a:pt x="749" y="84082"/>
+                </a:cubicBezTo>
+                <a:cubicBezTo>
+                  <a:pt x="-4591" y="49403"/>
+                  <a:pt x="19192" y="16961"/>
+                  <a:pt x="53871" y="11621"/>
+                </a:cubicBezTo>
+                <a:cubicBezTo>
+                  <a:pt x="55358" y="11392"/>
+                  <a:pt x="56852" y="11216"/>
+                  <a:pt x="58352" y="11093"/>
+                </a:cubicBezTo>
+                <a:cubicBezTo>
+                  <a:pt x="124093" y="3319"/>
+                  <a:pt x="190189" y="-369"/>
+                  <a:pt x="256260" y="29"/>
+                </a:cubicBezTo>
+                <a:close/>
+              </a:path>
+            </a:pathLst>
+          </a:custGeom>
+          <a:solidFill>
+            <a:schemeClr val="accent4"/>
+          </a:solidFill>
+          <a:ln w="9525" cap="flat">
+            <a:noFill/>
+            <a:prstDash val="solid"/>
+            <a:miter/>
+          </a:ln>
+        </p:spPr>
+        <p:txBody>
+          <a:bodyPr rtlCol="0" anchor="ctr"/>
+          <a:lstStyle/>
+          <a:p>
+            <a:endParaRPr lang="en-US"/>
+          </a:p>
+        </p:txBody>
+      </p:sp>
+      <p:sp>
+        <p:nvSpPr>
+          <p:cNvPr id="22" name="Freeform: Shape 21">
+            <a:extLst>
+              <a:ext uri="{FF2B5EF4-FFF2-40B4-BE49-F238E27FC236}">
+                <a16:creationId xmlns:a16="http://schemas.microsoft.com/office/drawing/2014/main" id="{6691AC69-A76E-4DAB-B565-468B6B87ACF3}"/>
+              </a:ext>
+              <a:ext uri="{C183D7F6-B498-43B3-948B-1728B52AA6E4}">
+                <adec:decorative xmlns:adec="http://schemas.microsoft.com/office/drawing/2017/decorative" val="1"/>
+              </a:ext>
+            </a:extLst>
+          </p:cNvPr>
+          <p:cNvSpPr>
+            <a:spLocks noGrp="1" noRot="1" noChangeAspect="1" noMove="1" noResize="1" noEditPoints="1" noAdjustHandles="1" noChangeArrowheads="1" noChangeShapeType="1" noTextEdit="1"/>
+          </p:cNvSpPr>
+          <p:nvPr>
+            <p:extLst>
+              <p:ext uri="{386F3935-93C4-4BCD-93E2-E3B085C9AB24}">
+                <p16:designElem xmlns:p16="http://schemas.microsoft.com/office/powerpoint/2015/main" val="1"/>
+              </p:ext>
+            </p:extLst>
+          </p:nvPr>
+        </p:nvSpPr>
+        <p:spPr>
+          <a:xfrm flipH="1">
+            <a:off x="4132972" y="6258755"/>
+            <a:ext cx="1565940" cy="599245"/>
+          </a:xfrm>
+          <a:custGeom>
+            <a:avLst/>
+            <a:gdLst>
+              <a:gd name="connsiteX0" fmla="*/ 782970 w 1565940"/>
+              <a:gd name="connsiteY0" fmla="*/ 0 h 599245"/>
+              <a:gd name="connsiteX1" fmla="*/ 1528042 w 1565940"/>
+              <a:gd name="connsiteY1" fmla="*/ 480469 h 599245"/>
+              <a:gd name="connsiteX2" fmla="*/ 1565940 w 1565940"/>
+              <a:gd name="connsiteY2" fmla="*/ 599245 h 599245"/>
+              <a:gd name="connsiteX3" fmla="*/ 0 w 1565940"/>
+              <a:gd name="connsiteY3" fmla="*/ 599245 h 599245"/>
+              <a:gd name="connsiteX4" fmla="*/ 37898 w 1565940"/>
+              <a:gd name="connsiteY4" fmla="*/ 480469 h 599245"/>
+              <a:gd name="connsiteX5" fmla="*/ 782970 w 1565940"/>
+              <a:gd name="connsiteY5" fmla="*/ 0 h 599245"/>
+            </a:gdLst>
+            <a:ahLst/>
+            <a:cxnLst>
+              <a:cxn ang="0">
+                <a:pos x="connsiteX0" y="connsiteY0"/>
+              </a:cxn>
+              <a:cxn ang="0">
+                <a:pos x="connsiteX1" y="connsiteY1"/>
+              </a:cxn>
+              <a:cxn ang="0">
+                <a:pos x="connsiteX2" y="connsiteY2"/>
+              </a:cxn>
+              <a:cxn ang="0">
+                <a:pos x="connsiteX3" y="connsiteY3"/>
+              </a:cxn>
+              <a:cxn ang="0">
+                <a:pos x="connsiteX4" y="connsiteY4"/>
+              </a:cxn>
+              <a:cxn ang="0">
+                <a:pos x="connsiteX5" y="connsiteY5"/>
+              </a:cxn>
+            </a:cxnLst>
+            <a:rect l="l" t="t" r="r" b="b"/>
+            <a:pathLst>
+              <a:path w="1565940" h="599245">
+                <a:moveTo>
+                  <a:pt x="782970" y="0"/>
+                </a:moveTo>
+                <a:cubicBezTo>
+                  <a:pt x="1117910" y="0"/>
+                  <a:pt x="1405287" y="198118"/>
+                  <a:pt x="1528042" y="480469"/>
+                </a:cubicBezTo>
+                <a:lnTo>
+                  <a:pt x="1565940" y="599245"/>
+                </a:lnTo>
+                <a:lnTo>
+                  <a:pt x="0" y="599245"/>
+                </a:lnTo>
+                <a:lnTo>
+                  <a:pt x="37898" y="480469"/>
+                </a:lnTo>
+                <a:cubicBezTo>
+                  <a:pt x="160653" y="198118"/>
+                  <a:pt x="448030" y="0"/>
+                  <a:pt x="782970" y="0"/>
+                </a:cubicBezTo>
+                <a:close/>
+              </a:path>
+            </a:pathLst>
+          </a:custGeom>
+          <a:solidFill>
+            <a:schemeClr val="accent2"/>
+          </a:solidFill>
+          <a:ln>
+            <a:noFill/>
+          </a:ln>
+        </p:spPr>
+        <p:style>
+          <a:lnRef idx="2">
+            <a:schemeClr val="accent1">
+              <a:shade val="50000"/>
+            </a:schemeClr>
+          </a:lnRef>
+          <a:fillRef idx="1">
+            <a:schemeClr val="accent1"/>
+          </a:fillRef>
+          <a:effectRef idx="0">
+            <a:schemeClr val="accent1"/>
+          </a:effectRef>
+          <a:fontRef idx="minor">
+            <a:schemeClr val="lt1"/>
+          </a:fontRef>
+        </p:style>
+        <p:txBody>
+          <a:bodyPr wrap="square" rtlCol="0" anchor="ctr">
+            <a:noAutofit/>
           </a:bodyPr>
           <a:lstStyle/>
           <a:p>
-            <a:pPr marL="0" marR="0" lvl="0" indent="0">
-              <a:buNone/>
-            </a:pPr>
-            <a:r>
-              <a:rPr lang="en-US" sz="2000" b="0" i="0" u="none" strike="noStrike" baseline="0" dirty="0"/>
-              <a:t>Developing Secure REST APIs with Copilot</a:t>
-            </a:r>
-          </a:p>
-          <a:p>
-            <a:pPr marR="0" lvl="2"/>
-            <a:r>
-              <a:rPr lang="en-US" b="0" i="1" u="none" strike="noStrike" baseline="0" dirty="0"/>
-              <a:t>Create REST endpoints for CRUD operations with auto-generated code.</a:t>
-            </a:r>
-          </a:p>
-          <a:p>
-            <a:pPr marR="0" lvl="2"/>
-            <a:r>
-              <a:rPr lang="en-US" b="0" i="1" u="none" strike="noStrike" baseline="0" dirty="0"/>
-              <a:t>Copilot prompts for security best practices: Authentication (JWT, OAuth) and data validation.</a:t>
-            </a:r>
-          </a:p>
-          <a:p>
-            <a:pPr marR="0" lvl="2"/>
-            <a:r>
-              <a:rPr lang="en-US" b="0" i="1" u="none" strike="noStrike" baseline="0" dirty="0"/>
-              <a:t>Example: Securing endpoints, validating input, and handling exceptions.</a:t>
-            </a:r>
+            <a:pPr algn="ctr"/>
+            <a:endParaRPr lang="en-US" dirty="0"/>
           </a:p>
         </p:txBody>
       </p:sp>
     </p:spTree>
     <p:extLst>
       <p:ext uri="{BB962C8B-B14F-4D97-AF65-F5344CB8AC3E}">
-        <p14:creationId xmlns:p14="http://schemas.microsoft.com/office/powerpoint/2010/main" val="4263599796"/>
+        <p14:creationId xmlns:p14="http://schemas.microsoft.com/office/powerpoint/2010/main" val="716574220"/>
       </p:ext>
     </p:extLst>
   </p:cSld>
@@ -5421,7 +6931,7 @@
           <p:cNvPr id="8" name="Rectangle 7">
             <a:extLst>
               <a:ext uri="{FF2B5EF4-FFF2-40B4-BE49-F238E27FC236}">
-                <a16:creationId xmlns:a16="http://schemas.microsoft.com/office/drawing/2014/main" id="{B6CDA21F-E7AF-4C75-8395-33F58D5B0E45}"/>
+                <a16:creationId xmlns:a16="http://schemas.microsoft.com/office/drawing/2014/main" id="{C05CBC3C-2E5A-4839-8B9B-2E5A6ADF0F58}"/>
               </a:ext>
               <a:ext uri="{C183D7F6-B498-43B3-948B-1728B52AA6E4}">
                 <adec:decorative xmlns:adec="http://schemas.microsoft.com/office/drawing/2017/decorative" val="1"/>
@@ -5442,7 +6952,7 @@
         <p:spPr>
           <a:xfrm>
             <a:off x="0" y="0"/>
-            <a:ext cx="12191999" cy="6857365"/>
+            <a:ext cx="12188952" cy="6858000"/>
           </a:xfrm>
           <a:prstGeom prst="rect">
             <a:avLst/>
@@ -5476,21 +6986,21 @@
           </a:p>
         </p:txBody>
       </p:sp>
-      <p:grpSp>
-        <p:nvGrpSpPr>
-          <p:cNvPr id="10" name="Group 9">
-            <a:extLst>
-              <a:ext uri="{FF2B5EF4-FFF2-40B4-BE49-F238E27FC236}">
-                <a16:creationId xmlns:a16="http://schemas.microsoft.com/office/drawing/2014/main" id="{AE1C45F0-260A-458C-96ED-C1F6D2151219}"/>
+      <p:sp>
+        <p:nvSpPr>
+          <p:cNvPr id="10" name="Freeform: Shape 9">
+            <a:extLst>
+              <a:ext uri="{FF2B5EF4-FFF2-40B4-BE49-F238E27FC236}">
+                <a16:creationId xmlns:a16="http://schemas.microsoft.com/office/drawing/2014/main" id="{827FF362-FC97-4BF5-949B-D4ADFA26E457}"/>
               </a:ext>
               <a:ext uri="{C183D7F6-B498-43B3-948B-1728B52AA6E4}">
                 <adec:decorative xmlns:adec="http://schemas.microsoft.com/office/drawing/2017/decorative" val="1"/>
               </a:ext>
             </a:extLst>
           </p:cNvPr>
-          <p:cNvGrpSpPr>
-            <a:grpSpLocks noGrp="1" noUngrp="1" noRot="1" noChangeAspect="1" noMove="1" noResize="1"/>
-          </p:cNvGrpSpPr>
+          <p:cNvSpPr>
+            <a:spLocks noGrp="1" noRot="1" noChangeAspect="1" noMove="1" noResize="1" noEditPoints="1" noAdjustHandles="1" noChangeArrowheads="1" noChangeShapeType="1" noTextEdit="1"/>
+          </p:cNvSpPr>
           <p:nvPr>
             <p:extLst>
               <p:ext uri="{386F3935-93C4-4BCD-93E2-E3B085C9AB24}">
@@ -5498,305 +7008,409 @@
               </p:ext>
             </p:extLst>
           </p:nvPr>
-        </p:nvGrpSpPr>
-        <p:grpSpPr>
-          <a:xfrm>
-            <a:off x="4" y="1216597"/>
-            <a:ext cx="731521" cy="673460"/>
-            <a:chOff x="3940602" y="308034"/>
-            <a:chExt cx="2116791" cy="3428999"/>
+        </p:nvSpPr>
+        <p:spPr>
+          <a:xfrm rot="8888549">
+            <a:off x="-1059473" y="-1108988"/>
+            <a:ext cx="7179830" cy="5226565"/>
           </a:xfrm>
+          <a:custGeom>
+            <a:avLst/>
+            <a:gdLst>
+              <a:gd name="connsiteX0" fmla="*/ 5217841 w 7179830"/>
+              <a:gd name="connsiteY0" fmla="*/ 464824 h 5226565"/>
+              <a:gd name="connsiteX1" fmla="*/ 5222490 w 7179830"/>
+              <a:gd name="connsiteY1" fmla="*/ 464289 h 5226565"/>
+              <a:gd name="connsiteX2" fmla="*/ 5216768 w 7179830"/>
+              <a:gd name="connsiteY2" fmla="*/ 463394 h 5226565"/>
+              <a:gd name="connsiteX3" fmla="*/ 5217841 w 7179830"/>
+              <a:gd name="connsiteY3" fmla="*/ 464824 h 5226565"/>
+              <a:gd name="connsiteX4" fmla="*/ 4945201 w 7179830"/>
+              <a:gd name="connsiteY4" fmla="*/ 5226565 h 5226565"/>
+              <a:gd name="connsiteX5" fmla="*/ 140449 w 7179830"/>
+              <a:gd name="connsiteY5" fmla="*/ 2240811 h 5226565"/>
+              <a:gd name="connsiteX6" fmla="*/ 232913 w 7179830"/>
+              <a:gd name="connsiteY6" fmla="*/ 2052782 h 5226565"/>
+              <a:gd name="connsiteX7" fmla="*/ 375714 w 7179830"/>
+              <a:gd name="connsiteY7" fmla="*/ 1803205 h 5226565"/>
+              <a:gd name="connsiteX8" fmla="*/ 1512756 w 7179830"/>
+              <a:gd name="connsiteY8" fmla="*/ 638448 h 5226565"/>
+              <a:gd name="connsiteX9" fmla="*/ 2902095 w 7179830"/>
+              <a:gd name="connsiteY9" fmla="*/ 120440 h 5226565"/>
+              <a:gd name="connsiteX10" fmla="*/ 2848453 w 7179830"/>
+              <a:gd name="connsiteY10" fmla="*/ 125626 h 5226565"/>
+              <a:gd name="connsiteX11" fmla="*/ 1837830 w 7179830"/>
+              <a:gd name="connsiteY11" fmla="*/ 426203 h 5226565"/>
+              <a:gd name="connsiteX12" fmla="*/ 214608 w 7179830"/>
+              <a:gd name="connsiteY12" fmla="*/ 1882239 h 5226565"/>
+              <a:gd name="connsiteX13" fmla="*/ 91317 w 7179830"/>
+              <a:gd name="connsiteY13" fmla="*/ 2123701 h 5226565"/>
+              <a:gd name="connsiteX14" fmla="*/ 64092 w 7179830"/>
+              <a:gd name="connsiteY14" fmla="*/ 2193361 h 5226565"/>
+              <a:gd name="connsiteX15" fmla="*/ 0 w 7179830"/>
+              <a:gd name="connsiteY15" fmla="*/ 2153533 h 5226565"/>
+              <a:gd name="connsiteX16" fmla="*/ 42834 w 7179830"/>
+              <a:gd name="connsiteY16" fmla="*/ 2047277 h 5226565"/>
+              <a:gd name="connsiteX17" fmla="*/ 923582 w 7179830"/>
+              <a:gd name="connsiteY17" fmla="*/ 915600 h 5226565"/>
+              <a:gd name="connsiteX18" fmla="*/ 2686989 w 7179830"/>
+              <a:gd name="connsiteY18" fmla="*/ 73950 h 5226565"/>
+              <a:gd name="connsiteX19" fmla="*/ 3059983 w 7179830"/>
+              <a:gd name="connsiteY19" fmla="*/ 20308 h 5226565"/>
+              <a:gd name="connsiteX20" fmla="*/ 3454435 w 7179830"/>
+              <a:gd name="connsiteY20" fmla="*/ 1176 h 5226565"/>
+              <a:gd name="connsiteX21" fmla="*/ 3923806 w 7179830"/>
+              <a:gd name="connsiteY21" fmla="*/ 49990 h 5226565"/>
+              <a:gd name="connsiteX22" fmla="*/ 5350874 w 7179830"/>
+              <a:gd name="connsiteY22" fmla="*/ 426917 h 5226565"/>
+              <a:gd name="connsiteX23" fmla="*/ 6607360 w 7179830"/>
+              <a:gd name="connsiteY23" fmla="*/ 1075097 h 5226565"/>
+              <a:gd name="connsiteX24" fmla="*/ 7110534 w 7179830"/>
+              <a:gd name="connsiteY24" fmla="*/ 1541421 h 5226565"/>
+              <a:gd name="connsiteX25" fmla="*/ 7179830 w 7179830"/>
+              <a:gd name="connsiteY25" fmla="*/ 1630542 h 5226565"/>
+              <a:gd name="connsiteX26" fmla="*/ 7136295 w 7179830"/>
+              <a:gd name="connsiteY26" fmla="*/ 1700600 h 5226565"/>
+              <a:gd name="connsiteX27" fmla="*/ 7131140 w 7179830"/>
+              <a:gd name="connsiteY27" fmla="*/ 1693045 h 5226565"/>
+              <a:gd name="connsiteX28" fmla="*/ 6577499 w 7179830"/>
+              <a:gd name="connsiteY28" fmla="*/ 1148230 h 5226565"/>
+              <a:gd name="connsiteX29" fmla="*/ 5494816 w 7179830"/>
+              <a:gd name="connsiteY29" fmla="*/ 563527 h 5226565"/>
+              <a:gd name="connsiteX30" fmla="*/ 5366967 w 7179830"/>
+              <a:gd name="connsiteY30" fmla="*/ 514176 h 5226565"/>
+              <a:gd name="connsiteX31" fmla="*/ 5244661 w 7179830"/>
+              <a:gd name="connsiteY31" fmla="*/ 470725 h 5226565"/>
+              <a:gd name="connsiteX32" fmla="*/ 5904822 w 7179830"/>
+              <a:gd name="connsiteY32" fmla="*/ 815468 h 5226565"/>
+              <a:gd name="connsiteX33" fmla="*/ 7015222 w 7179830"/>
+              <a:gd name="connsiteY33" fmla="*/ 1815185 h 5226565"/>
+              <a:gd name="connsiteX34" fmla="*/ 7040454 w 7179830"/>
+              <a:gd name="connsiteY34" fmla="*/ 1854830 h 5226565"/>
+            </a:gdLst>
+            <a:ahLst/>
+            <a:cxnLst>
+              <a:cxn ang="0">
+                <a:pos x="connsiteX0" y="connsiteY0"/>
+              </a:cxn>
+              <a:cxn ang="0">
+                <a:pos x="connsiteX1" y="connsiteY1"/>
+              </a:cxn>
+              <a:cxn ang="0">
+                <a:pos x="connsiteX2" y="connsiteY2"/>
+              </a:cxn>
+              <a:cxn ang="0">
+                <a:pos x="connsiteX3" y="connsiteY3"/>
+              </a:cxn>
+              <a:cxn ang="0">
+                <a:pos x="connsiteX4" y="connsiteY4"/>
+              </a:cxn>
+              <a:cxn ang="0">
+                <a:pos x="connsiteX5" y="connsiteY5"/>
+              </a:cxn>
+              <a:cxn ang="0">
+                <a:pos x="connsiteX6" y="connsiteY6"/>
+              </a:cxn>
+              <a:cxn ang="0">
+                <a:pos x="connsiteX7" y="connsiteY7"/>
+              </a:cxn>
+              <a:cxn ang="0">
+                <a:pos x="connsiteX8" y="connsiteY8"/>
+              </a:cxn>
+              <a:cxn ang="0">
+                <a:pos x="connsiteX9" y="connsiteY9"/>
+              </a:cxn>
+              <a:cxn ang="0">
+                <a:pos x="connsiteX10" y="connsiteY10"/>
+              </a:cxn>
+              <a:cxn ang="0">
+                <a:pos x="connsiteX11" y="connsiteY11"/>
+              </a:cxn>
+              <a:cxn ang="0">
+                <a:pos x="connsiteX12" y="connsiteY12"/>
+              </a:cxn>
+              <a:cxn ang="0">
+                <a:pos x="connsiteX13" y="connsiteY13"/>
+              </a:cxn>
+              <a:cxn ang="0">
+                <a:pos x="connsiteX14" y="connsiteY14"/>
+              </a:cxn>
+              <a:cxn ang="0">
+                <a:pos x="connsiteX15" y="connsiteY15"/>
+              </a:cxn>
+              <a:cxn ang="0">
+                <a:pos x="connsiteX16" y="connsiteY16"/>
+              </a:cxn>
+              <a:cxn ang="0">
+                <a:pos x="connsiteX17" y="connsiteY17"/>
+              </a:cxn>
+              <a:cxn ang="0">
+                <a:pos x="connsiteX18" y="connsiteY18"/>
+              </a:cxn>
+              <a:cxn ang="0">
+                <a:pos x="connsiteX19" y="connsiteY19"/>
+              </a:cxn>
+              <a:cxn ang="0">
+                <a:pos x="connsiteX20" y="connsiteY20"/>
+              </a:cxn>
+              <a:cxn ang="0">
+                <a:pos x="connsiteX21" y="connsiteY21"/>
+              </a:cxn>
+              <a:cxn ang="0">
+                <a:pos x="connsiteX22" y="connsiteY22"/>
+              </a:cxn>
+              <a:cxn ang="0">
+                <a:pos x="connsiteX23" y="connsiteY23"/>
+              </a:cxn>
+              <a:cxn ang="0">
+                <a:pos x="connsiteX24" y="connsiteY24"/>
+              </a:cxn>
+              <a:cxn ang="0">
+                <a:pos x="connsiteX25" y="connsiteY25"/>
+              </a:cxn>
+              <a:cxn ang="0">
+                <a:pos x="connsiteX26" y="connsiteY26"/>
+              </a:cxn>
+              <a:cxn ang="0">
+                <a:pos x="connsiteX27" y="connsiteY27"/>
+              </a:cxn>
+              <a:cxn ang="0">
+                <a:pos x="connsiteX28" y="connsiteY28"/>
+              </a:cxn>
+              <a:cxn ang="0">
+                <a:pos x="connsiteX29" y="connsiteY29"/>
+              </a:cxn>
+              <a:cxn ang="0">
+                <a:pos x="connsiteX30" y="connsiteY30"/>
+              </a:cxn>
+              <a:cxn ang="0">
+                <a:pos x="connsiteX31" y="connsiteY31"/>
+              </a:cxn>
+              <a:cxn ang="0">
+                <a:pos x="connsiteX32" y="connsiteY32"/>
+              </a:cxn>
+              <a:cxn ang="0">
+                <a:pos x="connsiteX33" y="connsiteY33"/>
+              </a:cxn>
+              <a:cxn ang="0">
+                <a:pos x="connsiteX34" y="connsiteY34"/>
+              </a:cxn>
+            </a:cxnLst>
+            <a:rect l="l" t="t" r="r" b="b"/>
+            <a:pathLst>
+              <a:path w="7179830" h="5226565">
+                <a:moveTo>
+                  <a:pt x="5217841" y="464824"/>
+                </a:moveTo>
+                <a:lnTo>
+                  <a:pt x="5222490" y="464289"/>
+                </a:lnTo>
+                <a:lnTo>
+                  <a:pt x="5216768" y="463394"/>
+                </a:lnTo>
+                <a:cubicBezTo>
+                  <a:pt x="5216768" y="463394"/>
+                  <a:pt x="5216768" y="464646"/>
+                  <a:pt x="5217841" y="464824"/>
+                </a:cubicBezTo>
+                <a:close/>
+                <a:moveTo>
+                  <a:pt x="4945201" y="5226565"/>
+                </a:moveTo>
+                <a:lnTo>
+                  <a:pt x="140449" y="2240811"/>
+                </a:lnTo>
+                <a:lnTo>
+                  <a:pt x="232913" y="2052782"/>
+                </a:lnTo>
+                <a:cubicBezTo>
+                  <a:pt x="277693" y="1968290"/>
+                  <a:pt x="325201" y="1885054"/>
+                  <a:pt x="375714" y="1803205"/>
+                </a:cubicBezTo>
+                <a:cubicBezTo>
+                  <a:pt x="667528" y="1329721"/>
+                  <a:pt x="1039629" y="935091"/>
+                  <a:pt x="1512756" y="638448"/>
+                </a:cubicBezTo>
+                <a:cubicBezTo>
+                  <a:pt x="1939392" y="370950"/>
+                  <a:pt x="2405724" y="210560"/>
+                  <a:pt x="2902095" y="120440"/>
+                </a:cubicBezTo>
+                <a:cubicBezTo>
+                  <a:pt x="2884054" y="118134"/>
+                  <a:pt x="2865727" y="119904"/>
+                  <a:pt x="2848453" y="125626"/>
+                </a:cubicBezTo>
+                <a:cubicBezTo>
+                  <a:pt x="2498704" y="175943"/>
+                  <a:pt x="2158217" y="277201"/>
+                  <a:pt x="1837830" y="426203"/>
+                </a:cubicBezTo>
+                <a:cubicBezTo>
+                  <a:pt x="1147094" y="744660"/>
+                  <a:pt x="593502" y="1217071"/>
+                  <a:pt x="214608" y="1882239"/>
+                </a:cubicBezTo>
+                <a:cubicBezTo>
+                  <a:pt x="169441" y="1960776"/>
+                  <a:pt x="128308" y="2041369"/>
+                  <a:pt x="91317" y="2123701"/>
+                </a:cubicBezTo>
+                <a:lnTo>
+                  <a:pt x="64092" y="2193361"/>
+                </a:lnTo>
+                <a:lnTo>
+                  <a:pt x="0" y="2153533"/>
+                </a:lnTo>
+                <a:lnTo>
+                  <a:pt x="42834" y="2047277"/>
+                </a:lnTo>
+                <a:cubicBezTo>
+                  <a:pt x="241792" y="1615775"/>
+                  <a:pt x="541268" y="1241591"/>
+                  <a:pt x="923582" y="915600"/>
+                </a:cubicBezTo>
+                <a:cubicBezTo>
+                  <a:pt x="1435331" y="478415"/>
+                  <a:pt x="2028081" y="205375"/>
+                  <a:pt x="2686989" y="73950"/>
+                </a:cubicBezTo>
+                <a:cubicBezTo>
+                  <a:pt x="2810367" y="49274"/>
+                  <a:pt x="2934818" y="32466"/>
+                  <a:pt x="3059983" y="20308"/>
+                </a:cubicBezTo>
+                <a:cubicBezTo>
+                  <a:pt x="3185149" y="8148"/>
+                  <a:pt x="3308706" y="2963"/>
+                  <a:pt x="3454435" y="1176"/>
+                </a:cubicBezTo>
+                <a:cubicBezTo>
+                  <a:pt x="3599805" y="-5977"/>
+                  <a:pt x="3761985" y="20665"/>
+                  <a:pt x="3923806" y="49990"/>
+                </a:cubicBezTo>
+                <a:cubicBezTo>
+                  <a:pt x="4409449" y="137964"/>
+                  <a:pt x="4886867" y="257228"/>
+                  <a:pt x="5350874" y="426917"/>
+                </a:cubicBezTo>
+                <a:cubicBezTo>
+                  <a:pt x="5797001" y="589991"/>
+                  <a:pt x="6223101" y="792223"/>
+                  <a:pt x="6607360" y="1075097"/>
+                </a:cubicBezTo>
+                <a:cubicBezTo>
+                  <a:pt x="6794438" y="1212779"/>
+                  <a:pt x="6965102" y="1365689"/>
+                  <a:pt x="7110534" y="1541421"/>
+                </a:cubicBezTo>
+                <a:lnTo>
+                  <a:pt x="7179830" y="1630542"/>
+                </a:lnTo>
+                <a:lnTo>
+                  <a:pt x="7136295" y="1700600"/>
+                </a:lnTo>
+                <a:lnTo>
+                  <a:pt x="7131140" y="1693045"/>
+                </a:lnTo>
+                <a:cubicBezTo>
+                  <a:pt x="6977874" y="1483026"/>
+                  <a:pt x="6788448" y="1305671"/>
+                  <a:pt x="6577499" y="1148230"/>
+                </a:cubicBezTo>
+                <a:cubicBezTo>
+                  <a:pt x="6245452" y="900401"/>
+                  <a:pt x="5878538" y="716408"/>
+                  <a:pt x="5494816" y="563527"/>
+                </a:cubicBezTo>
+                <a:cubicBezTo>
+                  <a:pt x="5452491" y="546487"/>
+                  <a:pt x="5409881" y="530036"/>
+                  <a:pt x="5366967" y="514176"/>
+                </a:cubicBezTo>
+                <a:cubicBezTo>
+                  <a:pt x="5326377" y="499156"/>
+                  <a:pt x="5285430" y="485210"/>
+                  <a:pt x="5244661" y="470725"/>
+                </a:cubicBezTo>
+                <a:cubicBezTo>
+                  <a:pt x="5471517" y="572127"/>
+                  <a:pt x="5691970" y="687263"/>
+                  <a:pt x="5904822" y="815468"/>
+                </a:cubicBezTo>
+                <a:cubicBezTo>
+                  <a:pt x="6336645" y="1080104"/>
+                  <a:pt x="6718758" y="1400351"/>
+                  <a:pt x="7015222" y="1815185"/>
+                </a:cubicBezTo>
+                <a:lnTo>
+                  <a:pt x="7040454" y="1854830"/>
+                </a:lnTo>
+                <a:close/>
+              </a:path>
+            </a:pathLst>
+          </a:custGeom>
           <a:solidFill>
-            <a:schemeClr val="accent4"/>
+            <a:schemeClr val="accent2"/>
           </a:solidFill>
-        </p:grpSpPr>
-        <p:sp>
-          <p:nvSpPr>
-            <p:cNvPr id="11" name="Rectangle 10">
-              <a:extLst>
-                <a:ext uri="{FF2B5EF4-FFF2-40B4-BE49-F238E27FC236}">
-                  <a16:creationId xmlns:a16="http://schemas.microsoft.com/office/drawing/2014/main" id="{A6604B49-AD5C-4590-B051-06C8222ECD99}"/>
-                </a:ext>
-                <a:ext uri="{C183D7F6-B498-43B3-948B-1728B52AA6E4}">
-                  <adec:decorative xmlns:adec="http://schemas.microsoft.com/office/drawing/2017/decorative" val="1"/>
-                </a:ext>
-              </a:extLst>
-            </p:cNvPr>
-            <p:cNvSpPr/>
-            <p:nvPr>
-              <p:extLst>
-                <p:ext uri="{386F3935-93C4-4BCD-93E2-E3B085C9AB24}">
-                  <p16:designElem xmlns:p16="http://schemas.microsoft.com/office/powerpoint/2015/main" val="1"/>
-                </p:ext>
-              </p:extLst>
-            </p:nvPr>
-          </p:nvSpPr>
-          <p:spPr>
-            <a:xfrm>
-              <a:off x="3940602" y="308034"/>
-              <a:ext cx="566743" cy="3428999"/>
-            </a:xfrm>
-            <a:prstGeom prst="rect">
-              <a:avLst/>
-            </a:prstGeom>
-            <a:grpFill/>
-            <a:ln>
-              <a:noFill/>
-            </a:ln>
-          </p:spPr>
-          <p:style>
-            <a:lnRef idx="2">
-              <a:schemeClr val="accent1">
-                <a:shade val="50000"/>
-              </a:schemeClr>
-            </a:lnRef>
-            <a:fillRef idx="1">
-              <a:schemeClr val="accent1"/>
-            </a:fillRef>
-            <a:effectRef idx="0">
-              <a:schemeClr val="accent1"/>
-            </a:effectRef>
-            <a:fontRef idx="minor">
-              <a:schemeClr val="lt1"/>
-            </a:fontRef>
-          </p:style>
-          <p:txBody>
-            <a:bodyPr rtlCol="0" anchor="ctr"/>
-            <a:lstStyle/>
-            <a:p>
-              <a:pPr algn="ctr"/>
-              <a:endParaRPr lang="en-US"/>
-            </a:p>
-          </p:txBody>
-        </p:sp>
-        <p:sp>
-          <p:nvSpPr>
-            <p:cNvPr id="12" name="Rectangle 11">
-              <a:extLst>
-                <a:ext uri="{FF2B5EF4-FFF2-40B4-BE49-F238E27FC236}">
-                  <a16:creationId xmlns:a16="http://schemas.microsoft.com/office/drawing/2014/main" id="{743ECCAF-29C5-4537-947C-7EA1292463DB}"/>
-                </a:ext>
-                <a:ext uri="{C183D7F6-B498-43B3-948B-1728B52AA6E4}">
-                  <adec:decorative xmlns:adec="http://schemas.microsoft.com/office/drawing/2017/decorative" val="1"/>
-                </a:ext>
-              </a:extLst>
-            </p:cNvPr>
-            <p:cNvSpPr/>
-            <p:nvPr>
-              <p:extLst>
-                <p:ext uri="{386F3935-93C4-4BCD-93E2-E3B085C9AB24}">
-                  <p16:designElem xmlns:p16="http://schemas.microsoft.com/office/powerpoint/2015/main" val="1"/>
-                </p:ext>
-              </p:extLst>
-            </p:nvPr>
-          </p:nvSpPr>
-          <p:spPr>
-            <a:xfrm>
-              <a:off x="4715626" y="308034"/>
-              <a:ext cx="566743" cy="3428999"/>
-            </a:xfrm>
-            <a:prstGeom prst="rect">
-              <a:avLst/>
-            </a:prstGeom>
-            <a:grpFill/>
-            <a:ln>
-              <a:noFill/>
-            </a:ln>
-          </p:spPr>
-          <p:style>
-            <a:lnRef idx="2">
-              <a:schemeClr val="accent1">
-                <a:shade val="50000"/>
-              </a:schemeClr>
-            </a:lnRef>
-            <a:fillRef idx="1">
-              <a:schemeClr val="accent1"/>
-            </a:fillRef>
-            <a:effectRef idx="0">
-              <a:schemeClr val="accent1"/>
-            </a:effectRef>
-            <a:fontRef idx="minor">
-              <a:schemeClr val="lt1"/>
-            </a:fontRef>
-          </p:style>
-          <p:txBody>
-            <a:bodyPr rtlCol="0" anchor="ctr"/>
-            <a:lstStyle/>
-            <a:p>
-              <a:pPr algn="ctr"/>
-              <a:endParaRPr lang="en-US"/>
-            </a:p>
-          </p:txBody>
-        </p:sp>
-        <p:sp>
-          <p:nvSpPr>
-            <p:cNvPr id="13" name="Rectangle 12">
-              <a:extLst>
-                <a:ext uri="{FF2B5EF4-FFF2-40B4-BE49-F238E27FC236}">
-                  <a16:creationId xmlns:a16="http://schemas.microsoft.com/office/drawing/2014/main" id="{ED49787B-8DE6-4467-AD0A-8DECC6E0C2D6}"/>
-                </a:ext>
-                <a:ext uri="{C183D7F6-B498-43B3-948B-1728B52AA6E4}">
-                  <adec:decorative xmlns:adec="http://schemas.microsoft.com/office/drawing/2017/decorative" val="1"/>
-                </a:ext>
-              </a:extLst>
-            </p:cNvPr>
-            <p:cNvSpPr/>
-            <p:nvPr>
-              <p:extLst>
-                <p:ext uri="{386F3935-93C4-4BCD-93E2-E3B085C9AB24}">
-                  <p16:designElem xmlns:p16="http://schemas.microsoft.com/office/powerpoint/2015/main" val="1"/>
-                </p:ext>
-              </p:extLst>
-            </p:nvPr>
-          </p:nvSpPr>
-          <p:spPr>
-            <a:xfrm>
-              <a:off x="5490650" y="308034"/>
-              <a:ext cx="566743" cy="3428999"/>
-            </a:xfrm>
-            <a:prstGeom prst="rect">
-              <a:avLst/>
-            </a:prstGeom>
-            <a:grpFill/>
-            <a:ln>
-              <a:noFill/>
-            </a:ln>
-          </p:spPr>
-          <p:style>
-            <a:lnRef idx="2">
-              <a:schemeClr val="accent1">
-                <a:shade val="50000"/>
-              </a:schemeClr>
-            </a:lnRef>
-            <a:fillRef idx="1">
-              <a:schemeClr val="accent1"/>
-            </a:fillRef>
-            <a:effectRef idx="0">
-              <a:schemeClr val="accent1"/>
-            </a:effectRef>
-            <a:fontRef idx="minor">
-              <a:schemeClr val="lt1"/>
-            </a:fontRef>
-          </p:style>
-          <p:txBody>
-            <a:bodyPr rtlCol="0" anchor="ctr"/>
-            <a:lstStyle/>
-            <a:p>
-              <a:pPr algn="ctr"/>
-              <a:endParaRPr lang="en-US"/>
-            </a:p>
-          </p:txBody>
-        </p:sp>
-      </p:grpSp>
-      <p:sp>
-        <p:nvSpPr>
-          <p:cNvPr id="15" name="Rectangle 14">
-            <a:extLst>
-              <a:ext uri="{FF2B5EF4-FFF2-40B4-BE49-F238E27FC236}">
-                <a16:creationId xmlns:a16="http://schemas.microsoft.com/office/drawing/2014/main" id="{D5B0017B-2ECA-49AF-B397-DC140825DF8D}"/>
-              </a:ext>
-              <a:ext uri="{C183D7F6-B498-43B3-948B-1728B52AA6E4}">
-                <adec:decorative xmlns:adec="http://schemas.microsoft.com/office/drawing/2017/decorative" val="1"/>
-              </a:ext>
-            </a:extLst>
-          </p:cNvPr>
-          <p:cNvSpPr>
-            <a:spLocks noGrp="1" noRot="1" noChangeAspect="1" noMove="1" noResize="1" noEditPoints="1" noAdjustHandles="1" noChangeArrowheads="1" noChangeShapeType="1" noTextEdit="1"/>
-          </p:cNvSpPr>
-          <p:nvPr>
-            <p:extLst>
-              <p:ext uri="{386F3935-93C4-4BCD-93E2-E3B085C9AB24}">
-                <p16:designElem xmlns:p16="http://schemas.microsoft.com/office/powerpoint/2015/main" val="1"/>
-              </p:ext>
-            </p:extLst>
+          <a:ln w="12700" cap="flat">
+            <a:noFill/>
+            <a:prstDash val="solid"/>
+            <a:miter/>
+          </a:ln>
+        </p:spPr>
+        <p:txBody>
+          <a:bodyPr wrap="square" rtlCol="0" anchor="ctr">
+            <a:noAutofit/>
+          </a:bodyPr>
+          <a:lstStyle/>
+          <a:p>
+            <a:endParaRPr lang="en-US"/>
+          </a:p>
+        </p:txBody>
+      </p:sp>
+      <p:sp>
+        <p:nvSpPr>
+          <p:cNvPr id="2" name="Title 1">
+            <a:extLst>
+              <a:ext uri="{FF2B5EF4-FFF2-40B4-BE49-F238E27FC236}">
+                <a16:creationId xmlns:a16="http://schemas.microsoft.com/office/drawing/2014/main" id="{40360518-071B-A248-810B-43B17B7BCBAD}"/>
+              </a:ext>
+            </a:extLst>
+          </p:cNvPr>
+          <p:cNvSpPr>
+            <a:spLocks noGrp="1"/>
+          </p:cNvSpPr>
+          <p:nvPr>
+            <p:ph type="title"/>
           </p:nvPr>
         </p:nvSpPr>
         <p:spPr>
           <a:xfrm>
-            <a:off x="640079" y="613954"/>
-            <a:ext cx="10907487" cy="1894116"/>
-          </a:xfrm>
-          <a:prstGeom prst="rect">
-            <a:avLst/>
-          </a:prstGeom>
-          <a:solidFill>
-            <a:schemeClr val="bg1"/>
-          </a:solidFill>
-          <a:ln>
-            <a:noFill/>
-          </a:ln>
-          <a:effectLst>
-            <a:outerShdw blurRad="139700" dist="127000" dir="5400000" algn="t" rotWithShape="0">
-              <a:prstClr val="black">
-                <a:alpha val="15000"/>
-              </a:prstClr>
-            </a:outerShdw>
-          </a:effectLst>
-        </p:spPr>
-        <p:style>
-          <a:lnRef idx="2">
-            <a:schemeClr val="accent1">
-              <a:shade val="50000"/>
-            </a:schemeClr>
-          </a:lnRef>
-          <a:fillRef idx="1">
-            <a:schemeClr val="accent1"/>
-          </a:fillRef>
-          <a:effectRef idx="0">
-            <a:schemeClr val="accent1"/>
-          </a:effectRef>
-          <a:fontRef idx="minor">
-            <a:schemeClr val="lt1"/>
-          </a:fontRef>
-        </p:style>
-        <p:txBody>
-          <a:bodyPr rtlCol="0" anchor="ctr"/>
-          <a:lstStyle/>
-          <a:p>
-            <a:pPr algn="ctr"/>
-            <a:endParaRPr lang="en-US"/>
-          </a:p>
-        </p:txBody>
-      </p:sp>
-      <p:sp>
-        <p:nvSpPr>
-          <p:cNvPr id="2" name="Title 1">
-            <a:extLst>
-              <a:ext uri="{FF2B5EF4-FFF2-40B4-BE49-F238E27FC236}">
-                <a16:creationId xmlns:a16="http://schemas.microsoft.com/office/drawing/2014/main" id="{C22AAE4E-7A6E-984B-419B-C1572832E215}"/>
-              </a:ext>
-            </a:extLst>
-          </p:cNvPr>
-          <p:cNvSpPr>
-            <a:spLocks noGrp="1"/>
-          </p:cNvSpPr>
-          <p:nvPr>
-            <p:ph type="title"/>
-          </p:nvPr>
-        </p:nvSpPr>
-        <p:spPr>
-          <a:xfrm>
-            <a:off x="1043631" y="809898"/>
-            <a:ext cx="9942716" cy="1554480"/>
+            <a:off x="841246" y="673770"/>
+            <a:ext cx="3644489" cy="2414488"/>
           </a:xfrm>
         </p:spPr>
         <p:txBody>
-          <a:bodyPr vert="horz" lIns="91440" tIns="45720" rIns="91440" bIns="45720" rtlCol="0" anchor="ctr">
+          <a:bodyPr vert="horz" lIns="91440" tIns="45720" rIns="91440" bIns="45720" rtlCol="0" anchor="t">
             <a:normAutofit/>
           </a:bodyPr>
           <a:lstStyle/>
           <a:p>
             <a:pPr marR="0"/>
             <a:r>
-              <a:rPr lang="en-US" sz="4800" b="0" i="0" u="none" strike="noStrike" kern="1200" baseline="0">
+              <a:rPr lang="en-US" sz="5400" b="1" i="0" u="none" strike="noStrike" kern="1200" baseline="0">
                 <a:solidFill>
-                  <a:schemeClr val="tx1"/>
+                  <a:srgbClr val="FFFFFF"/>
                 </a:solidFill>
                 <a:latin typeface="+mj-lt"/>
                 <a:ea typeface="+mj-ea"/>
                 <a:cs typeface="+mj-cs"/>
               </a:rPr>
-              <a:t>Unit Testing and Mocking Dependencies</a:t>
+              <a:t>Copilot for Other Tasks</a:t>
             </a:r>
           </a:p>
         </p:txBody>
@@ -5806,7 +7420,7 @@
           <p:cNvPr id="3" name="Text Placeholder 2">
             <a:extLst>
               <a:ext uri="{FF2B5EF4-FFF2-40B4-BE49-F238E27FC236}">
-                <a16:creationId xmlns:a16="http://schemas.microsoft.com/office/drawing/2014/main" id="{78A9B7AF-AE70-1153-36A2-6C54FC9A34BD}"/>
+                <a16:creationId xmlns:a16="http://schemas.microsoft.com/office/drawing/2014/main" id="{C7147C9D-A781-6620-809C-E55C336B5CF0}"/>
               </a:ext>
             </a:extLst>
           </p:cNvPr>
@@ -5819,119 +7433,91 @@
         </p:nvSpPr>
         <p:spPr>
           <a:xfrm>
-            <a:off x="1045028" y="2923444"/>
-            <a:ext cx="9941319" cy="3124658"/>
+            <a:off x="6095999" y="882315"/>
+            <a:ext cx="5254754" cy="5294647"/>
           </a:xfrm>
         </p:spPr>
         <p:txBody>
-          <a:bodyPr vert="horz" lIns="91440" tIns="45720" rIns="91440" bIns="45720" rtlCol="0" anchor="ctr">
+          <a:bodyPr vert="horz" lIns="91440" tIns="45720" rIns="91440" bIns="45720" rtlCol="0">
             <a:normAutofit/>
           </a:bodyPr>
           <a:lstStyle/>
           <a:p>
-            <a:pPr marL="0" marR="0" lvl="0" indent="0">
-              <a:buNone/>
-            </a:pPr>
-            <a:r>
-              <a:rPr lang="en-US" sz="2400" b="0" i="0" u="none" strike="noStrike" baseline="0" dirty="0"/>
-              <a:t>Unit Testing and Mocking with Copilot</a:t>
+            <a:pPr marL="0" marR="0" lvl="0"/>
+            <a:r>
+              <a:rPr lang="en-US" sz="1700" b="0" i="0" u="none" strike="noStrike" baseline="0" dirty="0"/>
+              <a:t>Beyond Coding: Copilot for Documentation and Design</a:t>
+            </a:r>
+          </a:p>
+          <a:p>
+            <a:pPr marR="0" lvl="1"/>
+            <a:r>
+              <a:rPr lang="en-US" sz="1700" b="1" i="0" u="none" strike="noStrike" baseline="0" dirty="0"/>
+              <a:t>Copilot for SRS (Software Requirement Specification):</a:t>
             </a:r>
           </a:p>
           <a:p>
             <a:pPr marR="0" lvl="2"/>
             <a:r>
-              <a:rPr lang="en-US" sz="2400" b="0" i="1" u="none" strike="noStrike" baseline="0" dirty="0"/>
-              <a:t>Auto-generate unit tests for methods, using JUnit and Mockito.</a:t>
+              <a:rPr lang="en-US" sz="1700" b="0" i="1" u="none" strike="noStrike" baseline="0" dirty="0"/>
+              <a:t>Generate SRS documents using structured prompts.</a:t>
             </a:r>
           </a:p>
           <a:p>
             <a:pPr marR="0" lvl="2"/>
             <a:r>
-              <a:rPr lang="en-US" sz="2400" b="0" i="1" u="none" strike="noStrike" baseline="0" dirty="0"/>
-              <a:t>Suggestions for creating mock objects to test service and repository layers.</a:t>
+              <a:rPr lang="en-US" sz="1700" b="0" i="1" u="none" strike="noStrike" baseline="0" dirty="0"/>
+              <a:t>Ensure documentation is comprehensive and follows project guidelines.</a:t>
+            </a:r>
+          </a:p>
+          <a:p>
+            <a:pPr marR="0" lvl="1"/>
+            <a:r>
+              <a:rPr lang="en-US" sz="1700" b="1" i="0" u="none" strike="noStrike" baseline="0" dirty="0"/>
+              <a:t>Copilot for Test Case Generation:</a:t>
             </a:r>
           </a:p>
           <a:p>
             <a:pPr marR="0" lvl="2"/>
             <a:r>
-              <a:rPr lang="en-US" sz="2400" i="1" dirty="0"/>
-              <a:t>Suggestions for using </a:t>
-            </a:r>
-            <a:r>
-              <a:rPr lang="en-US" sz="2400" i="1" dirty="0" err="1"/>
-              <a:t>MockMVC</a:t>
-            </a:r>
-            <a:r>
-              <a:rPr lang="en-US" sz="2400" i="1" dirty="0"/>
-              <a:t> to test API</a:t>
-            </a:r>
-            <a:endParaRPr lang="en-US" sz="2400" b="0" i="1" u="none" strike="noStrike" baseline="0" dirty="0"/>
+              <a:rPr lang="en-US" sz="1700" b="0" i="1" u="none" strike="noStrike" baseline="0" dirty="0"/>
+              <a:t>Automate the generation of detailed test cases for all code components.</a:t>
+            </a:r>
           </a:p>
           <a:p>
             <a:pPr marR="0" lvl="2"/>
             <a:r>
-              <a:rPr lang="en-US" sz="2400" b="0" i="1" u="none" strike="noStrike" baseline="0" dirty="0"/>
-              <a:t>Example: Writing advanced test cases using mocks, verifying behavior, and ensuring coverage.</a:t>
-            </a:r>
-          </a:p>
-        </p:txBody>
-      </p:sp>
-      <p:cxnSp>
-        <p:nvCxnSpPr>
-          <p:cNvPr id="17" name="Straight Connector 16">
-            <a:extLst>
-              <a:ext uri="{FF2B5EF4-FFF2-40B4-BE49-F238E27FC236}">
-                <a16:creationId xmlns:a16="http://schemas.microsoft.com/office/drawing/2014/main" id="{6CF1BAF6-AD41-4082-B212-8A1F9A2E8779}"/>
-              </a:ext>
-              <a:ext uri="{C183D7F6-B498-43B3-948B-1728B52AA6E4}">
-                <adec:decorative xmlns:adec="http://schemas.microsoft.com/office/drawing/2017/decorative" val="1"/>
-              </a:ext>
-            </a:extLst>
-          </p:cNvPr>
-          <p:cNvCxnSpPr>
-            <a:cxnSpLocks noGrp="1" noRot="1" noChangeAspect="1" noMove="1" noResize="1" noEditPoints="1" noAdjustHandles="1" noChangeArrowheads="1" noChangeShapeType="1"/>
-          </p:cNvCxnSpPr>
-          <p:nvPr>
-            <p:extLst>
-              <p:ext uri="{386F3935-93C4-4BCD-93E2-E3B085C9AB24}">
-                <p16:designElem xmlns:p16="http://schemas.microsoft.com/office/powerpoint/2015/main" val="1"/>
-              </p:ext>
-            </p:extLst>
-          </p:nvPr>
-        </p:nvCxnSpPr>
-        <p:spPr>
-          <a:xfrm flipH="1">
-            <a:off x="838200" y="6485313"/>
-            <a:ext cx="10515600" cy="0"/>
-          </a:xfrm>
-          <a:prstGeom prst="line">
-            <a:avLst/>
-          </a:prstGeom>
-          <a:ln w="57150">
-            <a:solidFill>
-              <a:schemeClr val="accent4"/>
-            </a:solidFill>
-          </a:ln>
-        </p:spPr>
-        <p:style>
-          <a:lnRef idx="1">
-            <a:schemeClr val="accent1"/>
-          </a:lnRef>
-          <a:fillRef idx="0">
-            <a:schemeClr val="accent1"/>
-          </a:fillRef>
-          <a:effectRef idx="0">
-            <a:schemeClr val="accent1"/>
-          </a:effectRef>
-          <a:fontRef idx="minor">
-            <a:schemeClr val="tx1"/>
-          </a:fontRef>
-        </p:style>
-      </p:cxnSp>
+              <a:rPr lang="en-US" sz="1700" b="0" i="1" u="none" strike="noStrike" baseline="0" dirty="0"/>
+              <a:t>Ensure robust testing by leveraging Copilot’s insights on common edge cases.</a:t>
+            </a:r>
+          </a:p>
+          <a:p>
+            <a:pPr marR="0" lvl="1"/>
+            <a:r>
+              <a:rPr lang="en-US" sz="1700" b="1" i="0" u="none" strike="noStrike" baseline="0" dirty="0"/>
+              <a:t>Copilot for API and DB Design:</a:t>
+            </a:r>
+          </a:p>
+          <a:p>
+            <a:pPr marR="0" lvl="2"/>
+            <a:r>
+              <a:rPr lang="en-US" sz="1700" b="0" i="1" u="none" strike="noStrike" baseline="0" dirty="0"/>
+              <a:t>Suggests API architecture based on project requirements.</a:t>
+            </a:r>
+          </a:p>
+          <a:p>
+            <a:pPr marR="0" lvl="2"/>
+            <a:r>
+              <a:rPr lang="en-US" sz="1700" b="0" i="1" u="none" strike="noStrike" baseline="0" dirty="0"/>
+              <a:t>Helps generate and validate database schemas with minimal manual intervention.</a:t>
+            </a:r>
+          </a:p>
+        </p:txBody>
+      </p:sp>
     </p:spTree>
     <p:extLst>
       <p:ext uri="{BB962C8B-B14F-4D97-AF65-F5344CB8AC3E}">
-        <p14:creationId xmlns:p14="http://schemas.microsoft.com/office/powerpoint/2010/main" val="1647118330"/>
+        <p14:creationId xmlns:p14="http://schemas.microsoft.com/office/powerpoint/2010/main" val="676430309"/>
       </p:ext>
     </p:extLst>
   </p:cSld>
@@ -5971,7 +7557,7 @@
           <p:cNvPr id="8" name="Rectangle 7">
             <a:extLst>
               <a:ext uri="{FF2B5EF4-FFF2-40B4-BE49-F238E27FC236}">
-                <a16:creationId xmlns:a16="http://schemas.microsoft.com/office/drawing/2014/main" id="{1C799903-48D5-4A31-A1A2-541072D9771E}"/>
+                <a16:creationId xmlns:a16="http://schemas.microsoft.com/office/drawing/2014/main" id="{C2554CA6-288E-4202-BC52-2E5A8F0C0AED}"/>
               </a:ext>
               <a:ext uri="{C183D7F6-B498-43B3-948B-1728B52AA6E4}">
                 <adec:decorative xmlns:adec="http://schemas.microsoft.com/office/drawing/2017/decorative" val="1"/>
@@ -5991,8 +7577,8 @@
         </p:nvSpPr>
         <p:spPr>
           <a:xfrm>
-            <a:off x="0" y="0"/>
-            <a:ext cx="12192002" cy="6858000"/>
+            <a:off x="3048" y="0"/>
+            <a:ext cx="12188952" cy="6858000"/>
           </a:xfrm>
           <a:prstGeom prst="rect">
             <a:avLst/>
@@ -6026,12 +7612,12 @@
           </a:p>
         </p:txBody>
       </p:sp>
-      <p:sp useBgFill="1">
-        <p:nvSpPr>
-          <p:cNvPr id="10" name="Freeform: Shape 9">
-            <a:extLst>
-              <a:ext uri="{FF2B5EF4-FFF2-40B4-BE49-F238E27FC236}">
-                <a16:creationId xmlns:a16="http://schemas.microsoft.com/office/drawing/2014/main" id="{8EFFF109-FC58-4FD3-BE05-9775A1310F55}"/>
+      <p:sp>
+        <p:nvSpPr>
+          <p:cNvPr id="10" name="Oval 9">
+            <a:extLst>
+              <a:ext uri="{FF2B5EF4-FFF2-40B4-BE49-F238E27FC236}">
+                <a16:creationId xmlns:a16="http://schemas.microsoft.com/office/drawing/2014/main" id="{B10BB131-AC8E-4A8E-A5D1-36260F720C3B}"/>
               </a:ext>
               <a:ext uri="{C183D7F6-B498-43B3-948B-1728B52AA6E4}">
                 <adec:decorative xmlns:adec="http://schemas.microsoft.com/office/drawing/2017/decorative" val="1"/>
@@ -6051,388 +7637,10 @@
         </p:nvSpPr>
         <p:spPr>
           <a:xfrm>
-            <a:off x="-1" y="0"/>
-            <a:ext cx="4818889" cy="6858000"/>
+            <a:off x="489189" y="1119031"/>
+            <a:ext cx="4619938" cy="4619938"/>
           </a:xfrm>
-          <a:custGeom>
-            <a:avLst/>
-            <a:gdLst>
-              <a:gd name="connsiteX0" fmla="*/ 0 w 4818889"/>
-              <a:gd name="connsiteY0" fmla="*/ 0 h 6858000"/>
-              <a:gd name="connsiteX1" fmla="*/ 3605911 w 4818889"/>
-              <a:gd name="connsiteY1" fmla="*/ 0 h 6858000"/>
-              <a:gd name="connsiteX2" fmla="*/ 3668894 w 4818889"/>
-              <a:gd name="connsiteY2" fmla="*/ 69271 h 6858000"/>
-              <a:gd name="connsiteX3" fmla="*/ 4818889 w 4818889"/>
-              <a:gd name="connsiteY3" fmla="*/ 3429000 h 6858000"/>
-              <a:gd name="connsiteX4" fmla="*/ 3668894 w 4818889"/>
-              <a:gd name="connsiteY4" fmla="*/ 6788730 h 6858000"/>
-              <a:gd name="connsiteX5" fmla="*/ 3605911 w 4818889"/>
-              <a:gd name="connsiteY5" fmla="*/ 6858000 h 6858000"/>
-              <a:gd name="connsiteX6" fmla="*/ 0 w 4818889"/>
-              <a:gd name="connsiteY6" fmla="*/ 6858000 h 6858000"/>
-            </a:gdLst>
-            <a:ahLst/>
-            <a:cxnLst>
-              <a:cxn ang="0">
-                <a:pos x="connsiteX0" y="connsiteY0"/>
-              </a:cxn>
-              <a:cxn ang="0">
-                <a:pos x="connsiteX1" y="connsiteY1"/>
-              </a:cxn>
-              <a:cxn ang="0">
-                <a:pos x="connsiteX2" y="connsiteY2"/>
-              </a:cxn>
-              <a:cxn ang="0">
-                <a:pos x="connsiteX3" y="connsiteY3"/>
-              </a:cxn>
-              <a:cxn ang="0">
-                <a:pos x="connsiteX4" y="connsiteY4"/>
-              </a:cxn>
-              <a:cxn ang="0">
-                <a:pos x="connsiteX5" y="connsiteY5"/>
-              </a:cxn>
-              <a:cxn ang="0">
-                <a:pos x="connsiteX6" y="connsiteY6"/>
-              </a:cxn>
-            </a:cxnLst>
-            <a:rect l="l" t="t" r="r" b="b"/>
-            <a:pathLst>
-              <a:path w="4818889" h="6858000">
-                <a:moveTo>
-                  <a:pt x="0" y="0"/>
-                </a:moveTo>
-                <a:lnTo>
-                  <a:pt x="3605911" y="0"/>
-                </a:lnTo>
-                <a:lnTo>
-                  <a:pt x="3668894" y="69271"/>
-                </a:lnTo>
-                <a:cubicBezTo>
-                  <a:pt x="4379420" y="929100"/>
-                  <a:pt x="4818889" y="2116944"/>
-                  <a:pt x="4818889" y="3429000"/>
-                </a:cubicBezTo>
-                <a:cubicBezTo>
-                  <a:pt x="4818889" y="4741056"/>
-                  <a:pt x="4379420" y="5928900"/>
-                  <a:pt x="3668894" y="6788730"/>
-                </a:cubicBezTo>
-                <a:lnTo>
-                  <a:pt x="3605911" y="6858000"/>
-                </a:lnTo>
-                <a:lnTo>
-                  <a:pt x="0" y="6858000"/>
-                </a:lnTo>
-                <a:close/>
-              </a:path>
-            </a:pathLst>
-          </a:custGeom>
-          <a:ln w="9525">
-            <a:solidFill>
-              <a:srgbClr val="E6E6E6"/>
-            </a:solidFill>
-          </a:ln>
-          <a:effectLst>
-            <a:outerShdw blurRad="50800" dist="38100" algn="l" rotWithShape="0">
-              <a:schemeClr val="bg1">
-                <a:lumMod val="85000"/>
-                <a:alpha val="50000"/>
-              </a:schemeClr>
-            </a:outerShdw>
-          </a:effectLst>
-        </p:spPr>
-        <p:style>
-          <a:lnRef idx="2">
-            <a:schemeClr val="accent1">
-              <a:shade val="50000"/>
-            </a:schemeClr>
-          </a:lnRef>
-          <a:fillRef idx="1">
-            <a:schemeClr val="accent1"/>
-          </a:fillRef>
-          <a:effectRef idx="0">
-            <a:schemeClr val="accent1"/>
-          </a:effectRef>
-          <a:fontRef idx="minor">
-            <a:schemeClr val="lt1"/>
-          </a:fontRef>
-        </p:style>
-        <p:txBody>
-          <a:bodyPr wrap="square" rtlCol="0" anchor="ctr">
-            <a:noAutofit/>
-          </a:bodyPr>
-          <a:lstStyle/>
-          <a:p>
-            <a:pPr marL="0" marR="0" lvl="0" indent="0" algn="ctr" defTabSz="914400" rtl="0" eaLnBrk="1" fontAlgn="auto" latinLnBrk="0" hangingPunct="1">
-              <a:lnSpc>
-                <a:spcPct val="100000"/>
-              </a:lnSpc>
-              <a:spcBef>
-                <a:spcPts val="0"/>
-              </a:spcBef>
-              <a:spcAft>
-                <a:spcPts val="0"/>
-              </a:spcAft>
-              <a:buClrTx/>
-              <a:buSzTx/>
-              <a:buFontTx/>
-              <a:buNone/>
-              <a:tabLst/>
-              <a:defRPr/>
-            </a:pPr>
-            <a:endParaRPr kumimoji="0" lang="en-US" sz="1800" b="0" i="0" u="none" strike="noStrike" kern="1200" cap="none" spc="0" normalizeH="0" baseline="0" noProof="0">
-              <a:ln>
-                <a:noFill/>
-              </a:ln>
-              <a:solidFill>
-                <a:prstClr val="white"/>
-              </a:solidFill>
-              <a:effectLst/>
-              <a:uLnTx/>
-              <a:uFillTx/>
-              <a:latin typeface="Calibri" panose="020F0502020204030204"/>
-              <a:ea typeface="+mn-ea"/>
-              <a:cs typeface="+mn-cs"/>
-            </a:endParaRPr>
-          </a:p>
-        </p:txBody>
-      </p:sp>
-      <p:sp useBgFill="1">
-        <p:nvSpPr>
-          <p:cNvPr id="12" name="Freeform: Shape 11">
-            <a:extLst>
-              <a:ext uri="{FF2B5EF4-FFF2-40B4-BE49-F238E27FC236}">
-                <a16:creationId xmlns:a16="http://schemas.microsoft.com/office/drawing/2014/main" id="{E1B96AD6-92A9-4273-A62B-96A1C3E0BA95}"/>
-              </a:ext>
-              <a:ext uri="{C183D7F6-B498-43B3-948B-1728B52AA6E4}">
-                <adec:decorative xmlns:adec="http://schemas.microsoft.com/office/drawing/2017/decorative" val="1"/>
-              </a:ext>
-            </a:extLst>
-          </p:cNvPr>
-          <p:cNvSpPr>
-            <a:spLocks noGrp="1" noRot="1" noChangeAspect="1" noMove="1" noResize="1" noEditPoints="1" noAdjustHandles="1" noChangeArrowheads="1" noChangeShapeType="1" noTextEdit="1"/>
-          </p:cNvSpPr>
-          <p:nvPr>
-            <p:extLst>
-              <p:ext uri="{386F3935-93C4-4BCD-93E2-E3B085C9AB24}">
-                <p16:designElem xmlns:p16="http://schemas.microsoft.com/office/powerpoint/2015/main" val="1"/>
-              </p:ext>
-            </p:extLst>
-          </p:nvPr>
-        </p:nvSpPr>
-        <p:spPr>
-          <a:xfrm>
-            <a:off x="1" y="0"/>
-            <a:ext cx="4811477" cy="6858000"/>
-          </a:xfrm>
-          <a:custGeom>
-            <a:avLst/>
-            <a:gdLst>
-              <a:gd name="connsiteX0" fmla="*/ 0 w 4811477"/>
-              <a:gd name="connsiteY0" fmla="*/ 0 h 6858000"/>
-              <a:gd name="connsiteX1" fmla="*/ 3598499 w 4811477"/>
-              <a:gd name="connsiteY1" fmla="*/ 0 h 6858000"/>
-              <a:gd name="connsiteX2" fmla="*/ 3661482 w 4811477"/>
-              <a:gd name="connsiteY2" fmla="*/ 69271 h 6858000"/>
-              <a:gd name="connsiteX3" fmla="*/ 4811477 w 4811477"/>
-              <a:gd name="connsiteY3" fmla="*/ 3429000 h 6858000"/>
-              <a:gd name="connsiteX4" fmla="*/ 3661482 w 4811477"/>
-              <a:gd name="connsiteY4" fmla="*/ 6788730 h 6858000"/>
-              <a:gd name="connsiteX5" fmla="*/ 3598499 w 4811477"/>
-              <a:gd name="connsiteY5" fmla="*/ 6858000 h 6858000"/>
-              <a:gd name="connsiteX6" fmla="*/ 0 w 4811477"/>
-              <a:gd name="connsiteY6" fmla="*/ 6858000 h 6858000"/>
-            </a:gdLst>
-            <a:ahLst/>
-            <a:cxnLst>
-              <a:cxn ang="0">
-                <a:pos x="connsiteX0" y="connsiteY0"/>
-              </a:cxn>
-              <a:cxn ang="0">
-                <a:pos x="connsiteX1" y="connsiteY1"/>
-              </a:cxn>
-              <a:cxn ang="0">
-                <a:pos x="connsiteX2" y="connsiteY2"/>
-              </a:cxn>
-              <a:cxn ang="0">
-                <a:pos x="connsiteX3" y="connsiteY3"/>
-              </a:cxn>
-              <a:cxn ang="0">
-                <a:pos x="connsiteX4" y="connsiteY4"/>
-              </a:cxn>
-              <a:cxn ang="0">
-                <a:pos x="connsiteX5" y="connsiteY5"/>
-              </a:cxn>
-              <a:cxn ang="0">
-                <a:pos x="connsiteX6" y="connsiteY6"/>
-              </a:cxn>
-            </a:cxnLst>
-            <a:rect l="l" t="t" r="r" b="b"/>
-            <a:pathLst>
-              <a:path w="4811477" h="6858000">
-                <a:moveTo>
-                  <a:pt x="0" y="0"/>
-                </a:moveTo>
-                <a:lnTo>
-                  <a:pt x="3598499" y="0"/>
-                </a:lnTo>
-                <a:lnTo>
-                  <a:pt x="3661482" y="69271"/>
-                </a:lnTo>
-                <a:cubicBezTo>
-                  <a:pt x="4372008" y="929100"/>
-                  <a:pt x="4811477" y="2116944"/>
-                  <a:pt x="4811477" y="3429000"/>
-                </a:cubicBezTo>
-                <a:cubicBezTo>
-                  <a:pt x="4811477" y="4741056"/>
-                  <a:pt x="4372008" y="5928900"/>
-                  <a:pt x="3661482" y="6788730"/>
-                </a:cubicBezTo>
-                <a:lnTo>
-                  <a:pt x="3598499" y="6858000"/>
-                </a:lnTo>
-                <a:lnTo>
-                  <a:pt x="0" y="6858000"/>
-                </a:lnTo>
-                <a:close/>
-              </a:path>
-            </a:pathLst>
-          </a:custGeom>
-          <a:ln w="9525">
-            <a:noFill/>
-          </a:ln>
-          <a:effectLst/>
-        </p:spPr>
-        <p:style>
-          <a:lnRef idx="2">
-            <a:schemeClr val="accent1">
-              <a:shade val="50000"/>
-            </a:schemeClr>
-          </a:lnRef>
-          <a:fillRef idx="1">
-            <a:schemeClr val="accent1"/>
-          </a:fillRef>
-          <a:effectRef idx="0">
-            <a:schemeClr val="accent1"/>
-          </a:effectRef>
-          <a:fontRef idx="minor">
-            <a:schemeClr val="lt1"/>
-          </a:fontRef>
-        </p:style>
-        <p:txBody>
-          <a:bodyPr wrap="square" rtlCol="0" anchor="ctr">
-            <a:noAutofit/>
-          </a:bodyPr>
-          <a:lstStyle/>
-          <a:p>
-            <a:pPr marL="0" marR="0" lvl="0" indent="0" algn="ctr" defTabSz="914400" rtl="0" eaLnBrk="1" fontAlgn="auto" latinLnBrk="0" hangingPunct="1">
-              <a:lnSpc>
-                <a:spcPct val="100000"/>
-              </a:lnSpc>
-              <a:spcBef>
-                <a:spcPts val="0"/>
-              </a:spcBef>
-              <a:spcAft>
-                <a:spcPts val="0"/>
-              </a:spcAft>
-              <a:buClrTx/>
-              <a:buSzTx/>
-              <a:buFontTx/>
-              <a:buNone/>
-              <a:tabLst/>
-              <a:defRPr/>
-            </a:pPr>
-            <a:endParaRPr kumimoji="0" lang="en-US" sz="1800" b="0" i="0" u="none" strike="noStrike" kern="1200" cap="none" spc="0" normalizeH="0" baseline="0" noProof="0">
-              <a:ln>
-                <a:noFill/>
-              </a:ln>
-              <a:solidFill>
-                <a:prstClr val="white"/>
-              </a:solidFill>
-              <a:effectLst/>
-              <a:uLnTx/>
-              <a:uFillTx/>
-              <a:latin typeface="Calibri" panose="020F0502020204030204"/>
-              <a:ea typeface="+mn-ea"/>
-              <a:cs typeface="+mn-cs"/>
-            </a:endParaRPr>
-          </a:p>
-        </p:txBody>
-      </p:sp>
-      <p:sp>
-        <p:nvSpPr>
-          <p:cNvPr id="2" name="Title 1">
-            <a:extLst>
-              <a:ext uri="{FF2B5EF4-FFF2-40B4-BE49-F238E27FC236}">
-                <a16:creationId xmlns:a16="http://schemas.microsoft.com/office/drawing/2014/main" id="{B602CEE4-4B28-A0B4-AC9E-100FFFD8E8F8}"/>
-              </a:ext>
-            </a:extLst>
-          </p:cNvPr>
-          <p:cNvSpPr>
-            <a:spLocks noGrp="1"/>
-          </p:cNvSpPr>
-          <p:nvPr>
-            <p:ph type="title"/>
-          </p:nvPr>
-        </p:nvSpPr>
-        <p:spPr>
-          <a:xfrm>
-            <a:off x="621792" y="1161288"/>
-            <a:ext cx="3602736" cy="4526280"/>
-          </a:xfrm>
-        </p:spPr>
-        <p:txBody>
-          <a:bodyPr vert="horz" lIns="91440" tIns="45720" rIns="91440" bIns="45720" rtlCol="0" anchor="ctr">
-            <a:normAutofit/>
-          </a:bodyPr>
-          <a:lstStyle/>
-          <a:p>
-            <a:pPr marR="0"/>
-            <a:r>
-              <a:rPr lang="en-US" sz="4000" b="0" i="0" u="none" strike="noStrike" kern="1200" baseline="0">
-                <a:solidFill>
-                  <a:schemeClr val="tx1"/>
-                </a:solidFill>
-                <a:latin typeface="+mj-lt"/>
-                <a:ea typeface="+mj-ea"/>
-                <a:cs typeface="+mj-cs"/>
-              </a:rPr>
-              <a:t>Setting Up React to Consume the API</a:t>
-            </a:r>
-          </a:p>
-        </p:txBody>
-      </p:sp>
-      <p:sp>
-        <p:nvSpPr>
-          <p:cNvPr id="14" name="Rectangle 13">
-            <a:extLst>
-              <a:ext uri="{FF2B5EF4-FFF2-40B4-BE49-F238E27FC236}">
-                <a16:creationId xmlns:a16="http://schemas.microsoft.com/office/drawing/2014/main" id="{463EEC44-1BA3-44ED-81FC-A644B04B2A44}"/>
-              </a:ext>
-              <a:ext uri="{C183D7F6-B498-43B3-948B-1728B52AA6E4}">
-                <adec:decorative xmlns:adec="http://schemas.microsoft.com/office/drawing/2017/decorative" val="1"/>
-              </a:ext>
-            </a:extLst>
-          </p:cNvPr>
-          <p:cNvSpPr>
-            <a:spLocks noGrp="1" noRot="1" noChangeAspect="1" noMove="1" noResize="1" noEditPoints="1" noAdjustHandles="1" noChangeArrowheads="1" noChangeShapeType="1" noTextEdit="1"/>
-          </p:cNvSpPr>
-          <p:nvPr>
-            <p:extLst>
-              <p:ext uri="{386F3935-93C4-4BCD-93E2-E3B085C9AB24}">
-                <p16:designElem xmlns:p16="http://schemas.microsoft.com/office/powerpoint/2015/main" val="1"/>
-              </p:ext>
-            </p:extLst>
-          </p:nvPr>
-        </p:nvSpPr>
-        <p:spPr>
-          <a:xfrm>
-            <a:off x="0" y="3102049"/>
-            <a:ext cx="128016" cy="653903"/>
-          </a:xfrm>
-          <a:prstGeom prst="rect">
+          <a:prstGeom prst="ellipse">
             <a:avLst/>
           </a:prstGeom>
           <a:solidFill>
@@ -6463,21 +7671,16 @@
           <a:lstStyle/>
           <a:p>
             <a:pPr algn="ctr"/>
-            <a:endParaRPr lang="en-US">
-              <a:solidFill>
-                <a:prstClr val="white"/>
-              </a:solidFill>
-              <a:latin typeface="Calibri" panose="020F0502020204030204"/>
-            </a:endParaRPr>
-          </a:p>
-        </p:txBody>
-      </p:sp>
-      <p:sp>
-        <p:nvSpPr>
-          <p:cNvPr id="3" name="Text Placeholder 2">
-            <a:extLst>
-              <a:ext uri="{FF2B5EF4-FFF2-40B4-BE49-F238E27FC236}">
-                <a16:creationId xmlns:a16="http://schemas.microsoft.com/office/drawing/2014/main" id="{A206BDB2-7C87-C14D-F029-DFC85EEFB7AF}"/>
+            <a:endParaRPr lang="en-US"/>
+          </a:p>
+        </p:txBody>
+      </p:sp>
+      <p:sp>
+        <p:nvSpPr>
+          <p:cNvPr id="2" name="Title 1">
+            <a:extLst>
+              <a:ext uri="{FF2B5EF4-FFF2-40B4-BE49-F238E27FC236}">
+                <a16:creationId xmlns:a16="http://schemas.microsoft.com/office/drawing/2014/main" id="{21ECD50D-A9E2-DF0D-E314-9BDDA5C4AE0F}"/>
               </a:ext>
             </a:extLst>
           </p:cNvPr>
@@ -6485,13 +7688,13 @@
             <a:spLocks noGrp="1"/>
           </p:cNvSpPr>
           <p:nvPr>
-            <p:ph type="body" idx="1"/>
+            <p:ph type="title"/>
           </p:nvPr>
         </p:nvSpPr>
         <p:spPr>
           <a:xfrm>
-            <a:off x="5434149" y="932688"/>
-            <a:ext cx="5916603" cy="4992624"/>
+            <a:off x="1171074" y="1396686"/>
+            <a:ext cx="3240506" cy="4064628"/>
           </a:xfrm>
         </p:spPr>
         <p:txBody>
@@ -6500,115 +7703,46 @@
           </a:bodyPr>
           <a:lstStyle/>
           <a:p>
-            <a:pPr marL="0" marR="0" lvl="0" indent="0">
-              <a:buNone/>
-            </a:pPr>
-            <a:r>
-              <a:rPr lang="en-US" sz="2000" b="0" i="0" u="none" strike="noStrike" baseline="0" dirty="0"/>
-              <a:t>Fetching Data from Spring Boot in React</a:t>
-            </a:r>
-          </a:p>
-          <a:p>
-            <a:pPr marR="0" lvl="2"/>
-            <a:r>
-              <a:rPr lang="en-US" b="0" i="1" u="none" strike="noStrike" baseline="0" dirty="0"/>
-              <a:t>Using </a:t>
-            </a:r>
-            <a:r>
-              <a:rPr lang="en-US" b="0" i="1" u="none" strike="noStrike" baseline="0" dirty="0" err="1"/>
-              <a:t>Axios</a:t>
-            </a:r>
-            <a:r>
-              <a:rPr lang="en-US" b="0" i="1" u="none" strike="noStrike" baseline="0" dirty="0"/>
-              <a:t> or Fetch API to call Spring Boot endpoints.</a:t>
-            </a:r>
-          </a:p>
-          <a:p>
-            <a:pPr marR="0" lvl="2"/>
-            <a:r>
-              <a:rPr lang="en-US" b="0" i="1" u="none" strike="noStrike" baseline="0" dirty="0"/>
-              <a:t>React components for rendering users and roles:</a:t>
-            </a:r>
-          </a:p>
-          <a:p>
-            <a:pPr marR="0" lvl="2"/>
-            <a:r>
-              <a:rPr lang="en-US" b="0" i="1" u="none" strike="noStrike" baseline="0" dirty="0"/>
-              <a:t>UserList.js: Lists users from API.</a:t>
-            </a:r>
-          </a:p>
-          <a:p>
-            <a:pPr marR="0" lvl="2"/>
-            <a:r>
-              <a:rPr lang="en-US" b="0" i="1" u="none" strike="noStrike" baseline="0" dirty="0"/>
-              <a:t>RoleList.js: Lists roles from API.</a:t>
-            </a:r>
-          </a:p>
-          <a:p>
-            <a:pPr marR="0" lvl="2"/>
-            <a:r>
-              <a:rPr lang="en-US" b="0" i="1" u="none" strike="noStrike" baseline="0" dirty="0"/>
-              <a:t>Example: </a:t>
-            </a:r>
-            <a:r>
-              <a:rPr lang="en-US" b="0" i="1" u="none" strike="noStrike" baseline="0" dirty="0" err="1"/>
-              <a:t>useEffect</a:t>
-            </a:r>
-            <a:r>
-              <a:rPr lang="en-US" b="0" i="1" u="none" strike="noStrike" baseline="0" dirty="0"/>
-              <a:t> to fetch data on component mount, handling API requests in React.</a:t>
-            </a:r>
-          </a:p>
-          <a:p>
-            <a:pPr marR="0" lvl="2"/>
-            <a:endParaRPr lang="en-US" b="0" i="1" u="none" strike="noStrike" baseline="0" dirty="0"/>
-          </a:p>
-        </p:txBody>
-      </p:sp>
-    </p:spTree>
-    <p:extLst>
-      <p:ext uri="{BB962C8B-B14F-4D97-AF65-F5344CB8AC3E}">
-        <p14:creationId xmlns:p14="http://schemas.microsoft.com/office/powerpoint/2010/main" val="1370161461"/>
-      </p:ext>
-    </p:extLst>
-  </p:cSld>
-  <p:clrMapOvr>
-    <a:masterClrMapping/>
-  </p:clrMapOvr>
-</p:sld>
-</file>
-
-<file path=ppt/slides/slide7.xml><?xml version="1.0" encoding="utf-8"?>
-<p:sld xmlns:a="http://schemas.openxmlformats.org/drawingml/2006/main" xmlns:r="http://schemas.openxmlformats.org/officeDocument/2006/relationships" xmlns:p="http://schemas.openxmlformats.org/presentationml/2006/main">
-  <p:cSld>
-    <p:bg>
-      <p:bgPr>
-        <a:solidFill>
-          <a:schemeClr val="bg1"/>
-        </a:solidFill>
-        <a:effectLst/>
-      </p:bgPr>
-    </p:bg>
-    <p:spTree>
-      <p:nvGrpSpPr>
-        <p:cNvPr id="1" name=""/>
-        <p:cNvGrpSpPr/>
-        <p:nvPr/>
-      </p:nvGrpSpPr>
-      <p:grpSpPr>
-        <a:xfrm>
-          <a:off x="0" y="0"/>
-          <a:ext cx="0" cy="0"/>
-          <a:chOff x="0" y="0"/>
-          <a:chExt cx="0" cy="0"/>
-        </a:xfrm>
-      </p:grpSpPr>
-      <p:sp useBgFill="1">
-        <p:nvSpPr>
-          <p:cNvPr id="8" name="Rectangle 7">
-            <a:extLst>
-              <a:ext uri="{FF2B5EF4-FFF2-40B4-BE49-F238E27FC236}">
-                <a16:creationId xmlns:a16="http://schemas.microsoft.com/office/drawing/2014/main" id="{DAF1966E-FD40-4A4A-B61B-C4DF7FA05F06}"/>
+            <a:pPr marR="0"/>
+            <a:r>
+              <a:rPr lang="en-US" b="0" i="0" u="none" strike="noStrike" kern="1200" baseline="0">
+                <a:solidFill>
+                  <a:srgbClr val="FFFFFF"/>
+                </a:solidFill>
+                <a:latin typeface="+mj-lt"/>
+                <a:ea typeface="+mj-ea"/>
+                <a:cs typeface="+mj-cs"/>
+              </a:rPr>
+              <a:t>Codelab</a:t>
+            </a:r>
+            <a:r>
+              <a:rPr lang="en-US" b="1" i="0" u="none" strike="noStrike" kern="1200" baseline="0">
+                <a:solidFill>
+                  <a:srgbClr val="FFFFFF"/>
+                </a:solidFill>
+                <a:latin typeface="+mj-lt"/>
+                <a:ea typeface="+mj-ea"/>
+                <a:cs typeface="+mj-cs"/>
+              </a:rPr>
+              <a:t> 7:</a:t>
+            </a:r>
+            <a:endParaRPr lang="en-US" b="0" i="0" u="none" strike="noStrike" kern="1200" baseline="0">
+              <a:solidFill>
+                <a:srgbClr val="FFFFFF"/>
+              </a:solidFill>
+              <a:latin typeface="+mj-lt"/>
+              <a:ea typeface="+mj-ea"/>
+              <a:cs typeface="+mj-cs"/>
+            </a:endParaRPr>
+          </a:p>
+        </p:txBody>
+      </p:sp>
+      <p:sp>
+        <p:nvSpPr>
+          <p:cNvPr id="12" name="Arc 11">
+            <a:extLst>
+              <a:ext uri="{FF2B5EF4-FFF2-40B4-BE49-F238E27FC236}">
+                <a16:creationId xmlns:a16="http://schemas.microsoft.com/office/drawing/2014/main" id="{5B7778FC-632E-4DCA-A7CB-0D7731CCF970}"/>
               </a:ext>
               <a:ext uri="{C183D7F6-B498-43B3-948B-1728B52AA6E4}">
                 <adec:decorative xmlns:adec="http://schemas.microsoft.com/office/drawing/2017/decorative" val="1"/>
@@ -6627,101 +7761,36 @@
           </p:nvPr>
         </p:nvSpPr>
         <p:spPr>
-          <a:xfrm>
-            <a:off x="0" y="0"/>
-            <a:ext cx="12192000" cy="6858000"/>
+          <a:xfrm rot="19809111">
+            <a:off x="8683720" y="941148"/>
+            <a:ext cx="2987899" cy="2987899"/>
           </a:xfrm>
-          <a:prstGeom prst="rect">
-            <a:avLst/>
+          <a:prstGeom prst="arc">
+            <a:avLst>
+              <a:gd name="adj1" fmla="val 15817365"/>
+              <a:gd name="adj2" fmla="val 1781380"/>
+            </a:avLst>
           </a:prstGeom>
-          <a:ln>
-            <a:noFill/>
+          <a:ln w="127000" cap="rnd">
+            <a:solidFill>
+              <a:schemeClr val="accent4"/>
+            </a:solidFill>
+            <a:prstDash val="dash"/>
+            <a:miter lim="800000"/>
           </a:ln>
         </p:spPr>
         <p:style>
-          <a:lnRef idx="2">
-            <a:schemeClr val="accent1">
-              <a:shade val="50000"/>
-            </a:schemeClr>
+          <a:lnRef idx="1">
+            <a:schemeClr val="accent1"/>
           </a:lnRef>
-          <a:fillRef idx="1">
+          <a:fillRef idx="0">
             <a:schemeClr val="accent1"/>
           </a:fillRef>
           <a:effectRef idx="0">
             <a:schemeClr val="accent1"/>
           </a:effectRef>
           <a:fontRef idx="minor">
-            <a:schemeClr val="lt1"/>
-          </a:fontRef>
-        </p:style>
-        <p:txBody>
-          <a:bodyPr rtlCol="0" anchor="ctr"/>
-          <a:lstStyle/>
-          <a:p>
-            <a:pPr algn="ctr"/>
-            <a:endParaRPr lang="en-US"/>
-          </a:p>
-        </p:txBody>
-      </p:sp>
-      <p:sp useBgFill="1">
-        <p:nvSpPr>
-          <p:cNvPr id="10" name="Rectangle 9">
-            <a:extLst>
-              <a:ext uri="{FF2B5EF4-FFF2-40B4-BE49-F238E27FC236}">
-                <a16:creationId xmlns:a16="http://schemas.microsoft.com/office/drawing/2014/main" id="{047BFA19-D45E-416B-A404-7AF2F3F27017}"/>
-              </a:ext>
-              <a:ext uri="{C183D7F6-B498-43B3-948B-1728B52AA6E4}">
-                <adec:decorative xmlns:adec="http://schemas.microsoft.com/office/drawing/2017/decorative" val="1"/>
-              </a:ext>
-            </a:extLst>
-          </p:cNvPr>
-          <p:cNvSpPr>
-            <a:spLocks noGrp="1" noRot="1" noChangeAspect="1" noMove="1" noResize="1" noEditPoints="1" noAdjustHandles="1" noChangeArrowheads="1" noChangeShapeType="1" noTextEdit="1"/>
-          </p:cNvSpPr>
-          <p:nvPr>
-            <p:extLst>
-              <p:ext uri="{386F3935-93C4-4BCD-93E2-E3B085C9AB24}">
-                <p16:designElem xmlns:p16="http://schemas.microsoft.com/office/powerpoint/2015/main" val="1"/>
-              </p:ext>
-            </p:extLst>
-          </p:nvPr>
-        </p:nvSpPr>
-        <p:spPr>
-          <a:xfrm>
-            <a:off x="558209" y="0"/>
-            <a:ext cx="11167447" cy="2018806"/>
-          </a:xfrm>
-          <a:prstGeom prst="rect">
-            <a:avLst/>
-          </a:prstGeom>
-          <a:ln w="9525">
-            <a:solidFill>
-              <a:srgbClr val="E1E1E1"/>
-            </a:solidFill>
-          </a:ln>
-          <a:effectLst>
-            <a:outerShdw blurRad="50800" dist="38100" dir="2700000" algn="tl" rotWithShape="0">
-              <a:schemeClr val="bg1">
-                <a:lumMod val="85000"/>
-                <a:alpha val="50000"/>
-              </a:schemeClr>
-            </a:outerShdw>
-          </a:effectLst>
-        </p:spPr>
-        <p:style>
-          <a:lnRef idx="2">
-            <a:schemeClr val="accent1">
-              <a:shade val="50000"/>
-            </a:schemeClr>
-          </a:lnRef>
-          <a:fillRef idx="1">
-            <a:schemeClr val="accent1"/>
-          </a:fillRef>
-          <a:effectRef idx="0">
-            <a:schemeClr val="accent1"/>
-          </a:effectRef>
-          <a:fontRef idx="minor">
-            <a:schemeClr val="lt1"/>
+            <a:schemeClr val="tx1"/>
           </a:fontRef>
         </p:style>
         <p:txBody>
@@ -6750,7 +7819,7 @@
                 <a:noFill/>
               </a:ln>
               <a:solidFill>
-                <a:prstClr val="white"/>
+                <a:srgbClr val="000000"/>
               </a:solidFill>
               <a:effectLst/>
               <a:uLnTx/>
@@ -6762,12 +7831,12 @@
           </a:p>
         </p:txBody>
       </p:sp>
-      <p:sp useBgFill="1">
-        <p:nvSpPr>
-          <p:cNvPr id="12" name="Rectangle 11">
-            <a:extLst>
-              <a:ext uri="{FF2B5EF4-FFF2-40B4-BE49-F238E27FC236}">
-                <a16:creationId xmlns:a16="http://schemas.microsoft.com/office/drawing/2014/main" id="{8E0105E7-23DB-4CF2-8258-FF47C7620F6E}"/>
+      <p:sp>
+        <p:nvSpPr>
+          <p:cNvPr id="14" name="Oval 13">
+            <a:extLst>
+              <a:ext uri="{FF2B5EF4-FFF2-40B4-BE49-F238E27FC236}">
+                <a16:creationId xmlns:a16="http://schemas.microsoft.com/office/drawing/2014/main" id="{FA23A907-97FB-4A8F-880A-DD77401C4296}"/>
               </a:ext>
               <a:ext uri="{C183D7F6-B498-43B3-948B-1728B52AA6E4}">
                 <adec:decorative xmlns:adec="http://schemas.microsoft.com/office/drawing/2017/decorative" val="1"/>
@@ -6787,16 +7856,18 @@
         </p:nvSpPr>
         <p:spPr>
           <a:xfrm>
-            <a:off x="566928" y="0"/>
-            <a:ext cx="11155680" cy="2011680"/>
+            <a:off x="910048" y="4780992"/>
+            <a:ext cx="546100" cy="546100"/>
           </a:xfrm>
-          <a:prstGeom prst="rect">
+          <a:prstGeom prst="ellipse">
             <a:avLst/>
           </a:prstGeom>
-          <a:ln w="9525">
+          <a:solidFill>
+            <a:schemeClr val="accent5"/>
+          </a:solidFill>
+          <a:ln>
             <a:noFill/>
           </a:ln>
-          <a:effectLst/>
         </p:spPr>
         <p:style>
           <a:lnRef idx="2">
@@ -6840,7 +7911,7 @@
                 <a:noFill/>
               </a:ln>
               <a:solidFill>
-                <a:prstClr val="white"/>
+                <a:srgbClr val="FFFFFF"/>
               </a:solidFill>
               <a:effectLst/>
               <a:uLnTx/>
@@ -6854,10 +7925,10 @@
       </p:sp>
       <p:sp>
         <p:nvSpPr>
-          <p:cNvPr id="2" name="Title 1">
-            <a:extLst>
-              <a:ext uri="{FF2B5EF4-FFF2-40B4-BE49-F238E27FC236}">
-                <a16:creationId xmlns:a16="http://schemas.microsoft.com/office/drawing/2014/main" id="{EA2ADEE1-98CB-F062-3C51-F7A038497D64}"/>
+          <p:cNvPr id="3" name="Text Placeholder 2">
+            <a:extLst>
+              <a:ext uri="{FF2B5EF4-FFF2-40B4-BE49-F238E27FC236}">
+                <a16:creationId xmlns:a16="http://schemas.microsoft.com/office/drawing/2014/main" id="{AF0CB12E-8A69-B057-CA94-279EA87FC04F}"/>
               </a:ext>
             </a:extLst>
           </p:cNvPr>
@@ -6865,124 +7936,13 @@
             <a:spLocks noGrp="1"/>
           </p:cNvSpPr>
           <p:nvPr>
-            <p:ph type="title"/>
+            <p:ph type="body" idx="1"/>
           </p:nvPr>
         </p:nvSpPr>
         <p:spPr>
           <a:xfrm>
-            <a:off x="1115568" y="548640"/>
-            <a:ext cx="10168128" cy="1179576"/>
-          </a:xfrm>
-        </p:spPr>
-        <p:txBody>
-          <a:bodyPr vert="horz" lIns="91440" tIns="45720" rIns="91440" bIns="45720" rtlCol="0" anchor="ctr">
-            <a:normAutofit/>
-          </a:bodyPr>
-          <a:lstStyle/>
-          <a:p>
-            <a:pPr marR="0"/>
-            <a:r>
-              <a:rPr lang="en-US" sz="4000" b="0" i="0" u="none" strike="noStrike" kern="1200" baseline="0" dirty="0">
-                <a:solidFill>
-                  <a:schemeClr val="tx1"/>
-                </a:solidFill>
-                <a:latin typeface="+mj-lt"/>
-                <a:ea typeface="+mj-ea"/>
-                <a:cs typeface="+mj-cs"/>
-              </a:rPr>
-              <a:t>Implementing CRUD Operations in React</a:t>
-            </a:r>
-          </a:p>
-        </p:txBody>
-      </p:sp>
-      <p:sp>
-        <p:nvSpPr>
-          <p:cNvPr id="14" name="Rectangle 13">
-            <a:extLst>
-              <a:ext uri="{FF2B5EF4-FFF2-40B4-BE49-F238E27FC236}">
-                <a16:creationId xmlns:a16="http://schemas.microsoft.com/office/drawing/2014/main" id="{074B4F7D-14B2-478B-8BF5-01E4E0C5D263}"/>
-              </a:ext>
-              <a:ext uri="{C183D7F6-B498-43B3-948B-1728B52AA6E4}">
-                <adec:decorative xmlns:adec="http://schemas.microsoft.com/office/drawing/2017/decorative" val="1"/>
-              </a:ext>
-            </a:extLst>
-          </p:cNvPr>
-          <p:cNvSpPr>
-            <a:spLocks noGrp="1" noRot="1" noChangeAspect="1" noMove="1" noResize="1" noEditPoints="1" noAdjustHandles="1" noChangeArrowheads="1" noChangeShapeType="1" noTextEdit="1"/>
-          </p:cNvSpPr>
-          <p:nvPr>
-            <p:extLst>
-              <p:ext uri="{386F3935-93C4-4BCD-93E2-E3B085C9AB24}">
-                <p16:designElem xmlns:p16="http://schemas.microsoft.com/office/powerpoint/2015/main" val="1"/>
-              </p:ext>
-            </p:extLst>
-          </p:nvPr>
-        </p:nvSpPr>
-        <p:spPr>
-          <a:xfrm>
-            <a:off x="498834" y="758952"/>
-            <a:ext cx="128016" cy="704088"/>
-          </a:xfrm>
-          <a:prstGeom prst="rect">
-            <a:avLst/>
-          </a:prstGeom>
-          <a:solidFill>
-            <a:schemeClr val="accent2"/>
-          </a:solidFill>
-          <a:ln>
-            <a:noFill/>
-          </a:ln>
-        </p:spPr>
-        <p:style>
-          <a:lnRef idx="2">
-            <a:schemeClr val="accent1">
-              <a:shade val="50000"/>
-            </a:schemeClr>
-          </a:lnRef>
-          <a:fillRef idx="1">
-            <a:schemeClr val="accent1"/>
-          </a:fillRef>
-          <a:effectRef idx="0">
-            <a:schemeClr val="accent1"/>
-          </a:effectRef>
-          <a:fontRef idx="minor">
-            <a:schemeClr val="lt1"/>
-          </a:fontRef>
-        </p:style>
-        <p:txBody>
-          <a:bodyPr rtlCol="0" anchor="ctr"/>
-          <a:lstStyle/>
-          <a:p>
-            <a:pPr algn="ctr"/>
-            <a:endParaRPr lang="en-US">
-              <a:solidFill>
-                <a:prstClr val="white"/>
-              </a:solidFill>
-              <a:latin typeface="Calibri" panose="020F0502020204030204"/>
-            </a:endParaRPr>
-          </a:p>
-        </p:txBody>
-      </p:sp>
-      <p:sp>
-        <p:nvSpPr>
-          <p:cNvPr id="3" name="Text Placeholder 2">
-            <a:extLst>
-              <a:ext uri="{FF2B5EF4-FFF2-40B4-BE49-F238E27FC236}">
-                <a16:creationId xmlns:a16="http://schemas.microsoft.com/office/drawing/2014/main" id="{48CFA273-411E-22F5-93B0-D9EF28F8F219}"/>
-              </a:ext>
-            </a:extLst>
-          </p:cNvPr>
-          <p:cNvSpPr>
-            <a:spLocks noGrp="1"/>
-          </p:cNvSpPr>
-          <p:nvPr>
-            <p:ph type="body" idx="1"/>
-          </p:nvPr>
-        </p:nvSpPr>
-        <p:spPr>
-          <a:xfrm>
-            <a:off x="1115568" y="2481943"/>
-            <a:ext cx="10168128" cy="3695020"/>
+            <a:off x="5370153" y="1526033"/>
+            <a:ext cx="5536397" cy="3935281"/>
           </a:xfrm>
         </p:spPr>
         <p:txBody>
@@ -6995,67 +7955,31 @@
               <a:buNone/>
             </a:pPr>
             <a:r>
-              <a:rPr lang="en-US" sz="2200" b="0" i="0" u="none" strike="noStrike" baseline="0" dirty="0"/>
-              <a:t>Performing CRUD Operations in React</a:t>
-            </a:r>
-          </a:p>
-          <a:p>
-            <a:pPr marR="0" lvl="2"/>
-            <a:r>
-              <a:rPr lang="en-US" sz="2200" b="1" i="1" u="none" strike="noStrike" baseline="0" dirty="0"/>
-              <a:t>Create</a:t>
-            </a:r>
-            <a:r>
-              <a:rPr lang="en-US" sz="2200" b="0" i="1" u="none" strike="noStrike" baseline="0" dirty="0"/>
-              <a:t>: Form to add new users and roles using POST.</a:t>
-            </a:r>
-          </a:p>
-          <a:p>
-            <a:pPr marR="0" lvl="2"/>
-            <a:r>
-              <a:rPr lang="en-US" sz="2200" b="1" i="1" u="none" strike="noStrike" baseline="0" dirty="0"/>
-              <a:t>Read</a:t>
-            </a:r>
-            <a:r>
-              <a:rPr lang="en-US" sz="2200" b="0" i="1" u="none" strike="noStrike" baseline="0" dirty="0"/>
-              <a:t>: Display data fetched from API.</a:t>
-            </a:r>
-          </a:p>
-          <a:p>
-            <a:pPr marR="0" lvl="2"/>
-            <a:r>
-              <a:rPr lang="en-US" sz="2200" b="1" i="1" u="none" strike="noStrike" baseline="0" dirty="0"/>
-              <a:t>Update</a:t>
-            </a:r>
-            <a:r>
-              <a:rPr lang="en-US" sz="2200" b="0" i="1" u="none" strike="noStrike" baseline="0" dirty="0"/>
-              <a:t>: Edit functionality for users and roles (using PUT).</a:t>
-            </a:r>
-          </a:p>
-          <a:p>
-            <a:pPr marR="0" lvl="2"/>
-            <a:r>
-              <a:rPr lang="en-US" sz="2200" b="1" i="1" u="none" strike="noStrike" baseline="0" dirty="0"/>
-              <a:t>Delete</a:t>
-            </a:r>
-            <a:r>
-              <a:rPr lang="en-US" sz="2200" b="0" i="1" u="none" strike="noStrike" baseline="0" dirty="0"/>
-              <a:t>: Remove users or roles with DELETE.</a:t>
-            </a:r>
-          </a:p>
-          <a:p>
-            <a:pPr marR="0" lvl="2"/>
-            <a:r>
-              <a:rPr lang="en-US" sz="2200" b="0" i="1" u="none" strike="noStrike" baseline="0" dirty="0"/>
-              <a:t>Example: </a:t>
-            </a:r>
-            <a:r>
-              <a:rPr lang="en-US" sz="2200" b="0" i="1" u="none" strike="noStrike" baseline="0" dirty="0" err="1"/>
-              <a:t>Axios</a:t>
-            </a:r>
-            <a:r>
-              <a:rPr lang="en-US" sz="2200" b="0" i="1" u="none" strike="noStrike" baseline="0" dirty="0"/>
-              <a:t> requests (GET, POST, PUT, DELETE) and updating UI based on API responses.</a:t>
+              <a:rPr lang="en-US" b="0" i="0" u="none" strike="noStrike" baseline="0"/>
+              <a:t>Practice</a:t>
+            </a:r>
+            <a:r>
+              <a:rPr lang="en-US" b="0" i="0" u="none" strike="noStrike" baseline="0" dirty="0"/>
+              <a:t>: Using Copilot for </a:t>
+            </a:r>
+            <a:r>
+              <a:rPr lang="en-US" b="0" i="0" u="none" strike="noStrike" baseline="0"/>
+              <a:t>Non-Coding Tasks</a:t>
+            </a:r>
+            <a:endParaRPr lang="en-US" b="0" i="0" u="none" strike="noStrike" baseline="0" dirty="0"/>
+          </a:p>
+          <a:p>
+            <a:pPr marR="0" lvl="1"/>
+            <a:r>
+              <a:rPr lang="en-US" b="0" i="0" u="none" strike="noStrike" baseline="0" dirty="0"/>
+              <a:t>Generate SRS, test cases, and API designs using Copilot.</a:t>
+            </a:r>
+          </a:p>
+          <a:p>
+            <a:pPr marR="0" lvl="1"/>
+            <a:r>
+              <a:rPr lang="en-US" b="0" i="0" u="none" strike="noStrike" baseline="0" dirty="0"/>
+              <a:t>Teams practice using Copilot to handle these broader software development tasks.</a:t>
             </a:r>
           </a:p>
         </p:txBody>
@@ -7063,356 +7987,7 @@
     </p:spTree>
     <p:extLst>
       <p:ext uri="{BB962C8B-B14F-4D97-AF65-F5344CB8AC3E}">
-        <p14:creationId xmlns:p14="http://schemas.microsoft.com/office/powerpoint/2010/main" val="1106600703"/>
-      </p:ext>
-    </p:extLst>
-  </p:cSld>
-  <p:clrMapOvr>
-    <a:masterClrMapping/>
-  </p:clrMapOvr>
-</p:sld>
-</file>
-
-<file path=ppt/slides/slide8.xml><?xml version="1.0" encoding="utf-8"?>
-<p:sld xmlns:a="http://schemas.openxmlformats.org/drawingml/2006/main" xmlns:r="http://schemas.openxmlformats.org/officeDocument/2006/relationships" xmlns:p="http://schemas.openxmlformats.org/presentationml/2006/main">
-  <p:cSld>
-    <p:bg>
-      <p:bgPr>
-        <a:solidFill>
-          <a:schemeClr val="bg1"/>
-        </a:solidFill>
-        <a:effectLst/>
-      </p:bgPr>
-    </p:bg>
-    <p:spTree>
-      <p:nvGrpSpPr>
-        <p:cNvPr id="1" name=""/>
-        <p:cNvGrpSpPr/>
-        <p:nvPr/>
-      </p:nvGrpSpPr>
-      <p:grpSpPr>
-        <a:xfrm>
-          <a:off x="0" y="0"/>
-          <a:ext cx="0" cy="0"/>
-          <a:chOff x="0" y="0"/>
-          <a:chExt cx="0" cy="0"/>
-        </a:xfrm>
-      </p:grpSpPr>
-      <p:sp useBgFill="1">
-        <p:nvSpPr>
-          <p:cNvPr id="8" name="Rectangle 7">
-            <a:extLst>
-              <a:ext uri="{FF2B5EF4-FFF2-40B4-BE49-F238E27FC236}">
-                <a16:creationId xmlns:a16="http://schemas.microsoft.com/office/drawing/2014/main" id="{CBB2B1F0-0DD6-4744-9A46-7A344FB48E40}"/>
-              </a:ext>
-              <a:ext uri="{C183D7F6-B498-43B3-948B-1728B52AA6E4}">
-                <adec:decorative xmlns:adec="http://schemas.microsoft.com/office/drawing/2017/decorative" val="1"/>
-              </a:ext>
-            </a:extLst>
-          </p:cNvPr>
-          <p:cNvSpPr>
-            <a:spLocks noGrp="1" noRot="1" noChangeAspect="1" noMove="1" noResize="1" noEditPoints="1" noAdjustHandles="1" noChangeArrowheads="1" noChangeShapeType="1" noTextEdit="1"/>
-          </p:cNvSpPr>
-          <p:nvPr>
-            <p:extLst>
-              <p:ext uri="{386F3935-93C4-4BCD-93E2-E3B085C9AB24}">
-                <p16:designElem xmlns:p16="http://schemas.microsoft.com/office/powerpoint/2015/main" val="1"/>
-              </p:ext>
-            </p:extLst>
-          </p:nvPr>
-        </p:nvSpPr>
-        <p:spPr>
-          <a:xfrm>
-            <a:off x="0" y="0"/>
-            <a:ext cx="12192000" cy="6858000"/>
-          </a:xfrm>
-          <a:prstGeom prst="rect">
-            <a:avLst/>
-          </a:prstGeom>
-          <a:ln>
-            <a:noFill/>
-          </a:ln>
-        </p:spPr>
-        <p:style>
-          <a:lnRef idx="2">
-            <a:schemeClr val="accent1">
-              <a:shade val="50000"/>
-            </a:schemeClr>
-          </a:lnRef>
-          <a:fillRef idx="1">
-            <a:schemeClr val="accent1"/>
-          </a:fillRef>
-          <a:effectRef idx="0">
-            <a:schemeClr val="accent1"/>
-          </a:effectRef>
-          <a:fontRef idx="minor">
-            <a:schemeClr val="lt1"/>
-          </a:fontRef>
-        </p:style>
-        <p:txBody>
-          <a:bodyPr rtlCol="0" anchor="ctr"/>
-          <a:lstStyle/>
-          <a:p>
-            <a:pPr algn="ctr"/>
-            <a:endParaRPr lang="en-US"/>
-          </a:p>
-        </p:txBody>
-      </p:sp>
-      <p:sp>
-        <p:nvSpPr>
-          <p:cNvPr id="2" name="Title 1">
-            <a:extLst>
-              <a:ext uri="{FF2B5EF4-FFF2-40B4-BE49-F238E27FC236}">
-                <a16:creationId xmlns:a16="http://schemas.microsoft.com/office/drawing/2014/main" id="{B62E6759-86EF-D482-917F-6CBFFB268204}"/>
-              </a:ext>
-            </a:extLst>
-          </p:cNvPr>
-          <p:cNvSpPr>
-            <a:spLocks noGrp="1"/>
-          </p:cNvSpPr>
-          <p:nvPr>
-            <p:ph type="title"/>
-          </p:nvPr>
-        </p:nvSpPr>
-        <p:spPr>
-          <a:xfrm>
-            <a:off x="841248" y="426720"/>
-            <a:ext cx="10506456" cy="1919141"/>
-          </a:xfrm>
-        </p:spPr>
-        <p:txBody>
-          <a:bodyPr vert="horz" lIns="91440" tIns="45720" rIns="91440" bIns="45720" rtlCol="0" anchor="b">
-            <a:normAutofit/>
-          </a:bodyPr>
-          <a:lstStyle/>
-          <a:p>
-            <a:pPr marR="0"/>
-            <a:r>
-              <a:rPr lang="en-US" sz="6000" b="0" i="0" u="none" strike="noStrike" kern="1200" baseline="0">
-                <a:solidFill>
-                  <a:schemeClr val="tx1"/>
-                </a:solidFill>
-                <a:latin typeface="+mj-lt"/>
-                <a:ea typeface="+mj-ea"/>
-                <a:cs typeface="+mj-cs"/>
-              </a:rPr>
-              <a:t>Handling Error and Security (Authentication)</a:t>
-            </a:r>
-          </a:p>
-        </p:txBody>
-      </p:sp>
-      <p:sp>
-        <p:nvSpPr>
-          <p:cNvPr id="10" name="Rectangle 9">
-            <a:extLst>
-              <a:ext uri="{FF2B5EF4-FFF2-40B4-BE49-F238E27FC236}">
-                <a16:creationId xmlns:a16="http://schemas.microsoft.com/office/drawing/2014/main" id="{52D502E5-F6B4-4D58-B4AE-FC466FF15EE8}"/>
-              </a:ext>
-              <a:ext uri="{C183D7F6-B498-43B3-948B-1728B52AA6E4}">
-                <adec:decorative xmlns:adec="http://schemas.microsoft.com/office/drawing/2017/decorative" val="1"/>
-              </a:ext>
-            </a:extLst>
-          </p:cNvPr>
-          <p:cNvSpPr>
-            <a:spLocks noGrp="1" noRot="1" noChangeAspect="1" noMove="1" noResize="1" noEditPoints="1" noAdjustHandles="1" noChangeArrowheads="1" noChangeShapeType="1" noTextEdit="1"/>
-          </p:cNvSpPr>
-          <p:nvPr>
-            <p:extLst>
-              <p:ext uri="{386F3935-93C4-4BCD-93E2-E3B085C9AB24}">
-                <p16:designElem xmlns:p16="http://schemas.microsoft.com/office/powerpoint/2015/main" val="1"/>
-              </p:ext>
-            </p:extLst>
-          </p:nvPr>
-        </p:nvSpPr>
-        <p:spPr>
-          <a:xfrm>
-            <a:off x="865953" y="2899927"/>
-            <a:ext cx="10451592" cy="18288"/>
-          </a:xfrm>
-          <a:prstGeom prst="rect">
-            <a:avLst/>
-          </a:prstGeom>
-          <a:solidFill>
-            <a:srgbClr val="D5D5D5"/>
-          </a:solidFill>
-          <a:ln w="3175">
-            <a:noFill/>
-          </a:ln>
-          <a:effectLst/>
-        </p:spPr>
-        <p:style>
-          <a:lnRef idx="2">
-            <a:schemeClr val="accent1">
-              <a:shade val="50000"/>
-            </a:schemeClr>
-          </a:lnRef>
-          <a:fillRef idx="1">
-            <a:schemeClr val="accent1"/>
-          </a:fillRef>
-          <a:effectRef idx="0">
-            <a:schemeClr val="accent1"/>
-          </a:effectRef>
-          <a:fontRef idx="minor">
-            <a:schemeClr val="lt1"/>
-          </a:fontRef>
-        </p:style>
-        <p:txBody>
-          <a:bodyPr rtlCol="0" anchor="ctr"/>
-          <a:lstStyle/>
-          <a:p>
-            <a:pPr algn="ctr"/>
-            <a:endParaRPr lang="en-US">
-              <a:solidFill>
-                <a:prstClr val="white"/>
-              </a:solidFill>
-              <a:latin typeface="Calibri" panose="020F0502020204030204"/>
-            </a:endParaRPr>
-          </a:p>
-        </p:txBody>
-      </p:sp>
-      <p:sp>
-        <p:nvSpPr>
-          <p:cNvPr id="12" name="Rectangle 11">
-            <a:extLst>
-              <a:ext uri="{FF2B5EF4-FFF2-40B4-BE49-F238E27FC236}">
-                <a16:creationId xmlns:a16="http://schemas.microsoft.com/office/drawing/2014/main" id="{9DECDBF4-02B6-4BB4-B65B-B8107AD6A9E8}"/>
-              </a:ext>
-              <a:ext uri="{C183D7F6-B498-43B3-948B-1728B52AA6E4}">
-                <adec:decorative xmlns:adec="http://schemas.microsoft.com/office/drawing/2017/decorative" val="1"/>
-              </a:ext>
-            </a:extLst>
-          </p:cNvPr>
-          <p:cNvSpPr>
-            <a:spLocks noGrp="1" noRot="1" noChangeAspect="1" noMove="1" noResize="1" noEditPoints="1" noAdjustHandles="1" noChangeArrowheads="1" noChangeShapeType="1" noTextEdit="1"/>
-          </p:cNvSpPr>
-          <p:nvPr>
-            <p:extLst>
-              <p:ext uri="{386F3935-93C4-4BCD-93E2-E3B085C9AB24}">
-                <p16:designElem xmlns:p16="http://schemas.microsoft.com/office/powerpoint/2015/main" val="1"/>
-              </p:ext>
-            </p:extLst>
-          </p:nvPr>
-        </p:nvSpPr>
-        <p:spPr>
-          <a:xfrm flipV="1">
-            <a:off x="841248" y="2776031"/>
-            <a:ext cx="1873457" cy="137160"/>
-          </a:xfrm>
-          <a:prstGeom prst="rect">
-            <a:avLst/>
-          </a:prstGeom>
-          <a:solidFill>
-            <a:schemeClr val="accent2"/>
-          </a:solidFill>
-          <a:ln>
-            <a:noFill/>
-          </a:ln>
-        </p:spPr>
-        <p:style>
-          <a:lnRef idx="2">
-            <a:schemeClr val="accent1">
-              <a:shade val="50000"/>
-            </a:schemeClr>
-          </a:lnRef>
-          <a:fillRef idx="1">
-            <a:schemeClr val="accent1"/>
-          </a:fillRef>
-          <a:effectRef idx="0">
-            <a:schemeClr val="accent1"/>
-          </a:effectRef>
-          <a:fontRef idx="minor">
-            <a:schemeClr val="lt1"/>
-          </a:fontRef>
-        </p:style>
-        <p:txBody>
-          <a:bodyPr rtlCol="0" anchor="ctr"/>
-          <a:lstStyle/>
-          <a:p>
-            <a:pPr algn="ctr"/>
-            <a:endParaRPr lang="en-US">
-              <a:solidFill>
-                <a:prstClr val="white"/>
-              </a:solidFill>
-              <a:latin typeface="Calibri" panose="020F0502020204030204"/>
-            </a:endParaRPr>
-          </a:p>
-        </p:txBody>
-      </p:sp>
-      <p:sp>
-        <p:nvSpPr>
-          <p:cNvPr id="3" name="Text Placeholder 2">
-            <a:extLst>
-              <a:ext uri="{FF2B5EF4-FFF2-40B4-BE49-F238E27FC236}">
-                <a16:creationId xmlns:a16="http://schemas.microsoft.com/office/drawing/2014/main" id="{B4C62594-F15B-9C7C-6143-059834FD6A74}"/>
-              </a:ext>
-            </a:extLst>
-          </p:cNvPr>
-          <p:cNvSpPr>
-            <a:spLocks noGrp="1"/>
-          </p:cNvSpPr>
-          <p:nvPr>
-            <p:ph type="body" idx="1"/>
-          </p:nvPr>
-        </p:nvSpPr>
-        <p:spPr>
-          <a:xfrm>
-            <a:off x="841248" y="3337269"/>
-            <a:ext cx="10509504" cy="2905686"/>
-          </a:xfrm>
-        </p:spPr>
-        <p:txBody>
-          <a:bodyPr vert="horz" lIns="91440" tIns="45720" rIns="91440" bIns="45720" rtlCol="0">
-            <a:normAutofit/>
-          </a:bodyPr>
-          <a:lstStyle/>
-          <a:p>
-            <a:pPr marL="0" marR="0" lvl="0"/>
-            <a:r>
-              <a:rPr lang="en-US" sz="2200" b="0" i="0" u="none" strike="noStrike" baseline="0"/>
-              <a:t>Handling Errors and Securing API Requests</a:t>
-            </a:r>
-          </a:p>
-          <a:p>
-            <a:pPr marR="0" lvl="2"/>
-            <a:r>
-              <a:rPr lang="en-US" sz="2200" b="0" i="1" u="none" strike="noStrike" baseline="0"/>
-              <a:t>Error handling in React (e.g., 404, 500 errors) and showing appropriate messages to users.</a:t>
-            </a:r>
-          </a:p>
-          <a:p>
-            <a:pPr marR="0" lvl="2"/>
-            <a:r>
-              <a:rPr lang="en-US" sz="2200" b="0" i="1" u="none" strike="noStrike" baseline="0"/>
-              <a:t>Securing API calls using JWT or OAuth:</a:t>
-            </a:r>
-          </a:p>
-          <a:p>
-            <a:pPr marR="0" lvl="2"/>
-            <a:r>
-              <a:rPr lang="en-US" sz="2200" b="0" i="1" u="none" strike="noStrike" baseline="0"/>
-              <a:t>Adding token to Axios headers.</a:t>
-            </a:r>
-          </a:p>
-          <a:p>
-            <a:pPr marR="0" lvl="2"/>
-            <a:r>
-              <a:rPr lang="en-US" sz="2200" b="0" i="1" u="none" strike="noStrike" baseline="0"/>
-              <a:t>Securing Spring Boot endpoints with Spring Security.</a:t>
-            </a:r>
-          </a:p>
-          <a:p>
-            <a:pPr marR="0" lvl="2"/>
-            <a:r>
-              <a:rPr lang="en-US" sz="2200" b="0" i="1" u="none" strike="noStrike" baseline="0"/>
-              <a:t>Example: Implementing basic login in React and passing authentication tokens to secure CRUD operations.</a:t>
-            </a:r>
-          </a:p>
-        </p:txBody>
-      </p:sp>
-    </p:spTree>
-    <p:extLst>
-      <p:ext uri="{BB962C8B-B14F-4D97-AF65-F5344CB8AC3E}">
-        <p14:creationId xmlns:p14="http://schemas.microsoft.com/office/powerpoint/2010/main" val="396334206"/>
+        <p14:creationId xmlns:p14="http://schemas.microsoft.com/office/powerpoint/2010/main" val="3597613232"/>
       </p:ext>
     </p:extLst>
   </p:cSld>
